--- a/documentation/Demo_Quote_of_the_day.pptx
+++ b/documentation/Demo_Quote_of_the_day.pptx
@@ -3,16 +3,17 @@
 <p:presentation xmlns:a="http://schemas.openxmlformats.org/drawingml/2006/main" xmlns:p="http://schemas.openxmlformats.org/presentationml/2006/main" xmlns:r="http://schemas.openxmlformats.org/officeDocument/2006/relationships">
   <p:sldMasterIdLst>
     <p:sldMasterId id="2147483648" r:id="rId2"/>
+    <p:sldMasterId id="2147483661" r:id="rId3"/>
   </p:sldMasterIdLst>
   <p:sldIdLst>
-    <p:sldId id="256" r:id="rId3"/>
-    <p:sldId id="257" r:id="rId4"/>
-    <p:sldId id="258" r:id="rId5"/>
-    <p:sldId id="259" r:id="rId6"/>
-    <p:sldId id="260" r:id="rId7"/>
-    <p:sldId id="261" r:id="rId8"/>
-    <p:sldId id="262" r:id="rId9"/>
-    <p:sldId id="263" r:id="rId10"/>
+    <p:sldId id="256" r:id="rId4"/>
+    <p:sldId id="257" r:id="rId5"/>
+    <p:sldId id="258" r:id="rId6"/>
+    <p:sldId id="259" r:id="rId7"/>
+    <p:sldId id="260" r:id="rId8"/>
+    <p:sldId id="261" r:id="rId9"/>
+    <p:sldId id="262" r:id="rId10"/>
+    <p:sldId id="263" r:id="rId11"/>
   </p:sldIdLst>
   <p:sldSz cx="10080625" cy="7559675"/>
   <p:notesSz cx="7772400" cy="10058400"/>
@@ -60,7 +61,7 @@
       </p:grpSpPr>
       <p:sp>
         <p:nvSpPr>
-          <p:cNvPr id="26" name="PlaceHolder 1"/>
+          <p:cNvPr id="23" name="PlaceHolder 1"/>
           <p:cNvSpPr>
             <a:spLocks noGrp="1"/>
           </p:cNvSpPr>
@@ -71,7 +72,7 @@
         <p:spPr>
           <a:xfrm>
             <a:off x="504000" y="301320"/>
-            <a:ext cx="9071640" cy="1262160"/>
+            <a:ext cx="9071280" cy="1261800"/>
           </a:xfrm>
           <a:prstGeom prst="rect">
             <a:avLst/>
@@ -97,7 +98,7 @@
       </p:sp>
       <p:sp>
         <p:nvSpPr>
-          <p:cNvPr id="27" name="PlaceHolder 2"/>
+          <p:cNvPr id="24" name="PlaceHolder 2"/>
           <p:cNvSpPr>
             <a:spLocks noGrp="1"/>
           </p:cNvSpPr>
@@ -108,7 +109,7 @@
         <p:spPr>
           <a:xfrm>
             <a:off x="504000" y="1769040"/>
-            <a:ext cx="9071640" cy="2091240"/>
+            <a:ext cx="9071280" cy="2090880"/>
           </a:xfrm>
           <a:prstGeom prst="rect">
             <a:avLst/>
@@ -133,7 +134,7 @@
       </p:sp>
       <p:sp>
         <p:nvSpPr>
-          <p:cNvPr id="28" name="PlaceHolder 3"/>
+          <p:cNvPr id="25" name="PlaceHolder 3"/>
           <p:cNvSpPr>
             <a:spLocks noGrp="1"/>
           </p:cNvSpPr>
@@ -143,8 +144,8 @@
         </p:nvSpPr>
         <p:spPr>
           <a:xfrm>
-            <a:off x="504000" y="4059360"/>
-            <a:ext cx="9071640" cy="2091240"/>
+            <a:off x="504000" y="4059000"/>
+            <a:ext cx="9071280" cy="2090880"/>
           </a:xfrm>
           <a:prstGeom prst="rect">
             <a:avLst/>
@@ -191,7 +192,7 @@
       </p:grpSpPr>
       <p:sp>
         <p:nvSpPr>
-          <p:cNvPr id="29" name="PlaceHolder 1"/>
+          <p:cNvPr id="26" name="PlaceHolder 1"/>
           <p:cNvSpPr>
             <a:spLocks noGrp="1"/>
           </p:cNvSpPr>
@@ -202,7 +203,7 @@
         <p:spPr>
           <a:xfrm>
             <a:off x="504000" y="301320"/>
-            <a:ext cx="9071640" cy="1262160"/>
+            <a:ext cx="9071280" cy="1261800"/>
           </a:xfrm>
           <a:prstGeom prst="rect">
             <a:avLst/>
@@ -228,7 +229,7 @@
       </p:sp>
       <p:sp>
         <p:nvSpPr>
-          <p:cNvPr id="30" name="PlaceHolder 2"/>
+          <p:cNvPr id="27" name="PlaceHolder 2"/>
           <p:cNvSpPr>
             <a:spLocks noGrp="1"/>
           </p:cNvSpPr>
@@ -239,7 +240,7 @@
         <p:spPr>
           <a:xfrm>
             <a:off x="504000" y="1769040"/>
-            <a:ext cx="4426920" cy="2091240"/>
+            <a:ext cx="4426560" cy="2090880"/>
           </a:xfrm>
           <a:prstGeom prst="rect">
             <a:avLst/>
@@ -264,7 +265,7 @@
       </p:sp>
       <p:sp>
         <p:nvSpPr>
-          <p:cNvPr id="31" name="PlaceHolder 3"/>
+          <p:cNvPr id="28" name="PlaceHolder 3"/>
           <p:cNvSpPr>
             <a:spLocks noGrp="1"/>
           </p:cNvSpPr>
@@ -274,8 +275,8 @@
         </p:nvSpPr>
         <p:spPr>
           <a:xfrm>
-            <a:off x="5152680" y="1769040"/>
-            <a:ext cx="4426920" cy="2091240"/>
+            <a:off x="5152320" y="1769040"/>
+            <a:ext cx="4426560" cy="2090880"/>
           </a:xfrm>
           <a:prstGeom prst="rect">
             <a:avLst/>
@@ -300,7 +301,7 @@
       </p:sp>
       <p:sp>
         <p:nvSpPr>
-          <p:cNvPr id="32" name="PlaceHolder 4"/>
+          <p:cNvPr id="29" name="PlaceHolder 4"/>
           <p:cNvSpPr>
             <a:spLocks noGrp="1"/>
           </p:cNvSpPr>
@@ -310,8 +311,8 @@
         </p:nvSpPr>
         <p:spPr>
           <a:xfrm>
-            <a:off x="5152680" y="4059360"/>
-            <a:ext cx="4426920" cy="2091240"/>
+            <a:off x="5152320" y="4059000"/>
+            <a:ext cx="4426560" cy="2090880"/>
           </a:xfrm>
           <a:prstGeom prst="rect">
             <a:avLst/>
@@ -336,7 +337,7 @@
       </p:sp>
       <p:sp>
         <p:nvSpPr>
-          <p:cNvPr id="33" name="PlaceHolder 5"/>
+          <p:cNvPr id="30" name="PlaceHolder 5"/>
           <p:cNvSpPr>
             <a:spLocks noGrp="1"/>
           </p:cNvSpPr>
@@ -346,8 +347,8 @@
         </p:nvSpPr>
         <p:spPr>
           <a:xfrm>
-            <a:off x="504000" y="4059360"/>
-            <a:ext cx="4426920" cy="2091240"/>
+            <a:off x="504000" y="4059000"/>
+            <a:ext cx="4426560" cy="2090880"/>
           </a:xfrm>
           <a:prstGeom prst="rect">
             <a:avLst/>
@@ -394,7 +395,7 @@
       </p:grpSpPr>
       <p:sp>
         <p:nvSpPr>
-          <p:cNvPr id="34" name="PlaceHolder 1"/>
+          <p:cNvPr id="31" name="PlaceHolder 1"/>
           <p:cNvSpPr>
             <a:spLocks noGrp="1"/>
           </p:cNvSpPr>
@@ -405,7 +406,7 @@
         <p:spPr>
           <a:xfrm>
             <a:off x="504000" y="301320"/>
-            <a:ext cx="9071640" cy="1262160"/>
+            <a:ext cx="9071280" cy="1261800"/>
           </a:xfrm>
           <a:prstGeom prst="rect">
             <a:avLst/>
@@ -431,7 +432,7 @@
       </p:sp>
       <p:sp>
         <p:nvSpPr>
-          <p:cNvPr id="35" name="PlaceHolder 2"/>
+          <p:cNvPr id="32" name="PlaceHolder 2"/>
           <p:cNvSpPr>
             <a:spLocks noGrp="1"/>
           </p:cNvSpPr>
@@ -442,7 +443,7 @@
         <p:spPr>
           <a:xfrm>
             <a:off x="504000" y="1769040"/>
-            <a:ext cx="9071640" cy="4384440"/>
+            <a:ext cx="9071280" cy="4384080"/>
           </a:xfrm>
           <a:prstGeom prst="rect">
             <a:avLst/>
@@ -467,7 +468,7 @@
       </p:sp>
       <p:sp>
         <p:nvSpPr>
-          <p:cNvPr id="36" name="PlaceHolder 3"/>
+          <p:cNvPr id="33" name="PlaceHolder 3"/>
           <p:cNvSpPr>
             <a:spLocks noGrp="1"/>
           </p:cNvSpPr>
@@ -478,7 +479,7 @@
         <p:spPr>
           <a:xfrm>
             <a:off x="504000" y="1769040"/>
-            <a:ext cx="9071640" cy="4384440"/>
+            <a:ext cx="9071280" cy="4384080"/>
           </a:xfrm>
           <a:prstGeom prst="rect">
             <a:avLst/>
@@ -503,7 +504,7 @@
       </p:sp>
       <p:pic>
         <p:nvPicPr>
-          <p:cNvPr id="37" name="" descr=""/>
+          <p:cNvPr id="34" name="" descr=""/>
           <p:cNvPicPr/>
           <p:nvPr/>
         </p:nvPicPr>
@@ -513,8 +514,8 @@
         </p:blipFill>
         <p:spPr>
           <a:xfrm>
-            <a:off x="2292120" y="1768680"/>
-            <a:ext cx="5495040" cy="4384440"/>
+            <a:off x="2292120" y="1769040"/>
+            <a:ext cx="5494680" cy="4384080"/>
           </a:xfrm>
           <a:prstGeom prst="rect">
             <a:avLst/>
@@ -526,7 +527,7 @@
       </p:pic>
       <p:pic>
         <p:nvPicPr>
-          <p:cNvPr id="38" name="" descr=""/>
+          <p:cNvPr id="35" name="" descr=""/>
           <p:cNvPicPr/>
           <p:nvPr/>
         </p:nvPicPr>
@@ -536,8 +537,8 @@
         </p:blipFill>
         <p:spPr>
           <a:xfrm>
-            <a:off x="2292120" y="1768680"/>
-            <a:ext cx="5495040" cy="4384440"/>
+            <a:off x="2292120" y="1769040"/>
+            <a:ext cx="5494680" cy="4384080"/>
           </a:xfrm>
           <a:prstGeom prst="rect">
             <a:avLst/>
@@ -547,6 +548,635 @@
           </a:ln>
         </p:spPr>
       </p:pic>
+    </p:spTree>
+  </p:cSld>
+</p:sldLayout>
+</file>
+
+<file path=ppt/slideLayouts/slideLayout13.xml><?xml version="1.0" encoding="utf-8"?>
+<p:sldLayout xmlns:a="http://schemas.openxmlformats.org/drawingml/2006/main" xmlns:p="http://schemas.openxmlformats.org/presentationml/2006/main" xmlns:r="http://schemas.openxmlformats.org/officeDocument/2006/relationships" type="blank" preserve="1">
+  <p:cSld name="Blank Slide">
+    <p:spTree>
+      <p:nvGrpSpPr>
+        <p:cNvPr id="1" name=""/>
+        <p:cNvGrpSpPr/>
+        <p:nvPr/>
+      </p:nvGrpSpPr>
+      <p:grpSpPr>
+        <a:xfrm>
+          <a:off x="0" y="0"/>
+          <a:ext cx="0" cy="0"/>
+          <a:chOff x="0" y="0"/>
+          <a:chExt cx="0" cy="0"/>
+        </a:xfrm>
+      </p:grpSpPr>
+    </p:spTree>
+  </p:cSld>
+</p:sldLayout>
+</file>
+
+<file path=ppt/slideLayouts/slideLayout14.xml><?xml version="1.0" encoding="utf-8"?>
+<p:sldLayout xmlns:a="http://schemas.openxmlformats.org/drawingml/2006/main" xmlns:p="http://schemas.openxmlformats.org/presentationml/2006/main" xmlns:r="http://schemas.openxmlformats.org/officeDocument/2006/relationships" type="tx" preserve="1">
+  <p:cSld name="Title Slide">
+    <p:spTree>
+      <p:nvGrpSpPr>
+        <p:cNvPr id="1" name=""/>
+        <p:cNvGrpSpPr/>
+        <p:nvPr/>
+      </p:nvGrpSpPr>
+      <p:grpSpPr>
+        <a:xfrm>
+          <a:off x="0" y="0"/>
+          <a:ext cx="0" cy="0"/>
+          <a:chOff x="0" y="0"/>
+          <a:chExt cx="0" cy="0"/>
+        </a:xfrm>
+      </p:grpSpPr>
+      <p:sp>
+        <p:nvSpPr>
+          <p:cNvPr id="38" name="PlaceHolder 1"/>
+          <p:cNvSpPr>
+            <a:spLocks noGrp="1"/>
+          </p:cNvSpPr>
+          <p:nvPr>
+            <p:ph type="title"/>
+          </p:nvPr>
+        </p:nvSpPr>
+        <p:spPr>
+          <a:xfrm>
+            <a:off x="504000" y="301320"/>
+            <a:ext cx="9071280" cy="1261800"/>
+          </a:xfrm>
+          <a:prstGeom prst="rect">
+            <a:avLst/>
+          </a:prstGeom>
+        </p:spPr>
+        <p:txBody>
+          <a:bodyPr lIns="0" rIns="0" tIns="0" bIns="0" anchor="ctr"/>
+          <a:p>
+            <a:pPr algn="ctr"/>
+            <a:endParaRPr b="0" lang="en-US" sz="4400" spc="-1" strike="noStrike">
+              <a:solidFill>
+                <a:srgbClr val="000000"/>
+              </a:solidFill>
+              <a:uFill>
+                <a:solidFill>
+                  <a:srgbClr val="ffffff"/>
+                </a:solidFill>
+              </a:uFill>
+              <a:latin typeface="Arial"/>
+            </a:endParaRPr>
+          </a:p>
+        </p:txBody>
+      </p:sp>
+      <p:sp>
+        <p:nvSpPr>
+          <p:cNvPr id="39" name="PlaceHolder 2"/>
+          <p:cNvSpPr>
+            <a:spLocks noGrp="1"/>
+          </p:cNvSpPr>
+          <p:nvPr>
+            <p:ph type="subTitle"/>
+          </p:nvPr>
+        </p:nvSpPr>
+        <p:spPr>
+          <a:xfrm>
+            <a:off x="504000" y="1769040"/>
+            <a:ext cx="9071280" cy="4384080"/>
+          </a:xfrm>
+          <a:prstGeom prst="rect">
+            <a:avLst/>
+          </a:prstGeom>
+        </p:spPr>
+        <p:txBody>
+          <a:bodyPr lIns="0" rIns="0" tIns="0" bIns="0" anchor="ctr"/>
+          <a:p>
+            <a:pPr algn="ctr"/>
+            <a:endParaRPr b="0" lang="en-US" sz="3200" spc="-1" strike="noStrike">
+              <a:solidFill>
+                <a:srgbClr val="000000"/>
+              </a:solidFill>
+              <a:uFill>
+                <a:solidFill>
+                  <a:srgbClr val="ffffff"/>
+                </a:solidFill>
+              </a:uFill>
+              <a:latin typeface="Arial"/>
+            </a:endParaRPr>
+          </a:p>
+        </p:txBody>
+      </p:sp>
+    </p:spTree>
+  </p:cSld>
+</p:sldLayout>
+</file>
+
+<file path=ppt/slideLayouts/slideLayout15.xml><?xml version="1.0" encoding="utf-8"?>
+<p:sldLayout xmlns:a="http://schemas.openxmlformats.org/drawingml/2006/main" xmlns:p="http://schemas.openxmlformats.org/presentationml/2006/main" xmlns:r="http://schemas.openxmlformats.org/officeDocument/2006/relationships" type="obj" preserve="1">
+  <p:cSld name="Title, Content">
+    <p:spTree>
+      <p:nvGrpSpPr>
+        <p:cNvPr id="1" name=""/>
+        <p:cNvGrpSpPr/>
+        <p:nvPr/>
+      </p:nvGrpSpPr>
+      <p:grpSpPr>
+        <a:xfrm>
+          <a:off x="0" y="0"/>
+          <a:ext cx="0" cy="0"/>
+          <a:chOff x="0" y="0"/>
+          <a:chExt cx="0" cy="0"/>
+        </a:xfrm>
+      </p:grpSpPr>
+      <p:sp>
+        <p:nvSpPr>
+          <p:cNvPr id="40" name="PlaceHolder 1"/>
+          <p:cNvSpPr>
+            <a:spLocks noGrp="1"/>
+          </p:cNvSpPr>
+          <p:nvPr>
+            <p:ph type="title"/>
+          </p:nvPr>
+        </p:nvSpPr>
+        <p:spPr>
+          <a:xfrm>
+            <a:off x="504000" y="301320"/>
+            <a:ext cx="9071280" cy="1261800"/>
+          </a:xfrm>
+          <a:prstGeom prst="rect">
+            <a:avLst/>
+          </a:prstGeom>
+        </p:spPr>
+        <p:txBody>
+          <a:bodyPr lIns="0" rIns="0" tIns="0" bIns="0" anchor="ctr"/>
+          <a:p>
+            <a:pPr algn="ctr"/>
+            <a:endParaRPr b="0" lang="en-US" sz="4400" spc="-1" strike="noStrike">
+              <a:solidFill>
+                <a:srgbClr val="000000"/>
+              </a:solidFill>
+              <a:uFill>
+                <a:solidFill>
+                  <a:srgbClr val="ffffff"/>
+                </a:solidFill>
+              </a:uFill>
+              <a:latin typeface="Arial"/>
+            </a:endParaRPr>
+          </a:p>
+        </p:txBody>
+      </p:sp>
+      <p:sp>
+        <p:nvSpPr>
+          <p:cNvPr id="41" name="PlaceHolder 2"/>
+          <p:cNvSpPr>
+            <a:spLocks noGrp="1"/>
+          </p:cNvSpPr>
+          <p:nvPr>
+            <p:ph type="body"/>
+          </p:nvPr>
+        </p:nvSpPr>
+        <p:spPr>
+          <a:xfrm>
+            <a:off x="504000" y="1769040"/>
+            <a:ext cx="9071280" cy="4384080"/>
+          </a:xfrm>
+          <a:prstGeom prst="rect">
+            <a:avLst/>
+          </a:prstGeom>
+        </p:spPr>
+        <p:txBody>
+          <a:bodyPr lIns="0" rIns="0" tIns="0" bIns="0"/>
+          <a:p>
+            <a:endParaRPr b="0" lang="en-US" sz="3200" spc="-1" strike="noStrike">
+              <a:solidFill>
+                <a:srgbClr val="000000"/>
+              </a:solidFill>
+              <a:uFill>
+                <a:solidFill>
+                  <a:srgbClr val="ffffff"/>
+                </a:solidFill>
+              </a:uFill>
+              <a:latin typeface="Arial"/>
+            </a:endParaRPr>
+          </a:p>
+        </p:txBody>
+      </p:sp>
+    </p:spTree>
+  </p:cSld>
+</p:sldLayout>
+</file>
+
+<file path=ppt/slideLayouts/slideLayout16.xml><?xml version="1.0" encoding="utf-8"?>
+<p:sldLayout xmlns:a="http://schemas.openxmlformats.org/drawingml/2006/main" xmlns:p="http://schemas.openxmlformats.org/presentationml/2006/main" xmlns:r="http://schemas.openxmlformats.org/officeDocument/2006/relationships" type="twoObj" preserve="1">
+  <p:cSld name="Title, 2 Content">
+    <p:spTree>
+      <p:nvGrpSpPr>
+        <p:cNvPr id="1" name=""/>
+        <p:cNvGrpSpPr/>
+        <p:nvPr/>
+      </p:nvGrpSpPr>
+      <p:grpSpPr>
+        <a:xfrm>
+          <a:off x="0" y="0"/>
+          <a:ext cx="0" cy="0"/>
+          <a:chOff x="0" y="0"/>
+          <a:chExt cx="0" cy="0"/>
+        </a:xfrm>
+      </p:grpSpPr>
+      <p:sp>
+        <p:nvSpPr>
+          <p:cNvPr id="42" name="PlaceHolder 1"/>
+          <p:cNvSpPr>
+            <a:spLocks noGrp="1"/>
+          </p:cNvSpPr>
+          <p:nvPr>
+            <p:ph type="title"/>
+          </p:nvPr>
+        </p:nvSpPr>
+        <p:spPr>
+          <a:xfrm>
+            <a:off x="504000" y="301320"/>
+            <a:ext cx="9071280" cy="1261800"/>
+          </a:xfrm>
+          <a:prstGeom prst="rect">
+            <a:avLst/>
+          </a:prstGeom>
+        </p:spPr>
+        <p:txBody>
+          <a:bodyPr lIns="0" rIns="0" tIns="0" bIns="0" anchor="ctr"/>
+          <a:p>
+            <a:pPr algn="ctr"/>
+            <a:endParaRPr b="0" lang="en-US" sz="4400" spc="-1" strike="noStrike">
+              <a:solidFill>
+                <a:srgbClr val="000000"/>
+              </a:solidFill>
+              <a:uFill>
+                <a:solidFill>
+                  <a:srgbClr val="ffffff"/>
+                </a:solidFill>
+              </a:uFill>
+              <a:latin typeface="Arial"/>
+            </a:endParaRPr>
+          </a:p>
+        </p:txBody>
+      </p:sp>
+      <p:sp>
+        <p:nvSpPr>
+          <p:cNvPr id="43" name="PlaceHolder 2"/>
+          <p:cNvSpPr>
+            <a:spLocks noGrp="1"/>
+          </p:cNvSpPr>
+          <p:nvPr>
+            <p:ph type="body"/>
+          </p:nvPr>
+        </p:nvSpPr>
+        <p:spPr>
+          <a:xfrm>
+            <a:off x="504000" y="1769040"/>
+            <a:ext cx="4426560" cy="4384080"/>
+          </a:xfrm>
+          <a:prstGeom prst="rect">
+            <a:avLst/>
+          </a:prstGeom>
+        </p:spPr>
+        <p:txBody>
+          <a:bodyPr lIns="0" rIns="0" tIns="0" bIns="0"/>
+          <a:p>
+            <a:endParaRPr b="0" lang="en-US" sz="3200" spc="-1" strike="noStrike">
+              <a:solidFill>
+                <a:srgbClr val="000000"/>
+              </a:solidFill>
+              <a:uFill>
+                <a:solidFill>
+                  <a:srgbClr val="ffffff"/>
+                </a:solidFill>
+              </a:uFill>
+              <a:latin typeface="Arial"/>
+            </a:endParaRPr>
+          </a:p>
+        </p:txBody>
+      </p:sp>
+      <p:sp>
+        <p:nvSpPr>
+          <p:cNvPr id="44" name="PlaceHolder 3"/>
+          <p:cNvSpPr>
+            <a:spLocks noGrp="1"/>
+          </p:cNvSpPr>
+          <p:nvPr>
+            <p:ph type="body"/>
+          </p:nvPr>
+        </p:nvSpPr>
+        <p:spPr>
+          <a:xfrm>
+            <a:off x="5152320" y="1769040"/>
+            <a:ext cx="4426560" cy="4384080"/>
+          </a:xfrm>
+          <a:prstGeom prst="rect">
+            <a:avLst/>
+          </a:prstGeom>
+        </p:spPr>
+        <p:txBody>
+          <a:bodyPr lIns="0" rIns="0" tIns="0" bIns="0"/>
+          <a:p>
+            <a:endParaRPr b="0" lang="en-US" sz="3200" spc="-1" strike="noStrike">
+              <a:solidFill>
+                <a:srgbClr val="000000"/>
+              </a:solidFill>
+              <a:uFill>
+                <a:solidFill>
+                  <a:srgbClr val="ffffff"/>
+                </a:solidFill>
+              </a:uFill>
+              <a:latin typeface="Arial"/>
+            </a:endParaRPr>
+          </a:p>
+        </p:txBody>
+      </p:sp>
+    </p:spTree>
+  </p:cSld>
+</p:sldLayout>
+</file>
+
+<file path=ppt/slideLayouts/slideLayout17.xml><?xml version="1.0" encoding="utf-8"?>
+<p:sldLayout xmlns:a="http://schemas.openxmlformats.org/drawingml/2006/main" xmlns:p="http://schemas.openxmlformats.org/presentationml/2006/main" xmlns:r="http://schemas.openxmlformats.org/officeDocument/2006/relationships" type="titleOnly" preserve="1">
+  <p:cSld name="Title Only">
+    <p:spTree>
+      <p:nvGrpSpPr>
+        <p:cNvPr id="1" name=""/>
+        <p:cNvGrpSpPr/>
+        <p:nvPr/>
+      </p:nvGrpSpPr>
+      <p:grpSpPr>
+        <a:xfrm>
+          <a:off x="0" y="0"/>
+          <a:ext cx="0" cy="0"/>
+          <a:chOff x="0" y="0"/>
+          <a:chExt cx="0" cy="0"/>
+        </a:xfrm>
+      </p:grpSpPr>
+      <p:sp>
+        <p:nvSpPr>
+          <p:cNvPr id="45" name="PlaceHolder 1"/>
+          <p:cNvSpPr>
+            <a:spLocks noGrp="1"/>
+          </p:cNvSpPr>
+          <p:nvPr>
+            <p:ph type="title"/>
+          </p:nvPr>
+        </p:nvSpPr>
+        <p:spPr>
+          <a:xfrm>
+            <a:off x="504000" y="301320"/>
+            <a:ext cx="9071280" cy="1261800"/>
+          </a:xfrm>
+          <a:prstGeom prst="rect">
+            <a:avLst/>
+          </a:prstGeom>
+        </p:spPr>
+        <p:txBody>
+          <a:bodyPr lIns="0" rIns="0" tIns="0" bIns="0" anchor="ctr"/>
+          <a:p>
+            <a:pPr algn="ctr"/>
+            <a:endParaRPr b="0" lang="en-US" sz="4400" spc="-1" strike="noStrike">
+              <a:solidFill>
+                <a:srgbClr val="000000"/>
+              </a:solidFill>
+              <a:uFill>
+                <a:solidFill>
+                  <a:srgbClr val="ffffff"/>
+                </a:solidFill>
+              </a:uFill>
+              <a:latin typeface="Arial"/>
+            </a:endParaRPr>
+          </a:p>
+        </p:txBody>
+      </p:sp>
+    </p:spTree>
+  </p:cSld>
+</p:sldLayout>
+</file>
+
+<file path=ppt/slideLayouts/slideLayout18.xml><?xml version="1.0" encoding="utf-8"?>
+<p:sldLayout xmlns:a="http://schemas.openxmlformats.org/drawingml/2006/main" xmlns:p="http://schemas.openxmlformats.org/presentationml/2006/main" xmlns:r="http://schemas.openxmlformats.org/officeDocument/2006/relationships" type="objOnly" preserve="1">
+  <p:cSld name="Centered Text">
+    <p:spTree>
+      <p:nvGrpSpPr>
+        <p:cNvPr id="1" name=""/>
+        <p:cNvGrpSpPr/>
+        <p:nvPr/>
+      </p:nvGrpSpPr>
+      <p:grpSpPr>
+        <a:xfrm>
+          <a:off x="0" y="0"/>
+          <a:ext cx="0" cy="0"/>
+          <a:chOff x="0" y="0"/>
+          <a:chExt cx="0" cy="0"/>
+        </a:xfrm>
+      </p:grpSpPr>
+      <p:sp>
+        <p:nvSpPr>
+          <p:cNvPr id="46" name="PlaceHolder 1"/>
+          <p:cNvSpPr>
+            <a:spLocks noGrp="1"/>
+          </p:cNvSpPr>
+          <p:nvPr>
+            <p:ph type="subTitle"/>
+          </p:nvPr>
+        </p:nvSpPr>
+        <p:spPr>
+          <a:xfrm>
+            <a:off x="504000" y="301320"/>
+            <a:ext cx="9071280" cy="5850360"/>
+          </a:xfrm>
+          <a:prstGeom prst="rect">
+            <a:avLst/>
+          </a:prstGeom>
+        </p:spPr>
+        <p:txBody>
+          <a:bodyPr lIns="0" rIns="0" tIns="0" bIns="0" anchor="ctr"/>
+          <a:p>
+            <a:pPr algn="ctr"/>
+            <a:endParaRPr b="0" lang="en-US" sz="3200" spc="-1" strike="noStrike">
+              <a:solidFill>
+                <a:srgbClr val="000000"/>
+              </a:solidFill>
+              <a:uFill>
+                <a:solidFill>
+                  <a:srgbClr val="ffffff"/>
+                </a:solidFill>
+              </a:uFill>
+              <a:latin typeface="Arial"/>
+            </a:endParaRPr>
+          </a:p>
+        </p:txBody>
+      </p:sp>
+    </p:spTree>
+  </p:cSld>
+</p:sldLayout>
+</file>
+
+<file path=ppt/slideLayouts/slideLayout19.xml><?xml version="1.0" encoding="utf-8"?>
+<p:sldLayout xmlns:a="http://schemas.openxmlformats.org/drawingml/2006/main" xmlns:p="http://schemas.openxmlformats.org/presentationml/2006/main" xmlns:r="http://schemas.openxmlformats.org/officeDocument/2006/relationships" type="twoObjAndObj" preserve="1">
+  <p:cSld name="Title, 2 Content and Content">
+    <p:spTree>
+      <p:nvGrpSpPr>
+        <p:cNvPr id="1" name=""/>
+        <p:cNvGrpSpPr/>
+        <p:nvPr/>
+      </p:nvGrpSpPr>
+      <p:grpSpPr>
+        <a:xfrm>
+          <a:off x="0" y="0"/>
+          <a:ext cx="0" cy="0"/>
+          <a:chOff x="0" y="0"/>
+          <a:chExt cx="0" cy="0"/>
+        </a:xfrm>
+      </p:grpSpPr>
+      <p:sp>
+        <p:nvSpPr>
+          <p:cNvPr id="47" name="PlaceHolder 1"/>
+          <p:cNvSpPr>
+            <a:spLocks noGrp="1"/>
+          </p:cNvSpPr>
+          <p:nvPr>
+            <p:ph type="title"/>
+          </p:nvPr>
+        </p:nvSpPr>
+        <p:spPr>
+          <a:xfrm>
+            <a:off x="504000" y="301320"/>
+            <a:ext cx="9071280" cy="1261800"/>
+          </a:xfrm>
+          <a:prstGeom prst="rect">
+            <a:avLst/>
+          </a:prstGeom>
+        </p:spPr>
+        <p:txBody>
+          <a:bodyPr lIns="0" rIns="0" tIns="0" bIns="0" anchor="ctr"/>
+          <a:p>
+            <a:pPr algn="ctr"/>
+            <a:endParaRPr b="0" lang="en-US" sz="4400" spc="-1" strike="noStrike">
+              <a:solidFill>
+                <a:srgbClr val="000000"/>
+              </a:solidFill>
+              <a:uFill>
+                <a:solidFill>
+                  <a:srgbClr val="ffffff"/>
+                </a:solidFill>
+              </a:uFill>
+              <a:latin typeface="Arial"/>
+            </a:endParaRPr>
+          </a:p>
+        </p:txBody>
+      </p:sp>
+      <p:sp>
+        <p:nvSpPr>
+          <p:cNvPr id="48" name="PlaceHolder 2"/>
+          <p:cNvSpPr>
+            <a:spLocks noGrp="1"/>
+          </p:cNvSpPr>
+          <p:nvPr>
+            <p:ph type="body"/>
+          </p:nvPr>
+        </p:nvSpPr>
+        <p:spPr>
+          <a:xfrm>
+            <a:off x="504000" y="1769040"/>
+            <a:ext cx="4426560" cy="2090880"/>
+          </a:xfrm>
+          <a:prstGeom prst="rect">
+            <a:avLst/>
+          </a:prstGeom>
+        </p:spPr>
+        <p:txBody>
+          <a:bodyPr lIns="0" rIns="0" tIns="0" bIns="0"/>
+          <a:p>
+            <a:endParaRPr b="0" lang="en-US" sz="3200" spc="-1" strike="noStrike">
+              <a:solidFill>
+                <a:srgbClr val="000000"/>
+              </a:solidFill>
+              <a:uFill>
+                <a:solidFill>
+                  <a:srgbClr val="ffffff"/>
+                </a:solidFill>
+              </a:uFill>
+              <a:latin typeface="Arial"/>
+            </a:endParaRPr>
+          </a:p>
+        </p:txBody>
+      </p:sp>
+      <p:sp>
+        <p:nvSpPr>
+          <p:cNvPr id="49" name="PlaceHolder 3"/>
+          <p:cNvSpPr>
+            <a:spLocks noGrp="1"/>
+          </p:cNvSpPr>
+          <p:nvPr>
+            <p:ph type="body"/>
+          </p:nvPr>
+        </p:nvSpPr>
+        <p:spPr>
+          <a:xfrm>
+            <a:off x="504000" y="4059000"/>
+            <a:ext cx="4426560" cy="2090880"/>
+          </a:xfrm>
+          <a:prstGeom prst="rect">
+            <a:avLst/>
+          </a:prstGeom>
+        </p:spPr>
+        <p:txBody>
+          <a:bodyPr lIns="0" rIns="0" tIns="0" bIns="0"/>
+          <a:p>
+            <a:endParaRPr b="0" lang="en-US" sz="3200" spc="-1" strike="noStrike">
+              <a:solidFill>
+                <a:srgbClr val="000000"/>
+              </a:solidFill>
+              <a:uFill>
+                <a:solidFill>
+                  <a:srgbClr val="ffffff"/>
+                </a:solidFill>
+              </a:uFill>
+              <a:latin typeface="Arial"/>
+            </a:endParaRPr>
+          </a:p>
+        </p:txBody>
+      </p:sp>
+      <p:sp>
+        <p:nvSpPr>
+          <p:cNvPr id="50" name="PlaceHolder 4"/>
+          <p:cNvSpPr>
+            <a:spLocks noGrp="1"/>
+          </p:cNvSpPr>
+          <p:nvPr>
+            <p:ph type="body"/>
+          </p:nvPr>
+        </p:nvSpPr>
+        <p:spPr>
+          <a:xfrm>
+            <a:off x="5152320" y="1769040"/>
+            <a:ext cx="4426560" cy="4384080"/>
+          </a:xfrm>
+          <a:prstGeom prst="rect">
+            <a:avLst/>
+          </a:prstGeom>
+        </p:spPr>
+        <p:txBody>
+          <a:bodyPr lIns="0" rIns="0" tIns="0" bIns="0"/>
+          <a:p>
+            <a:endParaRPr b="0" lang="en-US" sz="3200" spc="-1" strike="noStrike">
+              <a:solidFill>
+                <a:srgbClr val="000000"/>
+              </a:solidFill>
+              <a:uFill>
+                <a:solidFill>
+                  <a:srgbClr val="ffffff"/>
+                </a:solidFill>
+              </a:uFill>
+              <a:latin typeface="Arial"/>
+            </a:endParaRPr>
+          </a:p>
+        </p:txBody>
+      </p:sp>
     </p:spTree>
   </p:cSld>
 </p:sldLayout>
@@ -571,7 +1201,7 @@
       </p:grpSpPr>
       <p:sp>
         <p:nvSpPr>
-          <p:cNvPr id="5" name="PlaceHolder 1"/>
+          <p:cNvPr id="2" name="PlaceHolder 1"/>
           <p:cNvSpPr>
             <a:spLocks noGrp="1"/>
           </p:cNvSpPr>
@@ -582,7 +1212,7 @@
         <p:spPr>
           <a:xfrm>
             <a:off x="504000" y="301320"/>
-            <a:ext cx="9071640" cy="1262160"/>
+            <a:ext cx="9071280" cy="1261800"/>
           </a:xfrm>
           <a:prstGeom prst="rect">
             <a:avLst/>
@@ -608,7 +1238,7 @@
       </p:sp>
       <p:sp>
         <p:nvSpPr>
-          <p:cNvPr id="6" name="PlaceHolder 2"/>
+          <p:cNvPr id="3" name="PlaceHolder 2"/>
           <p:cNvSpPr>
             <a:spLocks noGrp="1"/>
           </p:cNvSpPr>
@@ -619,7 +1249,7 @@
         <p:spPr>
           <a:xfrm>
             <a:off x="504000" y="1769040"/>
-            <a:ext cx="9071640" cy="4384440"/>
+            <a:ext cx="9071280" cy="4384080"/>
           </a:xfrm>
           <a:prstGeom prst="rect">
             <a:avLst/>
@@ -643,6 +1273,851 @@
           </a:p>
         </p:txBody>
       </p:sp>
+    </p:spTree>
+  </p:cSld>
+</p:sldLayout>
+</file>
+
+<file path=ppt/slideLayouts/slideLayout20.xml><?xml version="1.0" encoding="utf-8"?>
+<p:sldLayout xmlns:a="http://schemas.openxmlformats.org/drawingml/2006/main" xmlns:p="http://schemas.openxmlformats.org/presentationml/2006/main" xmlns:r="http://schemas.openxmlformats.org/officeDocument/2006/relationships" type="objAndTwoObj" preserve="1">
+  <p:cSld name="Title Content and 2 Content">
+    <p:spTree>
+      <p:nvGrpSpPr>
+        <p:cNvPr id="1" name=""/>
+        <p:cNvGrpSpPr/>
+        <p:nvPr/>
+      </p:nvGrpSpPr>
+      <p:grpSpPr>
+        <a:xfrm>
+          <a:off x="0" y="0"/>
+          <a:ext cx="0" cy="0"/>
+          <a:chOff x="0" y="0"/>
+          <a:chExt cx="0" cy="0"/>
+        </a:xfrm>
+      </p:grpSpPr>
+      <p:sp>
+        <p:nvSpPr>
+          <p:cNvPr id="51" name="PlaceHolder 1"/>
+          <p:cNvSpPr>
+            <a:spLocks noGrp="1"/>
+          </p:cNvSpPr>
+          <p:nvPr>
+            <p:ph type="title"/>
+          </p:nvPr>
+        </p:nvSpPr>
+        <p:spPr>
+          <a:xfrm>
+            <a:off x="504000" y="301320"/>
+            <a:ext cx="9071280" cy="1261800"/>
+          </a:xfrm>
+          <a:prstGeom prst="rect">
+            <a:avLst/>
+          </a:prstGeom>
+        </p:spPr>
+        <p:txBody>
+          <a:bodyPr lIns="0" rIns="0" tIns="0" bIns="0" anchor="ctr"/>
+          <a:p>
+            <a:pPr algn="ctr"/>
+            <a:endParaRPr b="0" lang="en-US" sz="4400" spc="-1" strike="noStrike">
+              <a:solidFill>
+                <a:srgbClr val="000000"/>
+              </a:solidFill>
+              <a:uFill>
+                <a:solidFill>
+                  <a:srgbClr val="ffffff"/>
+                </a:solidFill>
+              </a:uFill>
+              <a:latin typeface="Arial"/>
+            </a:endParaRPr>
+          </a:p>
+        </p:txBody>
+      </p:sp>
+      <p:sp>
+        <p:nvSpPr>
+          <p:cNvPr id="52" name="PlaceHolder 2"/>
+          <p:cNvSpPr>
+            <a:spLocks noGrp="1"/>
+          </p:cNvSpPr>
+          <p:nvPr>
+            <p:ph type="body"/>
+          </p:nvPr>
+        </p:nvSpPr>
+        <p:spPr>
+          <a:xfrm>
+            <a:off x="504000" y="1769040"/>
+            <a:ext cx="4426560" cy="4384080"/>
+          </a:xfrm>
+          <a:prstGeom prst="rect">
+            <a:avLst/>
+          </a:prstGeom>
+        </p:spPr>
+        <p:txBody>
+          <a:bodyPr lIns="0" rIns="0" tIns="0" bIns="0"/>
+          <a:p>
+            <a:endParaRPr b="0" lang="en-US" sz="3200" spc="-1" strike="noStrike">
+              <a:solidFill>
+                <a:srgbClr val="000000"/>
+              </a:solidFill>
+              <a:uFill>
+                <a:solidFill>
+                  <a:srgbClr val="ffffff"/>
+                </a:solidFill>
+              </a:uFill>
+              <a:latin typeface="Arial"/>
+            </a:endParaRPr>
+          </a:p>
+        </p:txBody>
+      </p:sp>
+      <p:sp>
+        <p:nvSpPr>
+          <p:cNvPr id="53" name="PlaceHolder 3"/>
+          <p:cNvSpPr>
+            <a:spLocks noGrp="1"/>
+          </p:cNvSpPr>
+          <p:nvPr>
+            <p:ph type="body"/>
+          </p:nvPr>
+        </p:nvSpPr>
+        <p:spPr>
+          <a:xfrm>
+            <a:off x="5152320" y="1769040"/>
+            <a:ext cx="4426560" cy="2090880"/>
+          </a:xfrm>
+          <a:prstGeom prst="rect">
+            <a:avLst/>
+          </a:prstGeom>
+        </p:spPr>
+        <p:txBody>
+          <a:bodyPr lIns="0" rIns="0" tIns="0" bIns="0"/>
+          <a:p>
+            <a:endParaRPr b="0" lang="en-US" sz="3200" spc="-1" strike="noStrike">
+              <a:solidFill>
+                <a:srgbClr val="000000"/>
+              </a:solidFill>
+              <a:uFill>
+                <a:solidFill>
+                  <a:srgbClr val="ffffff"/>
+                </a:solidFill>
+              </a:uFill>
+              <a:latin typeface="Arial"/>
+            </a:endParaRPr>
+          </a:p>
+        </p:txBody>
+      </p:sp>
+      <p:sp>
+        <p:nvSpPr>
+          <p:cNvPr id="54" name="PlaceHolder 4"/>
+          <p:cNvSpPr>
+            <a:spLocks noGrp="1"/>
+          </p:cNvSpPr>
+          <p:nvPr>
+            <p:ph type="body"/>
+          </p:nvPr>
+        </p:nvSpPr>
+        <p:spPr>
+          <a:xfrm>
+            <a:off x="5152320" y="4059000"/>
+            <a:ext cx="4426560" cy="2090880"/>
+          </a:xfrm>
+          <a:prstGeom prst="rect">
+            <a:avLst/>
+          </a:prstGeom>
+        </p:spPr>
+        <p:txBody>
+          <a:bodyPr lIns="0" rIns="0" tIns="0" bIns="0"/>
+          <a:p>
+            <a:endParaRPr b="0" lang="en-US" sz="3200" spc="-1" strike="noStrike">
+              <a:solidFill>
+                <a:srgbClr val="000000"/>
+              </a:solidFill>
+              <a:uFill>
+                <a:solidFill>
+                  <a:srgbClr val="ffffff"/>
+                </a:solidFill>
+              </a:uFill>
+              <a:latin typeface="Arial"/>
+            </a:endParaRPr>
+          </a:p>
+        </p:txBody>
+      </p:sp>
+    </p:spTree>
+  </p:cSld>
+</p:sldLayout>
+</file>
+
+<file path=ppt/slideLayouts/slideLayout21.xml><?xml version="1.0" encoding="utf-8"?>
+<p:sldLayout xmlns:a="http://schemas.openxmlformats.org/drawingml/2006/main" xmlns:p="http://schemas.openxmlformats.org/presentationml/2006/main" xmlns:r="http://schemas.openxmlformats.org/officeDocument/2006/relationships" type="twoObjOverTx" preserve="1">
+  <p:cSld name="Title, 2 Content over Content">
+    <p:spTree>
+      <p:nvGrpSpPr>
+        <p:cNvPr id="1" name=""/>
+        <p:cNvGrpSpPr/>
+        <p:nvPr/>
+      </p:nvGrpSpPr>
+      <p:grpSpPr>
+        <a:xfrm>
+          <a:off x="0" y="0"/>
+          <a:ext cx="0" cy="0"/>
+          <a:chOff x="0" y="0"/>
+          <a:chExt cx="0" cy="0"/>
+        </a:xfrm>
+      </p:grpSpPr>
+      <p:sp>
+        <p:nvSpPr>
+          <p:cNvPr id="55" name="PlaceHolder 1"/>
+          <p:cNvSpPr>
+            <a:spLocks noGrp="1"/>
+          </p:cNvSpPr>
+          <p:nvPr>
+            <p:ph type="title"/>
+          </p:nvPr>
+        </p:nvSpPr>
+        <p:spPr>
+          <a:xfrm>
+            <a:off x="504000" y="301320"/>
+            <a:ext cx="9071280" cy="1261800"/>
+          </a:xfrm>
+          <a:prstGeom prst="rect">
+            <a:avLst/>
+          </a:prstGeom>
+        </p:spPr>
+        <p:txBody>
+          <a:bodyPr lIns="0" rIns="0" tIns="0" bIns="0" anchor="ctr"/>
+          <a:p>
+            <a:pPr algn="ctr"/>
+            <a:endParaRPr b="0" lang="en-US" sz="4400" spc="-1" strike="noStrike">
+              <a:solidFill>
+                <a:srgbClr val="000000"/>
+              </a:solidFill>
+              <a:uFill>
+                <a:solidFill>
+                  <a:srgbClr val="ffffff"/>
+                </a:solidFill>
+              </a:uFill>
+              <a:latin typeface="Arial"/>
+            </a:endParaRPr>
+          </a:p>
+        </p:txBody>
+      </p:sp>
+      <p:sp>
+        <p:nvSpPr>
+          <p:cNvPr id="56" name="PlaceHolder 2"/>
+          <p:cNvSpPr>
+            <a:spLocks noGrp="1"/>
+          </p:cNvSpPr>
+          <p:nvPr>
+            <p:ph type="body"/>
+          </p:nvPr>
+        </p:nvSpPr>
+        <p:spPr>
+          <a:xfrm>
+            <a:off x="504000" y="1769040"/>
+            <a:ext cx="4426560" cy="2090880"/>
+          </a:xfrm>
+          <a:prstGeom prst="rect">
+            <a:avLst/>
+          </a:prstGeom>
+        </p:spPr>
+        <p:txBody>
+          <a:bodyPr lIns="0" rIns="0" tIns="0" bIns="0"/>
+          <a:p>
+            <a:endParaRPr b="0" lang="en-US" sz="3200" spc="-1" strike="noStrike">
+              <a:solidFill>
+                <a:srgbClr val="000000"/>
+              </a:solidFill>
+              <a:uFill>
+                <a:solidFill>
+                  <a:srgbClr val="ffffff"/>
+                </a:solidFill>
+              </a:uFill>
+              <a:latin typeface="Arial"/>
+            </a:endParaRPr>
+          </a:p>
+        </p:txBody>
+      </p:sp>
+      <p:sp>
+        <p:nvSpPr>
+          <p:cNvPr id="57" name="PlaceHolder 3"/>
+          <p:cNvSpPr>
+            <a:spLocks noGrp="1"/>
+          </p:cNvSpPr>
+          <p:nvPr>
+            <p:ph type="body"/>
+          </p:nvPr>
+        </p:nvSpPr>
+        <p:spPr>
+          <a:xfrm>
+            <a:off x="5152320" y="1769040"/>
+            <a:ext cx="4426560" cy="2090880"/>
+          </a:xfrm>
+          <a:prstGeom prst="rect">
+            <a:avLst/>
+          </a:prstGeom>
+        </p:spPr>
+        <p:txBody>
+          <a:bodyPr lIns="0" rIns="0" tIns="0" bIns="0"/>
+          <a:p>
+            <a:endParaRPr b="0" lang="en-US" sz="3200" spc="-1" strike="noStrike">
+              <a:solidFill>
+                <a:srgbClr val="000000"/>
+              </a:solidFill>
+              <a:uFill>
+                <a:solidFill>
+                  <a:srgbClr val="ffffff"/>
+                </a:solidFill>
+              </a:uFill>
+              <a:latin typeface="Arial"/>
+            </a:endParaRPr>
+          </a:p>
+        </p:txBody>
+      </p:sp>
+      <p:sp>
+        <p:nvSpPr>
+          <p:cNvPr id="58" name="PlaceHolder 4"/>
+          <p:cNvSpPr>
+            <a:spLocks noGrp="1"/>
+          </p:cNvSpPr>
+          <p:nvPr>
+            <p:ph type="body"/>
+          </p:nvPr>
+        </p:nvSpPr>
+        <p:spPr>
+          <a:xfrm>
+            <a:off x="504000" y="4059000"/>
+            <a:ext cx="9071280" cy="2090880"/>
+          </a:xfrm>
+          <a:prstGeom prst="rect">
+            <a:avLst/>
+          </a:prstGeom>
+        </p:spPr>
+        <p:txBody>
+          <a:bodyPr lIns="0" rIns="0" tIns="0" bIns="0"/>
+          <a:p>
+            <a:endParaRPr b="0" lang="en-US" sz="3200" spc="-1" strike="noStrike">
+              <a:solidFill>
+                <a:srgbClr val="000000"/>
+              </a:solidFill>
+              <a:uFill>
+                <a:solidFill>
+                  <a:srgbClr val="ffffff"/>
+                </a:solidFill>
+              </a:uFill>
+              <a:latin typeface="Arial"/>
+            </a:endParaRPr>
+          </a:p>
+        </p:txBody>
+      </p:sp>
+    </p:spTree>
+  </p:cSld>
+</p:sldLayout>
+</file>
+
+<file path=ppt/slideLayouts/slideLayout22.xml><?xml version="1.0" encoding="utf-8"?>
+<p:sldLayout xmlns:a="http://schemas.openxmlformats.org/drawingml/2006/main" xmlns:p="http://schemas.openxmlformats.org/presentationml/2006/main" xmlns:r="http://schemas.openxmlformats.org/officeDocument/2006/relationships" type="objOverTx" preserve="1">
+  <p:cSld name="Title, Content over Content">
+    <p:spTree>
+      <p:nvGrpSpPr>
+        <p:cNvPr id="1" name=""/>
+        <p:cNvGrpSpPr/>
+        <p:nvPr/>
+      </p:nvGrpSpPr>
+      <p:grpSpPr>
+        <a:xfrm>
+          <a:off x="0" y="0"/>
+          <a:ext cx="0" cy="0"/>
+          <a:chOff x="0" y="0"/>
+          <a:chExt cx="0" cy="0"/>
+        </a:xfrm>
+      </p:grpSpPr>
+      <p:sp>
+        <p:nvSpPr>
+          <p:cNvPr id="59" name="PlaceHolder 1"/>
+          <p:cNvSpPr>
+            <a:spLocks noGrp="1"/>
+          </p:cNvSpPr>
+          <p:nvPr>
+            <p:ph type="title"/>
+          </p:nvPr>
+        </p:nvSpPr>
+        <p:spPr>
+          <a:xfrm>
+            <a:off x="504000" y="301320"/>
+            <a:ext cx="9071280" cy="1261800"/>
+          </a:xfrm>
+          <a:prstGeom prst="rect">
+            <a:avLst/>
+          </a:prstGeom>
+        </p:spPr>
+        <p:txBody>
+          <a:bodyPr lIns="0" rIns="0" tIns="0" bIns="0" anchor="ctr"/>
+          <a:p>
+            <a:pPr algn="ctr"/>
+            <a:endParaRPr b="0" lang="en-US" sz="4400" spc="-1" strike="noStrike">
+              <a:solidFill>
+                <a:srgbClr val="000000"/>
+              </a:solidFill>
+              <a:uFill>
+                <a:solidFill>
+                  <a:srgbClr val="ffffff"/>
+                </a:solidFill>
+              </a:uFill>
+              <a:latin typeface="Arial"/>
+            </a:endParaRPr>
+          </a:p>
+        </p:txBody>
+      </p:sp>
+      <p:sp>
+        <p:nvSpPr>
+          <p:cNvPr id="60" name="PlaceHolder 2"/>
+          <p:cNvSpPr>
+            <a:spLocks noGrp="1"/>
+          </p:cNvSpPr>
+          <p:nvPr>
+            <p:ph type="body"/>
+          </p:nvPr>
+        </p:nvSpPr>
+        <p:spPr>
+          <a:xfrm>
+            <a:off x="504000" y="1769040"/>
+            <a:ext cx="9071280" cy="2090880"/>
+          </a:xfrm>
+          <a:prstGeom prst="rect">
+            <a:avLst/>
+          </a:prstGeom>
+        </p:spPr>
+        <p:txBody>
+          <a:bodyPr lIns="0" rIns="0" tIns="0" bIns="0"/>
+          <a:p>
+            <a:endParaRPr b="0" lang="en-US" sz="3200" spc="-1" strike="noStrike">
+              <a:solidFill>
+                <a:srgbClr val="000000"/>
+              </a:solidFill>
+              <a:uFill>
+                <a:solidFill>
+                  <a:srgbClr val="ffffff"/>
+                </a:solidFill>
+              </a:uFill>
+              <a:latin typeface="Arial"/>
+            </a:endParaRPr>
+          </a:p>
+        </p:txBody>
+      </p:sp>
+      <p:sp>
+        <p:nvSpPr>
+          <p:cNvPr id="61" name="PlaceHolder 3"/>
+          <p:cNvSpPr>
+            <a:spLocks noGrp="1"/>
+          </p:cNvSpPr>
+          <p:nvPr>
+            <p:ph type="body"/>
+          </p:nvPr>
+        </p:nvSpPr>
+        <p:spPr>
+          <a:xfrm>
+            <a:off x="504000" y="4059000"/>
+            <a:ext cx="9071280" cy="2090880"/>
+          </a:xfrm>
+          <a:prstGeom prst="rect">
+            <a:avLst/>
+          </a:prstGeom>
+        </p:spPr>
+        <p:txBody>
+          <a:bodyPr lIns="0" rIns="0" tIns="0" bIns="0"/>
+          <a:p>
+            <a:endParaRPr b="0" lang="en-US" sz="3200" spc="-1" strike="noStrike">
+              <a:solidFill>
+                <a:srgbClr val="000000"/>
+              </a:solidFill>
+              <a:uFill>
+                <a:solidFill>
+                  <a:srgbClr val="ffffff"/>
+                </a:solidFill>
+              </a:uFill>
+              <a:latin typeface="Arial"/>
+            </a:endParaRPr>
+          </a:p>
+        </p:txBody>
+      </p:sp>
+    </p:spTree>
+  </p:cSld>
+</p:sldLayout>
+</file>
+
+<file path=ppt/slideLayouts/slideLayout23.xml><?xml version="1.0" encoding="utf-8"?>
+<p:sldLayout xmlns:a="http://schemas.openxmlformats.org/drawingml/2006/main" xmlns:p="http://schemas.openxmlformats.org/presentationml/2006/main" xmlns:r="http://schemas.openxmlformats.org/officeDocument/2006/relationships" type="fourObj" preserve="1">
+  <p:cSld name="Title, 4 Content">
+    <p:spTree>
+      <p:nvGrpSpPr>
+        <p:cNvPr id="1" name=""/>
+        <p:cNvGrpSpPr/>
+        <p:nvPr/>
+      </p:nvGrpSpPr>
+      <p:grpSpPr>
+        <a:xfrm>
+          <a:off x="0" y="0"/>
+          <a:ext cx="0" cy="0"/>
+          <a:chOff x="0" y="0"/>
+          <a:chExt cx="0" cy="0"/>
+        </a:xfrm>
+      </p:grpSpPr>
+      <p:sp>
+        <p:nvSpPr>
+          <p:cNvPr id="62" name="PlaceHolder 1"/>
+          <p:cNvSpPr>
+            <a:spLocks noGrp="1"/>
+          </p:cNvSpPr>
+          <p:nvPr>
+            <p:ph type="title"/>
+          </p:nvPr>
+        </p:nvSpPr>
+        <p:spPr>
+          <a:xfrm>
+            <a:off x="504000" y="301320"/>
+            <a:ext cx="9071280" cy="1261800"/>
+          </a:xfrm>
+          <a:prstGeom prst="rect">
+            <a:avLst/>
+          </a:prstGeom>
+        </p:spPr>
+        <p:txBody>
+          <a:bodyPr lIns="0" rIns="0" tIns="0" bIns="0" anchor="ctr"/>
+          <a:p>
+            <a:pPr algn="ctr"/>
+            <a:endParaRPr b="0" lang="en-US" sz="4400" spc="-1" strike="noStrike">
+              <a:solidFill>
+                <a:srgbClr val="000000"/>
+              </a:solidFill>
+              <a:uFill>
+                <a:solidFill>
+                  <a:srgbClr val="ffffff"/>
+                </a:solidFill>
+              </a:uFill>
+              <a:latin typeface="Arial"/>
+            </a:endParaRPr>
+          </a:p>
+        </p:txBody>
+      </p:sp>
+      <p:sp>
+        <p:nvSpPr>
+          <p:cNvPr id="63" name="PlaceHolder 2"/>
+          <p:cNvSpPr>
+            <a:spLocks noGrp="1"/>
+          </p:cNvSpPr>
+          <p:nvPr>
+            <p:ph type="body"/>
+          </p:nvPr>
+        </p:nvSpPr>
+        <p:spPr>
+          <a:xfrm>
+            <a:off x="504000" y="1769040"/>
+            <a:ext cx="4426560" cy="2090880"/>
+          </a:xfrm>
+          <a:prstGeom prst="rect">
+            <a:avLst/>
+          </a:prstGeom>
+        </p:spPr>
+        <p:txBody>
+          <a:bodyPr lIns="0" rIns="0" tIns="0" bIns="0"/>
+          <a:p>
+            <a:endParaRPr b="0" lang="en-US" sz="3200" spc="-1" strike="noStrike">
+              <a:solidFill>
+                <a:srgbClr val="000000"/>
+              </a:solidFill>
+              <a:uFill>
+                <a:solidFill>
+                  <a:srgbClr val="ffffff"/>
+                </a:solidFill>
+              </a:uFill>
+              <a:latin typeface="Arial"/>
+            </a:endParaRPr>
+          </a:p>
+        </p:txBody>
+      </p:sp>
+      <p:sp>
+        <p:nvSpPr>
+          <p:cNvPr id="64" name="PlaceHolder 3"/>
+          <p:cNvSpPr>
+            <a:spLocks noGrp="1"/>
+          </p:cNvSpPr>
+          <p:nvPr>
+            <p:ph type="body"/>
+          </p:nvPr>
+        </p:nvSpPr>
+        <p:spPr>
+          <a:xfrm>
+            <a:off x="5152320" y="1769040"/>
+            <a:ext cx="4426560" cy="2090880"/>
+          </a:xfrm>
+          <a:prstGeom prst="rect">
+            <a:avLst/>
+          </a:prstGeom>
+        </p:spPr>
+        <p:txBody>
+          <a:bodyPr lIns="0" rIns="0" tIns="0" bIns="0"/>
+          <a:p>
+            <a:endParaRPr b="0" lang="en-US" sz="3200" spc="-1" strike="noStrike">
+              <a:solidFill>
+                <a:srgbClr val="000000"/>
+              </a:solidFill>
+              <a:uFill>
+                <a:solidFill>
+                  <a:srgbClr val="ffffff"/>
+                </a:solidFill>
+              </a:uFill>
+              <a:latin typeface="Arial"/>
+            </a:endParaRPr>
+          </a:p>
+        </p:txBody>
+      </p:sp>
+      <p:sp>
+        <p:nvSpPr>
+          <p:cNvPr id="65" name="PlaceHolder 4"/>
+          <p:cNvSpPr>
+            <a:spLocks noGrp="1"/>
+          </p:cNvSpPr>
+          <p:nvPr>
+            <p:ph type="body"/>
+          </p:nvPr>
+        </p:nvSpPr>
+        <p:spPr>
+          <a:xfrm>
+            <a:off x="5152320" y="4059000"/>
+            <a:ext cx="4426560" cy="2090880"/>
+          </a:xfrm>
+          <a:prstGeom prst="rect">
+            <a:avLst/>
+          </a:prstGeom>
+        </p:spPr>
+        <p:txBody>
+          <a:bodyPr lIns="0" rIns="0" tIns="0" bIns="0"/>
+          <a:p>
+            <a:endParaRPr b="0" lang="en-US" sz="3200" spc="-1" strike="noStrike">
+              <a:solidFill>
+                <a:srgbClr val="000000"/>
+              </a:solidFill>
+              <a:uFill>
+                <a:solidFill>
+                  <a:srgbClr val="ffffff"/>
+                </a:solidFill>
+              </a:uFill>
+              <a:latin typeface="Arial"/>
+            </a:endParaRPr>
+          </a:p>
+        </p:txBody>
+      </p:sp>
+      <p:sp>
+        <p:nvSpPr>
+          <p:cNvPr id="66" name="PlaceHolder 5"/>
+          <p:cNvSpPr>
+            <a:spLocks noGrp="1"/>
+          </p:cNvSpPr>
+          <p:nvPr>
+            <p:ph type="body"/>
+          </p:nvPr>
+        </p:nvSpPr>
+        <p:spPr>
+          <a:xfrm>
+            <a:off x="504000" y="4059000"/>
+            <a:ext cx="4426560" cy="2090880"/>
+          </a:xfrm>
+          <a:prstGeom prst="rect">
+            <a:avLst/>
+          </a:prstGeom>
+        </p:spPr>
+        <p:txBody>
+          <a:bodyPr lIns="0" rIns="0" tIns="0" bIns="0"/>
+          <a:p>
+            <a:endParaRPr b="0" lang="en-US" sz="3200" spc="-1" strike="noStrike">
+              <a:solidFill>
+                <a:srgbClr val="000000"/>
+              </a:solidFill>
+              <a:uFill>
+                <a:solidFill>
+                  <a:srgbClr val="ffffff"/>
+                </a:solidFill>
+              </a:uFill>
+              <a:latin typeface="Arial"/>
+            </a:endParaRPr>
+          </a:p>
+        </p:txBody>
+      </p:sp>
+    </p:spTree>
+  </p:cSld>
+</p:sldLayout>
+</file>
+
+<file path=ppt/slideLayouts/slideLayout24.xml><?xml version="1.0" encoding="utf-8"?>
+<p:sldLayout xmlns:a="http://schemas.openxmlformats.org/drawingml/2006/main" xmlns:p="http://schemas.openxmlformats.org/presentationml/2006/main" xmlns:r="http://schemas.openxmlformats.org/officeDocument/2006/relationships" type="blank" preserve="1">
+  <p:cSld name="Title, 6 Content">
+    <p:spTree>
+      <p:nvGrpSpPr>
+        <p:cNvPr id="1" name=""/>
+        <p:cNvGrpSpPr/>
+        <p:nvPr/>
+      </p:nvGrpSpPr>
+      <p:grpSpPr>
+        <a:xfrm>
+          <a:off x="0" y="0"/>
+          <a:ext cx="0" cy="0"/>
+          <a:chOff x="0" y="0"/>
+          <a:chExt cx="0" cy="0"/>
+        </a:xfrm>
+      </p:grpSpPr>
+      <p:sp>
+        <p:nvSpPr>
+          <p:cNvPr id="67" name="PlaceHolder 1"/>
+          <p:cNvSpPr>
+            <a:spLocks noGrp="1"/>
+          </p:cNvSpPr>
+          <p:nvPr>
+            <p:ph type="title"/>
+          </p:nvPr>
+        </p:nvSpPr>
+        <p:spPr>
+          <a:xfrm>
+            <a:off x="504000" y="301320"/>
+            <a:ext cx="9071280" cy="1261800"/>
+          </a:xfrm>
+          <a:prstGeom prst="rect">
+            <a:avLst/>
+          </a:prstGeom>
+        </p:spPr>
+        <p:txBody>
+          <a:bodyPr lIns="0" rIns="0" tIns="0" bIns="0" anchor="ctr"/>
+          <a:p>
+            <a:pPr algn="ctr"/>
+            <a:endParaRPr b="0" lang="en-US" sz="4400" spc="-1" strike="noStrike">
+              <a:solidFill>
+                <a:srgbClr val="000000"/>
+              </a:solidFill>
+              <a:uFill>
+                <a:solidFill>
+                  <a:srgbClr val="ffffff"/>
+                </a:solidFill>
+              </a:uFill>
+              <a:latin typeface="Arial"/>
+            </a:endParaRPr>
+          </a:p>
+        </p:txBody>
+      </p:sp>
+      <p:sp>
+        <p:nvSpPr>
+          <p:cNvPr id="68" name="PlaceHolder 2"/>
+          <p:cNvSpPr>
+            <a:spLocks noGrp="1"/>
+          </p:cNvSpPr>
+          <p:nvPr>
+            <p:ph type="body"/>
+          </p:nvPr>
+        </p:nvSpPr>
+        <p:spPr>
+          <a:xfrm>
+            <a:off x="504000" y="1769040"/>
+            <a:ext cx="9071280" cy="4384080"/>
+          </a:xfrm>
+          <a:prstGeom prst="rect">
+            <a:avLst/>
+          </a:prstGeom>
+        </p:spPr>
+        <p:txBody>
+          <a:bodyPr lIns="0" rIns="0" tIns="0" bIns="0"/>
+          <a:p>
+            <a:endParaRPr b="0" lang="en-US" sz="3200" spc="-1" strike="noStrike">
+              <a:solidFill>
+                <a:srgbClr val="000000"/>
+              </a:solidFill>
+              <a:uFill>
+                <a:solidFill>
+                  <a:srgbClr val="ffffff"/>
+                </a:solidFill>
+              </a:uFill>
+              <a:latin typeface="Arial"/>
+            </a:endParaRPr>
+          </a:p>
+        </p:txBody>
+      </p:sp>
+      <p:sp>
+        <p:nvSpPr>
+          <p:cNvPr id="69" name="PlaceHolder 3"/>
+          <p:cNvSpPr>
+            <a:spLocks noGrp="1"/>
+          </p:cNvSpPr>
+          <p:nvPr>
+            <p:ph type="body"/>
+          </p:nvPr>
+        </p:nvSpPr>
+        <p:spPr>
+          <a:xfrm>
+            <a:off x="504000" y="1769040"/>
+            <a:ext cx="9071280" cy="4384080"/>
+          </a:xfrm>
+          <a:prstGeom prst="rect">
+            <a:avLst/>
+          </a:prstGeom>
+        </p:spPr>
+        <p:txBody>
+          <a:bodyPr lIns="0" rIns="0" tIns="0" bIns="0"/>
+          <a:p>
+            <a:endParaRPr b="0" lang="en-US" sz="3200" spc="-1" strike="noStrike">
+              <a:solidFill>
+                <a:srgbClr val="000000"/>
+              </a:solidFill>
+              <a:uFill>
+                <a:solidFill>
+                  <a:srgbClr val="ffffff"/>
+                </a:solidFill>
+              </a:uFill>
+              <a:latin typeface="Arial"/>
+            </a:endParaRPr>
+          </a:p>
+        </p:txBody>
+      </p:sp>
+      <p:pic>
+        <p:nvPicPr>
+          <p:cNvPr id="70" name="" descr=""/>
+          <p:cNvPicPr/>
+          <p:nvPr/>
+        </p:nvPicPr>
+        <p:blipFill>
+          <a:blip r:embed="rId2"/>
+          <a:stretch/>
+        </p:blipFill>
+        <p:spPr>
+          <a:xfrm>
+            <a:off x="2292120" y="1769040"/>
+            <a:ext cx="5494680" cy="4384080"/>
+          </a:xfrm>
+          <a:prstGeom prst="rect">
+            <a:avLst/>
+          </a:prstGeom>
+          <a:ln>
+            <a:noFill/>
+          </a:ln>
+        </p:spPr>
+      </p:pic>
+      <p:pic>
+        <p:nvPicPr>
+          <p:cNvPr id="71" name="" descr=""/>
+          <p:cNvPicPr/>
+          <p:nvPr/>
+        </p:nvPicPr>
+        <p:blipFill>
+          <a:blip r:embed="rId3"/>
+          <a:stretch/>
+        </p:blipFill>
+        <p:spPr>
+          <a:xfrm>
+            <a:off x="2292120" y="1769040"/>
+            <a:ext cx="5494680" cy="4384080"/>
+          </a:xfrm>
+          <a:prstGeom prst="rect">
+            <a:avLst/>
+          </a:prstGeom>
+          <a:ln>
+            <a:noFill/>
+          </a:ln>
+        </p:spPr>
+      </p:pic>
     </p:spTree>
   </p:cSld>
 </p:sldLayout>
@@ -667,7 +2142,7 @@
       </p:grpSpPr>
       <p:sp>
         <p:nvSpPr>
-          <p:cNvPr id="7" name="PlaceHolder 1"/>
+          <p:cNvPr id="4" name="PlaceHolder 1"/>
           <p:cNvSpPr>
             <a:spLocks noGrp="1"/>
           </p:cNvSpPr>
@@ -678,7 +2153,7 @@
         <p:spPr>
           <a:xfrm>
             <a:off x="504000" y="301320"/>
-            <a:ext cx="9071640" cy="1262160"/>
+            <a:ext cx="9071280" cy="1261800"/>
           </a:xfrm>
           <a:prstGeom prst="rect">
             <a:avLst/>
@@ -704,7 +2179,7 @@
       </p:sp>
       <p:sp>
         <p:nvSpPr>
-          <p:cNvPr id="8" name="PlaceHolder 2"/>
+          <p:cNvPr id="5" name="PlaceHolder 2"/>
           <p:cNvSpPr>
             <a:spLocks noGrp="1"/>
           </p:cNvSpPr>
@@ -715,7 +2190,7 @@
         <p:spPr>
           <a:xfrm>
             <a:off x="504000" y="1769040"/>
-            <a:ext cx="9071640" cy="4384440"/>
+            <a:ext cx="9071280" cy="4384080"/>
           </a:xfrm>
           <a:prstGeom prst="rect">
             <a:avLst/>
@@ -762,7 +2237,7 @@
       </p:grpSpPr>
       <p:sp>
         <p:nvSpPr>
-          <p:cNvPr id="9" name="PlaceHolder 1"/>
+          <p:cNvPr id="6" name="PlaceHolder 1"/>
           <p:cNvSpPr>
             <a:spLocks noGrp="1"/>
           </p:cNvSpPr>
@@ -773,7 +2248,7 @@
         <p:spPr>
           <a:xfrm>
             <a:off x="504000" y="301320"/>
-            <a:ext cx="9071640" cy="1262160"/>
+            <a:ext cx="9071280" cy="1261800"/>
           </a:xfrm>
           <a:prstGeom prst="rect">
             <a:avLst/>
@@ -799,7 +2274,7 @@
       </p:sp>
       <p:sp>
         <p:nvSpPr>
-          <p:cNvPr id="10" name="PlaceHolder 2"/>
+          <p:cNvPr id="7" name="PlaceHolder 2"/>
           <p:cNvSpPr>
             <a:spLocks noGrp="1"/>
           </p:cNvSpPr>
@@ -810,7 +2285,7 @@
         <p:spPr>
           <a:xfrm>
             <a:off x="504000" y="1769040"/>
-            <a:ext cx="4426920" cy="4384440"/>
+            <a:ext cx="4426560" cy="4384080"/>
           </a:xfrm>
           <a:prstGeom prst="rect">
             <a:avLst/>
@@ -835,7 +2310,7 @@
       </p:sp>
       <p:sp>
         <p:nvSpPr>
-          <p:cNvPr id="11" name="PlaceHolder 3"/>
+          <p:cNvPr id="8" name="PlaceHolder 3"/>
           <p:cNvSpPr>
             <a:spLocks noGrp="1"/>
           </p:cNvSpPr>
@@ -845,8 +2320,8 @@
         </p:nvSpPr>
         <p:spPr>
           <a:xfrm>
-            <a:off x="5152680" y="1769040"/>
-            <a:ext cx="4426920" cy="4384440"/>
+            <a:off x="5152320" y="1769040"/>
+            <a:ext cx="4426560" cy="4384080"/>
           </a:xfrm>
           <a:prstGeom prst="rect">
             <a:avLst/>
@@ -893,7 +2368,7 @@
       </p:grpSpPr>
       <p:sp>
         <p:nvSpPr>
-          <p:cNvPr id="12" name="PlaceHolder 1"/>
+          <p:cNvPr id="9" name="PlaceHolder 1"/>
           <p:cNvSpPr>
             <a:spLocks noGrp="1"/>
           </p:cNvSpPr>
@@ -904,7 +2379,7 @@
         <p:spPr>
           <a:xfrm>
             <a:off x="504000" y="301320"/>
-            <a:ext cx="9071640" cy="1262160"/>
+            <a:ext cx="9071280" cy="1261800"/>
           </a:xfrm>
           <a:prstGeom prst="rect">
             <a:avLst/>
@@ -952,7 +2427,7 @@
       </p:grpSpPr>
       <p:sp>
         <p:nvSpPr>
-          <p:cNvPr id="13" name="PlaceHolder 1"/>
+          <p:cNvPr id="10" name="PlaceHolder 1"/>
           <p:cNvSpPr>
             <a:spLocks noGrp="1"/>
           </p:cNvSpPr>
@@ -963,7 +2438,7 @@
         <p:spPr>
           <a:xfrm>
             <a:off x="504000" y="301320"/>
-            <a:ext cx="9071640" cy="5851800"/>
+            <a:ext cx="9071280" cy="5850360"/>
           </a:xfrm>
           <a:prstGeom prst="rect">
             <a:avLst/>
@@ -1011,7 +2486,7 @@
       </p:grpSpPr>
       <p:sp>
         <p:nvSpPr>
-          <p:cNvPr id="14" name="PlaceHolder 1"/>
+          <p:cNvPr id="11" name="PlaceHolder 1"/>
           <p:cNvSpPr>
             <a:spLocks noGrp="1"/>
           </p:cNvSpPr>
@@ -1022,7 +2497,7 @@
         <p:spPr>
           <a:xfrm>
             <a:off x="504000" y="301320"/>
-            <a:ext cx="9071640" cy="1262160"/>
+            <a:ext cx="9071280" cy="1261800"/>
           </a:xfrm>
           <a:prstGeom prst="rect">
             <a:avLst/>
@@ -1048,7 +2523,7 @@
       </p:sp>
       <p:sp>
         <p:nvSpPr>
-          <p:cNvPr id="15" name="PlaceHolder 2"/>
+          <p:cNvPr id="12" name="PlaceHolder 2"/>
           <p:cNvSpPr>
             <a:spLocks noGrp="1"/>
           </p:cNvSpPr>
@@ -1059,7 +2534,7 @@
         <p:spPr>
           <a:xfrm>
             <a:off x="504000" y="1769040"/>
-            <a:ext cx="4426920" cy="2091240"/>
+            <a:ext cx="4426560" cy="2090880"/>
           </a:xfrm>
           <a:prstGeom prst="rect">
             <a:avLst/>
@@ -1084,7 +2559,7 @@
       </p:sp>
       <p:sp>
         <p:nvSpPr>
-          <p:cNvPr id="16" name="PlaceHolder 3"/>
+          <p:cNvPr id="13" name="PlaceHolder 3"/>
           <p:cNvSpPr>
             <a:spLocks noGrp="1"/>
           </p:cNvSpPr>
@@ -1094,8 +2569,8 @@
         </p:nvSpPr>
         <p:spPr>
           <a:xfrm>
-            <a:off x="504000" y="4059360"/>
-            <a:ext cx="4426920" cy="2091240"/>
+            <a:off x="504000" y="4059000"/>
+            <a:ext cx="4426560" cy="2090880"/>
           </a:xfrm>
           <a:prstGeom prst="rect">
             <a:avLst/>
@@ -1120,7 +2595,7 @@
       </p:sp>
       <p:sp>
         <p:nvSpPr>
-          <p:cNvPr id="17" name="PlaceHolder 4"/>
+          <p:cNvPr id="14" name="PlaceHolder 4"/>
           <p:cNvSpPr>
             <a:spLocks noGrp="1"/>
           </p:cNvSpPr>
@@ -1130,8 +2605,8 @@
         </p:nvSpPr>
         <p:spPr>
           <a:xfrm>
-            <a:off x="5152680" y="1769040"/>
-            <a:ext cx="4426920" cy="4384440"/>
+            <a:off x="5152320" y="1769040"/>
+            <a:ext cx="4426560" cy="4384080"/>
           </a:xfrm>
           <a:prstGeom prst="rect">
             <a:avLst/>
@@ -1178,7 +2653,7 @@
       </p:grpSpPr>
       <p:sp>
         <p:nvSpPr>
-          <p:cNvPr id="18" name="PlaceHolder 1"/>
+          <p:cNvPr id="15" name="PlaceHolder 1"/>
           <p:cNvSpPr>
             <a:spLocks noGrp="1"/>
           </p:cNvSpPr>
@@ -1189,7 +2664,7 @@
         <p:spPr>
           <a:xfrm>
             <a:off x="504000" y="301320"/>
-            <a:ext cx="9071640" cy="1262160"/>
+            <a:ext cx="9071280" cy="1261800"/>
           </a:xfrm>
           <a:prstGeom prst="rect">
             <a:avLst/>
@@ -1215,7 +2690,7 @@
       </p:sp>
       <p:sp>
         <p:nvSpPr>
-          <p:cNvPr id="19" name="PlaceHolder 2"/>
+          <p:cNvPr id="16" name="PlaceHolder 2"/>
           <p:cNvSpPr>
             <a:spLocks noGrp="1"/>
           </p:cNvSpPr>
@@ -1226,7 +2701,7 @@
         <p:spPr>
           <a:xfrm>
             <a:off x="504000" y="1769040"/>
-            <a:ext cx="4426920" cy="4384440"/>
+            <a:ext cx="4426560" cy="4384080"/>
           </a:xfrm>
           <a:prstGeom prst="rect">
             <a:avLst/>
@@ -1251,7 +2726,7 @@
       </p:sp>
       <p:sp>
         <p:nvSpPr>
-          <p:cNvPr id="20" name="PlaceHolder 3"/>
+          <p:cNvPr id="17" name="PlaceHolder 3"/>
           <p:cNvSpPr>
             <a:spLocks noGrp="1"/>
           </p:cNvSpPr>
@@ -1261,8 +2736,8 @@
         </p:nvSpPr>
         <p:spPr>
           <a:xfrm>
-            <a:off x="5152680" y="1769040"/>
-            <a:ext cx="4426920" cy="2091240"/>
+            <a:off x="5152320" y="1769040"/>
+            <a:ext cx="4426560" cy="2090880"/>
           </a:xfrm>
           <a:prstGeom prst="rect">
             <a:avLst/>
@@ -1287,7 +2762,7 @@
       </p:sp>
       <p:sp>
         <p:nvSpPr>
-          <p:cNvPr id="21" name="PlaceHolder 4"/>
+          <p:cNvPr id="18" name="PlaceHolder 4"/>
           <p:cNvSpPr>
             <a:spLocks noGrp="1"/>
           </p:cNvSpPr>
@@ -1297,8 +2772,8 @@
         </p:nvSpPr>
         <p:spPr>
           <a:xfrm>
-            <a:off x="5152680" y="4059360"/>
-            <a:ext cx="4426920" cy="2091240"/>
+            <a:off x="5152320" y="4059000"/>
+            <a:ext cx="4426560" cy="2090880"/>
           </a:xfrm>
           <a:prstGeom prst="rect">
             <a:avLst/>
@@ -1345,7 +2820,7 @@
       </p:grpSpPr>
       <p:sp>
         <p:nvSpPr>
-          <p:cNvPr id="22" name="PlaceHolder 1"/>
+          <p:cNvPr id="19" name="PlaceHolder 1"/>
           <p:cNvSpPr>
             <a:spLocks noGrp="1"/>
           </p:cNvSpPr>
@@ -1356,7 +2831,7 @@
         <p:spPr>
           <a:xfrm>
             <a:off x="504000" y="301320"/>
-            <a:ext cx="9071640" cy="1262160"/>
+            <a:ext cx="9071280" cy="1261800"/>
           </a:xfrm>
           <a:prstGeom prst="rect">
             <a:avLst/>
@@ -1382,7 +2857,7 @@
       </p:sp>
       <p:sp>
         <p:nvSpPr>
-          <p:cNvPr id="23" name="PlaceHolder 2"/>
+          <p:cNvPr id="20" name="PlaceHolder 2"/>
           <p:cNvSpPr>
             <a:spLocks noGrp="1"/>
           </p:cNvSpPr>
@@ -1393,7 +2868,7 @@
         <p:spPr>
           <a:xfrm>
             <a:off x="504000" y="1769040"/>
-            <a:ext cx="4426920" cy="2091240"/>
+            <a:ext cx="4426560" cy="2090880"/>
           </a:xfrm>
           <a:prstGeom prst="rect">
             <a:avLst/>
@@ -1418,7 +2893,7 @@
       </p:sp>
       <p:sp>
         <p:nvSpPr>
-          <p:cNvPr id="24" name="PlaceHolder 3"/>
+          <p:cNvPr id="21" name="PlaceHolder 3"/>
           <p:cNvSpPr>
             <a:spLocks noGrp="1"/>
           </p:cNvSpPr>
@@ -1428,8 +2903,8 @@
         </p:nvSpPr>
         <p:spPr>
           <a:xfrm>
-            <a:off x="5152680" y="1769040"/>
-            <a:ext cx="4426920" cy="2091240"/>
+            <a:off x="5152320" y="1769040"/>
+            <a:ext cx="4426560" cy="2090880"/>
           </a:xfrm>
           <a:prstGeom prst="rect">
             <a:avLst/>
@@ -1454,7 +2929,7 @@
       </p:sp>
       <p:sp>
         <p:nvSpPr>
-          <p:cNvPr id="25" name="PlaceHolder 4"/>
+          <p:cNvPr id="22" name="PlaceHolder 4"/>
           <p:cNvSpPr>
             <a:spLocks noGrp="1"/>
           </p:cNvSpPr>
@@ -1464,8 +2939,8 @@
         </p:nvSpPr>
         <p:spPr>
           <a:xfrm>
-            <a:off x="504000" y="4059360"/>
-            <a:ext cx="9071640" cy="2091240"/>
+            <a:off x="504000" y="4059000"/>
+            <a:ext cx="9071280" cy="2090880"/>
           </a:xfrm>
           <a:prstGeom prst="rect">
             <a:avLst/>
@@ -1523,7 +2998,7 @@
         <p:spPr>
           <a:xfrm>
             <a:off x="504000" y="301320"/>
-            <a:ext cx="9071640" cy="1262160"/>
+            <a:ext cx="9071280" cy="1261800"/>
           </a:xfrm>
           <a:prstGeom prst="rect">
             <a:avLst/>
@@ -1533,20 +3008,6 @@
           <a:bodyPr lIns="0" rIns="0" tIns="0" bIns="0" anchor="ctr"/>
           <a:p>
             <a:pPr algn="ctr"/>
-            <a:r>
-              <a:rPr b="0" lang="en-US" sz="4400" spc="-1" strike="noStrike">
-                <a:solidFill>
-                  <a:srgbClr val="000000"/>
-                </a:solidFill>
-                <a:uFill>
-                  <a:solidFill>
-                    <a:srgbClr val="ffffff"/>
-                  </a:solidFill>
-                </a:uFill>
-                <a:latin typeface="Arial"/>
-              </a:rPr>
-              <a:t>Click to edit the title text format</a:t>
-            </a:r>
             <a:endParaRPr b="0" lang="en-US" sz="4400" spc="-1" strike="noStrike">
               <a:solidFill>
                 <a:srgbClr val="000000"/>
@@ -1573,8 +3034,8 @@
         </p:nvSpPr>
         <p:spPr>
           <a:xfrm>
-            <a:off x="504000" y="1769040"/>
-            <a:ext cx="9071640" cy="4384440"/>
+            <a:off x="504000" y="1768680"/>
+            <a:ext cx="9072000" cy="4384080"/>
           </a:xfrm>
           <a:prstGeom prst="rect">
             <a:avLst/>
@@ -1825,158 +3286,6 @@
                 </a:solidFill>
               </a:uFill>
               <a:latin typeface="Arial"/>
-            </a:endParaRPr>
-          </a:p>
-        </p:txBody>
-      </p:sp>
-      <p:sp>
-        <p:nvSpPr>
-          <p:cNvPr id="2" name="PlaceHolder 3"/>
-          <p:cNvSpPr>
-            <a:spLocks noGrp="1"/>
-          </p:cNvSpPr>
-          <p:nvPr>
-            <p:ph type="dt"/>
-          </p:nvPr>
-        </p:nvSpPr>
-        <p:spPr>
-          <a:xfrm>
-            <a:off x="504000" y="6887160"/>
-            <a:ext cx="2348280" cy="521280"/>
-          </a:xfrm>
-          <a:prstGeom prst="rect">
-            <a:avLst/>
-          </a:prstGeom>
-        </p:spPr>
-        <p:txBody>
-          <a:bodyPr lIns="0" rIns="0" tIns="0" bIns="0"/>
-          <a:p>
-            <a:r>
-              <a:rPr b="0" lang="en-US" sz="1400" spc="-1" strike="noStrike">
-                <a:solidFill>
-                  <a:srgbClr val="000000"/>
-                </a:solidFill>
-                <a:uFill>
-                  <a:solidFill>
-                    <a:srgbClr val="ffffff"/>
-                  </a:solidFill>
-                </a:uFill>
-                <a:latin typeface="Times New Roman"/>
-              </a:rPr>
-              <a:t>&lt;date/time&gt;</a:t>
-            </a:r>
-            <a:endParaRPr b="0" lang="en-US" sz="1400" spc="-1" strike="noStrike">
-              <a:solidFill>
-                <a:srgbClr val="000000"/>
-              </a:solidFill>
-              <a:uFill>
-                <a:solidFill>
-                  <a:srgbClr val="ffffff"/>
-                </a:solidFill>
-              </a:uFill>
-              <a:latin typeface="Times New Roman"/>
-            </a:endParaRPr>
-          </a:p>
-        </p:txBody>
-      </p:sp>
-      <p:sp>
-        <p:nvSpPr>
-          <p:cNvPr id="3" name="PlaceHolder 4"/>
-          <p:cNvSpPr>
-            <a:spLocks noGrp="1"/>
-          </p:cNvSpPr>
-          <p:nvPr>
-            <p:ph type="ftr"/>
-          </p:nvPr>
-        </p:nvSpPr>
-        <p:spPr>
-          <a:xfrm>
-            <a:off x="3447360" y="6887160"/>
-            <a:ext cx="3195000" cy="521280"/>
-          </a:xfrm>
-          <a:prstGeom prst="rect">
-            <a:avLst/>
-          </a:prstGeom>
-        </p:spPr>
-        <p:txBody>
-          <a:bodyPr lIns="0" rIns="0" tIns="0" bIns="0"/>
-          <a:p>
-            <a:pPr algn="ctr"/>
-            <a:r>
-              <a:rPr b="0" lang="en-US" sz="1400" spc="-1" strike="noStrike">
-                <a:solidFill>
-                  <a:srgbClr val="000000"/>
-                </a:solidFill>
-                <a:uFill>
-                  <a:solidFill>
-                    <a:srgbClr val="ffffff"/>
-                  </a:solidFill>
-                </a:uFill>
-                <a:latin typeface="Times New Roman"/>
-              </a:rPr>
-              <a:t>&lt;footer&gt;</a:t>
-            </a:r>
-            <a:endParaRPr b="0" lang="en-US" sz="1400" spc="-1" strike="noStrike">
-              <a:solidFill>
-                <a:srgbClr val="000000"/>
-              </a:solidFill>
-              <a:uFill>
-                <a:solidFill>
-                  <a:srgbClr val="ffffff"/>
-                </a:solidFill>
-              </a:uFill>
-              <a:latin typeface="Times New Roman"/>
-            </a:endParaRPr>
-          </a:p>
-        </p:txBody>
-      </p:sp>
-      <p:sp>
-        <p:nvSpPr>
-          <p:cNvPr id="4" name="PlaceHolder 5"/>
-          <p:cNvSpPr>
-            <a:spLocks noGrp="1"/>
-          </p:cNvSpPr>
-          <p:nvPr>
-            <p:ph type="sldNum"/>
-          </p:nvPr>
-        </p:nvSpPr>
-        <p:spPr>
-          <a:xfrm>
-            <a:off x="7227360" y="6887160"/>
-            <a:ext cx="2348280" cy="521280"/>
-          </a:xfrm>
-          <a:prstGeom prst="rect">
-            <a:avLst/>
-          </a:prstGeom>
-        </p:spPr>
-        <p:txBody>
-          <a:bodyPr lIns="0" rIns="0" tIns="0" bIns="0"/>
-          <a:p>
-            <a:pPr algn="r"/>
-            <a:fld id="{D87E48CB-2E7C-4441-9A73-897D68BF4738}" type="slidenum">
-              <a:rPr b="0" lang="en-US" sz="1400" spc="-1" strike="noStrike">
-                <a:solidFill>
-                  <a:srgbClr val="000000"/>
-                </a:solidFill>
-                <a:uFill>
-                  <a:solidFill>
-                    <a:srgbClr val="ffffff"/>
-                  </a:solidFill>
-                </a:uFill>
-                <a:latin typeface="Times New Roman"/>
-              </a:rPr>
-              <a:t>&lt;number&gt;</a:t>
-            </a:fld>
-            <a:endParaRPr b="0" lang="en-US" sz="1400" spc="-1" strike="noStrike">
-              <a:solidFill>
-                <a:srgbClr val="000000"/>
-              </a:solidFill>
-              <a:uFill>
-                <a:solidFill>
-                  <a:srgbClr val="ffffff"/>
-                </a:solidFill>
-              </a:uFill>
-              <a:latin typeface="Times New Roman"/>
             </a:endParaRPr>
           </a:p>
         </p:txBody>
@@ -1997,6 +3306,348 @@
     <p:sldLayoutId id="2147483658" r:id="rId11"/>
     <p:sldLayoutId id="2147483659" r:id="rId12"/>
     <p:sldLayoutId id="2147483660" r:id="rId13"/>
+  </p:sldLayoutIdLst>
+</p:sldMaster>
+</file>
+
+<file path=ppt/slideMasters/slideMaster2.xml><?xml version="1.0" encoding="utf-8"?>
+<p:sldMaster xmlns:a="http://schemas.openxmlformats.org/drawingml/2006/main" xmlns:p="http://schemas.openxmlformats.org/presentationml/2006/main" xmlns:r="http://schemas.openxmlformats.org/officeDocument/2006/relationships">
+  <p:cSld>
+    <p:spTree>
+      <p:nvGrpSpPr>
+        <p:cNvPr id="1" name=""/>
+        <p:cNvGrpSpPr/>
+        <p:nvPr/>
+      </p:nvGrpSpPr>
+      <p:grpSpPr>
+        <a:xfrm>
+          <a:off x="0" y="0"/>
+          <a:ext cx="0" cy="0"/>
+          <a:chOff x="0" y="0"/>
+          <a:chExt cx="0" cy="0"/>
+        </a:xfrm>
+      </p:grpSpPr>
+      <p:sp>
+        <p:nvSpPr>
+          <p:cNvPr id="36" name="PlaceHolder 1"/>
+          <p:cNvSpPr>
+            <a:spLocks noGrp="1"/>
+          </p:cNvSpPr>
+          <p:nvPr>
+            <p:ph type="title"/>
+          </p:nvPr>
+        </p:nvSpPr>
+        <p:spPr>
+          <a:xfrm>
+            <a:off x="504000" y="301320"/>
+            <a:ext cx="9071280" cy="1261800"/>
+          </a:xfrm>
+          <a:prstGeom prst="rect">
+            <a:avLst/>
+          </a:prstGeom>
+        </p:spPr>
+        <p:txBody>
+          <a:bodyPr lIns="0" rIns="0" tIns="0" bIns="0" anchor="ctr"/>
+          <a:p>
+            <a:pPr algn="ctr"/>
+            <a:endParaRPr b="0" lang="en-US" sz="4400" spc="-1" strike="noStrike">
+              <a:solidFill>
+                <a:srgbClr val="000000"/>
+              </a:solidFill>
+              <a:uFill>
+                <a:solidFill>
+                  <a:srgbClr val="ffffff"/>
+                </a:solidFill>
+              </a:uFill>
+              <a:latin typeface="Arial"/>
+            </a:endParaRPr>
+          </a:p>
+        </p:txBody>
+      </p:sp>
+      <p:sp>
+        <p:nvSpPr>
+          <p:cNvPr id="37" name="PlaceHolder 2"/>
+          <p:cNvSpPr>
+            <a:spLocks noGrp="1"/>
+          </p:cNvSpPr>
+          <p:nvPr>
+            <p:ph type="body"/>
+          </p:nvPr>
+        </p:nvSpPr>
+        <p:spPr>
+          <a:xfrm>
+            <a:off x="504000" y="1769040"/>
+            <a:ext cx="9071280" cy="4384080"/>
+          </a:xfrm>
+          <a:prstGeom prst="rect">
+            <a:avLst/>
+          </a:prstGeom>
+        </p:spPr>
+        <p:txBody>
+          <a:bodyPr lIns="0" rIns="0" tIns="0" bIns="0"/>
+          <a:p>
+            <a:pPr marL="432000" indent="-324000">
+              <a:buClr>
+                <a:srgbClr val="000000"/>
+              </a:buClr>
+              <a:buSzPct val="45000"/>
+              <a:buFont typeface="Wingdings" charset="2"/>
+              <a:buChar char=""/>
+            </a:pPr>
+            <a:r>
+              <a:rPr b="0" lang="en-US" sz="1800" spc="-1" strike="noStrike">
+                <a:solidFill>
+                  <a:srgbClr val="000000"/>
+                </a:solidFill>
+                <a:uFill>
+                  <a:solidFill>
+                    <a:srgbClr val="ffffff"/>
+                  </a:solidFill>
+                </a:uFill>
+                <a:latin typeface="Arial"/>
+              </a:rPr>
+              <a:t>Click to edit the outline text format</a:t>
+            </a:r>
+            <a:endParaRPr b="0" lang="en-US" sz="1800" spc="-1" strike="noStrike">
+              <a:solidFill>
+                <a:srgbClr val="000000"/>
+              </a:solidFill>
+              <a:uFill>
+                <a:solidFill>
+                  <a:srgbClr val="ffffff"/>
+                </a:solidFill>
+              </a:uFill>
+              <a:latin typeface="Arial"/>
+            </a:endParaRPr>
+          </a:p>
+          <a:p>
+            <a:pPr lvl="1" marL="864000" indent="-324000">
+              <a:buClr>
+                <a:srgbClr val="000000"/>
+              </a:buClr>
+              <a:buSzPct val="75000"/>
+              <a:buFont typeface="Symbol" charset="2"/>
+              <a:buChar char=""/>
+            </a:pPr>
+            <a:r>
+              <a:rPr b="0" lang="en-US" sz="1800" spc="-1" strike="noStrike">
+                <a:solidFill>
+                  <a:srgbClr val="000000"/>
+                </a:solidFill>
+                <a:uFill>
+                  <a:solidFill>
+                    <a:srgbClr val="ffffff"/>
+                  </a:solidFill>
+                </a:uFill>
+                <a:latin typeface="Arial"/>
+              </a:rPr>
+              <a:t>Second Outline Level</a:t>
+            </a:r>
+            <a:endParaRPr b="0" lang="en-US" sz="1800" spc="-1" strike="noStrike">
+              <a:solidFill>
+                <a:srgbClr val="000000"/>
+              </a:solidFill>
+              <a:uFill>
+                <a:solidFill>
+                  <a:srgbClr val="ffffff"/>
+                </a:solidFill>
+              </a:uFill>
+              <a:latin typeface="Arial"/>
+            </a:endParaRPr>
+          </a:p>
+          <a:p>
+            <a:pPr lvl="2" marL="1296000" indent="-288000">
+              <a:buClr>
+                <a:srgbClr val="000000"/>
+              </a:buClr>
+              <a:buSzPct val="45000"/>
+              <a:buFont typeface="Wingdings" charset="2"/>
+              <a:buChar char=""/>
+            </a:pPr>
+            <a:r>
+              <a:rPr b="0" lang="en-US" sz="1800" spc="-1" strike="noStrike">
+                <a:solidFill>
+                  <a:srgbClr val="000000"/>
+                </a:solidFill>
+                <a:uFill>
+                  <a:solidFill>
+                    <a:srgbClr val="ffffff"/>
+                  </a:solidFill>
+                </a:uFill>
+                <a:latin typeface="Arial"/>
+              </a:rPr>
+              <a:t>Third Outline Level</a:t>
+            </a:r>
+            <a:endParaRPr b="0" lang="en-US" sz="1800" spc="-1" strike="noStrike">
+              <a:solidFill>
+                <a:srgbClr val="000000"/>
+              </a:solidFill>
+              <a:uFill>
+                <a:solidFill>
+                  <a:srgbClr val="ffffff"/>
+                </a:solidFill>
+              </a:uFill>
+              <a:latin typeface="Arial"/>
+            </a:endParaRPr>
+          </a:p>
+          <a:p>
+            <a:pPr lvl="3" marL="1728000" indent="-216000">
+              <a:buClr>
+                <a:srgbClr val="000000"/>
+              </a:buClr>
+              <a:buSzPct val="75000"/>
+              <a:buFont typeface="Symbol" charset="2"/>
+              <a:buChar char=""/>
+            </a:pPr>
+            <a:r>
+              <a:rPr b="0" lang="en-US" sz="1800" spc="-1" strike="noStrike">
+                <a:solidFill>
+                  <a:srgbClr val="000000"/>
+                </a:solidFill>
+                <a:uFill>
+                  <a:solidFill>
+                    <a:srgbClr val="ffffff"/>
+                  </a:solidFill>
+                </a:uFill>
+                <a:latin typeface="Arial"/>
+              </a:rPr>
+              <a:t>Fourth Outline Level</a:t>
+            </a:r>
+            <a:endParaRPr b="0" lang="en-US" sz="1800" spc="-1" strike="noStrike">
+              <a:solidFill>
+                <a:srgbClr val="000000"/>
+              </a:solidFill>
+              <a:uFill>
+                <a:solidFill>
+                  <a:srgbClr val="ffffff"/>
+                </a:solidFill>
+              </a:uFill>
+              <a:latin typeface="Arial"/>
+            </a:endParaRPr>
+          </a:p>
+          <a:p>
+            <a:pPr lvl="4" marL="2160000" indent="-216000">
+              <a:buClr>
+                <a:srgbClr val="000000"/>
+              </a:buClr>
+              <a:buSzPct val="45000"/>
+              <a:buFont typeface="Wingdings" charset="2"/>
+              <a:buChar char=""/>
+            </a:pPr>
+            <a:r>
+              <a:rPr b="0" lang="en-US" sz="1800" spc="-1" strike="noStrike">
+                <a:solidFill>
+                  <a:srgbClr val="000000"/>
+                </a:solidFill>
+                <a:uFill>
+                  <a:solidFill>
+                    <a:srgbClr val="ffffff"/>
+                  </a:solidFill>
+                </a:uFill>
+                <a:latin typeface="Arial"/>
+              </a:rPr>
+              <a:t>Fifth Outline Level</a:t>
+            </a:r>
+            <a:endParaRPr b="0" lang="en-US" sz="1800" spc="-1" strike="noStrike">
+              <a:solidFill>
+                <a:srgbClr val="000000"/>
+              </a:solidFill>
+              <a:uFill>
+                <a:solidFill>
+                  <a:srgbClr val="ffffff"/>
+                </a:solidFill>
+              </a:uFill>
+              <a:latin typeface="Arial"/>
+            </a:endParaRPr>
+          </a:p>
+          <a:p>
+            <a:pPr lvl="5" marL="2592000" indent="-216000">
+              <a:buClr>
+                <a:srgbClr val="000000"/>
+              </a:buClr>
+              <a:buSzPct val="45000"/>
+              <a:buFont typeface="Wingdings" charset="2"/>
+              <a:buChar char=""/>
+            </a:pPr>
+            <a:r>
+              <a:rPr b="0" lang="en-US" sz="1800" spc="-1" strike="noStrike">
+                <a:solidFill>
+                  <a:srgbClr val="000000"/>
+                </a:solidFill>
+                <a:uFill>
+                  <a:solidFill>
+                    <a:srgbClr val="ffffff"/>
+                  </a:solidFill>
+                </a:uFill>
+                <a:latin typeface="Arial"/>
+              </a:rPr>
+              <a:t>Sixth Outline Level</a:t>
+            </a:r>
+            <a:endParaRPr b="0" lang="en-US" sz="1800" spc="-1" strike="noStrike">
+              <a:solidFill>
+                <a:srgbClr val="000000"/>
+              </a:solidFill>
+              <a:uFill>
+                <a:solidFill>
+                  <a:srgbClr val="ffffff"/>
+                </a:solidFill>
+              </a:uFill>
+              <a:latin typeface="Arial"/>
+            </a:endParaRPr>
+          </a:p>
+          <a:p>
+            <a:pPr lvl="6" marL="3024000" indent="-216000">
+              <a:buClr>
+                <a:srgbClr val="000000"/>
+              </a:buClr>
+              <a:buSzPct val="45000"/>
+              <a:buFont typeface="Wingdings" charset="2"/>
+              <a:buChar char=""/>
+            </a:pPr>
+            <a:r>
+              <a:rPr b="0" lang="en-US" sz="1800" spc="-1" strike="noStrike">
+                <a:solidFill>
+                  <a:srgbClr val="000000"/>
+                </a:solidFill>
+                <a:uFill>
+                  <a:solidFill>
+                    <a:srgbClr val="ffffff"/>
+                  </a:solidFill>
+                </a:uFill>
+                <a:latin typeface="Arial"/>
+              </a:rPr>
+              <a:t>Seventh Outline Level</a:t>
+            </a:r>
+            <a:endParaRPr b="0" lang="en-US" sz="1800" spc="-1" strike="noStrike">
+              <a:solidFill>
+                <a:srgbClr val="000000"/>
+              </a:solidFill>
+              <a:uFill>
+                <a:solidFill>
+                  <a:srgbClr val="ffffff"/>
+                </a:solidFill>
+              </a:uFill>
+              <a:latin typeface="Arial"/>
+            </a:endParaRPr>
+          </a:p>
+        </p:txBody>
+      </p:sp>
+    </p:spTree>
+  </p:cSld>
+  <p:clrMap bg1="lt1" bg2="lt2" tx1="dk1" tx2="dk2" accent1="accent1" accent2="accent2" accent3="accent3" accent4="accent4" accent5="accent5" accent6="accent6" hlink="hlink" folHlink="folHlink"/>
+  <p:sldLayoutIdLst>
+    <p:sldLayoutId id="2147483662" r:id="rId2"/>
+    <p:sldLayoutId id="2147483663" r:id="rId3"/>
+    <p:sldLayoutId id="2147483664" r:id="rId4"/>
+    <p:sldLayoutId id="2147483665" r:id="rId5"/>
+    <p:sldLayoutId id="2147483666" r:id="rId6"/>
+    <p:sldLayoutId id="2147483667" r:id="rId7"/>
+    <p:sldLayoutId id="2147483668" r:id="rId8"/>
+    <p:sldLayoutId id="2147483669" r:id="rId9"/>
+    <p:sldLayoutId id="2147483670" r:id="rId10"/>
+    <p:sldLayoutId id="2147483671" r:id="rId11"/>
+    <p:sldLayoutId id="2147483672" r:id="rId12"/>
+    <p:sldLayoutId id="2147483673" r:id="rId13"/>
   </p:sldLayoutIdLst>
 </p:sldMaster>
 </file>
@@ -2020,14 +3671,14 @@
       </p:grpSpPr>
       <p:sp>
         <p:nvSpPr>
-          <p:cNvPr id="39" name="TextShape 1"/>
-          <p:cNvSpPr txBox="1"/>
+          <p:cNvPr id="72" name="CustomShape 1"/>
+          <p:cNvSpPr/>
           <p:nvPr/>
         </p:nvSpPr>
         <p:spPr>
           <a:xfrm>
             <a:off x="548640" y="1463040"/>
-            <a:ext cx="9071640" cy="4384440"/>
+            <a:ext cx="9071280" cy="4384080"/>
           </a:xfrm>
           <a:prstGeom prst="rect">
             <a:avLst/>
@@ -2037,38 +3688,56 @@
             <a:noFill/>
           </a:ln>
         </p:spPr>
+        <p:style>
+          <a:lnRef idx="0"/>
+          <a:fillRef idx="0"/>
+          <a:effectRef idx="0"/>
+          <a:fontRef idx="minor"/>
+        </p:style>
         <p:txBody>
           <a:bodyPr lIns="0" rIns="0" tIns="0" bIns="0" anchor="ctr"/>
           <a:p>
-            <a:pPr algn="ctr"/>
-            <a:endParaRPr b="0" lang="en-US" sz="3200" spc="-1" strike="noStrike">
-              <a:solidFill>
-                <a:srgbClr val="000000"/>
-              </a:solidFill>
-              <a:uFill>
-                <a:solidFill>
-                  <a:srgbClr val="ffffff"/>
-                </a:solidFill>
-              </a:uFill>
-              <a:latin typeface="Arial"/>
-            </a:endParaRPr>
-          </a:p>
-          <a:p>
-            <a:pPr algn="ctr"/>
-            <a:endParaRPr b="0" lang="en-US" sz="3200" spc="-1" strike="noStrike">
-              <a:solidFill>
-                <a:srgbClr val="000000"/>
-              </a:solidFill>
-              <a:uFill>
-                <a:solidFill>
-                  <a:srgbClr val="ffffff"/>
-                </a:solidFill>
-              </a:uFill>
-              <a:latin typeface="Arial"/>
-            </a:endParaRPr>
-          </a:p>
-          <a:p>
-            <a:pPr algn="ctr"/>
+            <a:pPr algn="ctr">
+              <a:lnSpc>
+                <a:spcPct val="100000"/>
+              </a:lnSpc>
+            </a:pPr>
+            <a:endParaRPr b="0" lang="en-US" sz="1800" spc="-1" strike="noStrike">
+              <a:solidFill>
+                <a:srgbClr val="000000"/>
+              </a:solidFill>
+              <a:uFill>
+                <a:solidFill>
+                  <a:srgbClr val="ffffff"/>
+                </a:solidFill>
+              </a:uFill>
+              <a:latin typeface="Arial"/>
+            </a:endParaRPr>
+          </a:p>
+          <a:p>
+            <a:pPr algn="ctr">
+              <a:lnSpc>
+                <a:spcPct val="100000"/>
+              </a:lnSpc>
+            </a:pPr>
+            <a:endParaRPr b="0" lang="en-US" sz="1800" spc="-1" strike="noStrike">
+              <a:solidFill>
+                <a:srgbClr val="000000"/>
+              </a:solidFill>
+              <a:uFill>
+                <a:solidFill>
+                  <a:srgbClr val="ffffff"/>
+                </a:solidFill>
+              </a:uFill>
+              <a:latin typeface="Arial"/>
+            </a:endParaRPr>
+          </a:p>
+          <a:p>
+            <a:pPr algn="ctr">
+              <a:lnSpc>
+                <a:spcPct val="100000"/>
+              </a:lnSpc>
+            </a:pPr>
             <a:r>
               <a:rPr b="0" lang="en-US" sz="4800" spc="-1" strike="noStrike">
                 <a:solidFill>
@@ -2083,72 +3752,84 @@
               </a:rPr>
               <a:t>Quote of the day</a:t>
             </a:r>
-            <a:endParaRPr b="0" lang="en-US" sz="3200" spc="-1" strike="noStrike">
-              <a:solidFill>
-                <a:srgbClr val="000000"/>
-              </a:solidFill>
-              <a:uFill>
-                <a:solidFill>
-                  <a:srgbClr val="ffffff"/>
-                </a:solidFill>
-              </a:uFill>
-              <a:latin typeface="Arial"/>
-            </a:endParaRPr>
-          </a:p>
-          <a:p>
-            <a:pPr algn="ctr"/>
-            <a:endParaRPr b="0" lang="en-US" sz="3200" spc="-1" strike="noStrike">
-              <a:solidFill>
-                <a:srgbClr val="000000"/>
-              </a:solidFill>
-              <a:uFill>
-                <a:solidFill>
-                  <a:srgbClr val="ffffff"/>
-                </a:solidFill>
-              </a:uFill>
-              <a:latin typeface="Arial"/>
-            </a:endParaRPr>
-          </a:p>
-          <a:p>
-            <a:pPr algn="ctr"/>
-            <a:endParaRPr b="0" lang="en-US" sz="3200" spc="-1" strike="noStrike">
-              <a:solidFill>
-                <a:srgbClr val="000000"/>
-              </a:solidFill>
-              <a:uFill>
-                <a:solidFill>
-                  <a:srgbClr val="ffffff"/>
-                </a:solidFill>
-              </a:uFill>
-              <a:latin typeface="Arial"/>
-            </a:endParaRPr>
-          </a:p>
-          <a:p>
-            <a:pPr algn="ctr"/>
-            <a:endParaRPr b="0" lang="en-US" sz="3200" spc="-1" strike="noStrike">
-              <a:solidFill>
-                <a:srgbClr val="000000"/>
-              </a:solidFill>
-              <a:uFill>
-                <a:solidFill>
-                  <a:srgbClr val="ffffff"/>
-                </a:solidFill>
-              </a:uFill>
-              <a:latin typeface="Arial"/>
-            </a:endParaRPr>
-          </a:p>
-        </p:txBody>
-      </p:sp>
-      <p:sp>
-        <p:nvSpPr>
-          <p:cNvPr id="40" name="TextShape 2"/>
-          <p:cNvSpPr txBox="1"/>
+            <a:endParaRPr b="0" lang="en-US" sz="1800" spc="-1" strike="noStrike">
+              <a:solidFill>
+                <a:srgbClr val="000000"/>
+              </a:solidFill>
+              <a:uFill>
+                <a:solidFill>
+                  <a:srgbClr val="ffffff"/>
+                </a:solidFill>
+              </a:uFill>
+              <a:latin typeface="Arial"/>
+            </a:endParaRPr>
+          </a:p>
+          <a:p>
+            <a:pPr algn="ctr">
+              <a:lnSpc>
+                <a:spcPct val="100000"/>
+              </a:lnSpc>
+            </a:pPr>
+            <a:endParaRPr b="0" lang="en-US" sz="1800" spc="-1" strike="noStrike">
+              <a:solidFill>
+                <a:srgbClr val="000000"/>
+              </a:solidFill>
+              <a:uFill>
+                <a:solidFill>
+                  <a:srgbClr val="ffffff"/>
+                </a:solidFill>
+              </a:uFill>
+              <a:latin typeface="Arial"/>
+            </a:endParaRPr>
+          </a:p>
+          <a:p>
+            <a:pPr algn="ctr">
+              <a:lnSpc>
+                <a:spcPct val="100000"/>
+              </a:lnSpc>
+            </a:pPr>
+            <a:endParaRPr b="0" lang="en-US" sz="1800" spc="-1" strike="noStrike">
+              <a:solidFill>
+                <a:srgbClr val="000000"/>
+              </a:solidFill>
+              <a:uFill>
+                <a:solidFill>
+                  <a:srgbClr val="ffffff"/>
+                </a:solidFill>
+              </a:uFill>
+              <a:latin typeface="Arial"/>
+            </a:endParaRPr>
+          </a:p>
+          <a:p>
+            <a:pPr algn="ctr">
+              <a:lnSpc>
+                <a:spcPct val="100000"/>
+              </a:lnSpc>
+            </a:pPr>
+            <a:endParaRPr b="0" lang="en-US" sz="1800" spc="-1" strike="noStrike">
+              <a:solidFill>
+                <a:srgbClr val="000000"/>
+              </a:solidFill>
+              <a:uFill>
+                <a:solidFill>
+                  <a:srgbClr val="ffffff"/>
+                </a:solidFill>
+              </a:uFill>
+              <a:latin typeface="Arial"/>
+            </a:endParaRPr>
+          </a:p>
+        </p:txBody>
+      </p:sp>
+      <p:sp>
+        <p:nvSpPr>
+          <p:cNvPr id="73" name="CustomShape 2"/>
+          <p:cNvSpPr/>
           <p:nvPr/>
         </p:nvSpPr>
         <p:spPr>
           <a:xfrm>
             <a:off x="5212080" y="4937760"/>
-            <a:ext cx="4389120" cy="858240"/>
+            <a:ext cx="4388760" cy="857880"/>
           </a:xfrm>
           <a:prstGeom prst="rect">
             <a:avLst/>
@@ -2158,6 +3839,12 @@
             <a:noFill/>
           </a:ln>
         </p:spPr>
+        <p:style>
+          <a:lnRef idx="0"/>
+          <a:fillRef idx="0"/>
+          <a:effectRef idx="0"/>
+          <a:fontRef idx="minor"/>
+        </p:style>
         <p:txBody>
           <a:bodyPr lIns="90000" rIns="90000" tIns="45000" bIns="45000"/>
           <a:p>
@@ -2273,6 +3960,33 @@
       </p:sp>
     </p:spTree>
   </p:cSld>
+  <p:timing>
+    <p:tnLst>
+      <p:par>
+        <p:cTn id="1" dur="indefinite" restart="never" nodeType="tmRoot">
+          <p:childTnLst>
+            <p:seq>
+              <p:cTn id="2" nodeType="mainSeq"/>
+              <p:prevCondLst>
+                <p:cond delay="0" evt="onPrev">
+                  <p:tgtEl>
+                    <p:sldTgt/>
+                  </p:tgtEl>
+                </p:cond>
+              </p:prevCondLst>
+              <p:nextCondLst>
+                <p:cond delay="0" evt="onNext">
+                  <p:tgtEl>
+                    <p:sldTgt/>
+                  </p:tgtEl>
+                </p:cond>
+              </p:nextCondLst>
+            </p:seq>
+          </p:childTnLst>
+        </p:cTn>
+      </p:par>
+    </p:tnLst>
+  </p:timing>
 </p:sld>
 </file>
 
@@ -2295,14 +4009,14 @@
       </p:grpSpPr>
       <p:sp>
         <p:nvSpPr>
-          <p:cNvPr id="41" name="TextShape 1"/>
-          <p:cNvSpPr txBox="1"/>
+          <p:cNvPr id="74" name="CustomShape 1"/>
+          <p:cNvSpPr/>
           <p:nvPr/>
         </p:nvSpPr>
         <p:spPr>
           <a:xfrm>
             <a:off x="504000" y="301320"/>
-            <a:ext cx="9071640" cy="1262160"/>
+            <a:ext cx="9071280" cy="1261800"/>
           </a:xfrm>
           <a:prstGeom prst="rect">
             <a:avLst/>
@@ -2312,10 +4026,20 @@
             <a:noFill/>
           </a:ln>
         </p:spPr>
+        <p:style>
+          <a:lnRef idx="0"/>
+          <a:fillRef idx="0"/>
+          <a:effectRef idx="0"/>
+          <a:fontRef idx="minor"/>
+        </p:style>
         <p:txBody>
           <a:bodyPr lIns="0" rIns="0" tIns="0" bIns="0" anchor="ctr"/>
           <a:p>
-            <a:pPr algn="ctr"/>
+            <a:pPr algn="ctr">
+              <a:lnSpc>
+                <a:spcPct val="100000"/>
+              </a:lnSpc>
+            </a:pPr>
             <a:r>
               <a:rPr b="0" lang="en-US" sz="4000" spc="-1" strike="noStrike">
                 <a:solidFill>
@@ -2330,30 +4054,30 @@
               </a:rPr>
               <a:t>Agenda</a:t>
             </a:r>
-            <a:endParaRPr b="0" lang="en-US" sz="4400" spc="-1" strike="noStrike">
-              <a:solidFill>
-                <a:srgbClr val="000000"/>
-              </a:solidFill>
-              <a:uFill>
-                <a:solidFill>
-                  <a:srgbClr val="ffffff"/>
-                </a:solidFill>
-              </a:uFill>
-              <a:latin typeface="Arial"/>
-            </a:endParaRPr>
-          </a:p>
-        </p:txBody>
-      </p:sp>
-      <p:sp>
-        <p:nvSpPr>
-          <p:cNvPr id="42" name="TextShape 2"/>
-          <p:cNvSpPr txBox="1"/>
+            <a:endParaRPr b="0" lang="en-US" sz="1800" spc="-1" strike="noStrike">
+              <a:solidFill>
+                <a:srgbClr val="000000"/>
+              </a:solidFill>
+              <a:uFill>
+                <a:solidFill>
+                  <a:srgbClr val="ffffff"/>
+                </a:solidFill>
+              </a:uFill>
+              <a:latin typeface="Arial"/>
+            </a:endParaRPr>
+          </a:p>
+        </p:txBody>
+      </p:sp>
+      <p:sp>
+        <p:nvSpPr>
+          <p:cNvPr id="75" name="CustomShape 2"/>
+          <p:cNvSpPr/>
           <p:nvPr/>
         </p:nvSpPr>
         <p:spPr>
           <a:xfrm>
             <a:off x="504000" y="1769040"/>
-            <a:ext cx="9071640" cy="4384440"/>
+            <a:ext cx="9071280" cy="4384080"/>
           </a:xfrm>
           <a:prstGeom prst="rect">
             <a:avLst/>
@@ -2363,10 +4087,19 @@
             <a:noFill/>
           </a:ln>
         </p:spPr>
+        <p:style>
+          <a:lnRef idx="0"/>
+          <a:fillRef idx="0"/>
+          <a:effectRef idx="0"/>
+          <a:fontRef idx="minor"/>
+        </p:style>
         <p:txBody>
           <a:bodyPr lIns="0" rIns="0" tIns="0" bIns="0"/>
           <a:p>
-            <a:pPr marL="432000" indent="-324000">
+            <a:pPr marL="432000" indent="-323640">
+              <a:lnSpc>
+                <a:spcPct val="100000"/>
+              </a:lnSpc>
               <a:buClr>
                 <a:srgbClr val="000000"/>
               </a:buClr>
@@ -2388,20 +4121,23 @@
               </a:rPr>
               <a:t>Design approach</a:t>
             </a:r>
-            <a:endParaRPr b="0" lang="en-US" sz="3200" spc="-1" strike="noStrike">
-              <a:solidFill>
-                <a:srgbClr val="000000"/>
-              </a:solidFill>
-              <a:uFill>
-                <a:solidFill>
-                  <a:srgbClr val="ffffff"/>
-                </a:solidFill>
-              </a:uFill>
-              <a:latin typeface="Arial"/>
-            </a:endParaRPr>
-          </a:p>
-          <a:p>
-            <a:pPr marL="432000" indent="-324000">
+            <a:endParaRPr b="0" lang="en-US" sz="1800" spc="-1" strike="noStrike">
+              <a:solidFill>
+                <a:srgbClr val="000000"/>
+              </a:solidFill>
+              <a:uFill>
+                <a:solidFill>
+                  <a:srgbClr val="ffffff"/>
+                </a:solidFill>
+              </a:uFill>
+              <a:latin typeface="Arial"/>
+            </a:endParaRPr>
+          </a:p>
+          <a:p>
+            <a:pPr marL="432000" indent="-323640">
+              <a:lnSpc>
+                <a:spcPct val="100000"/>
+              </a:lnSpc>
               <a:buClr>
                 <a:srgbClr val="000000"/>
               </a:buClr>
@@ -2423,20 +4159,23 @@
               </a:rPr>
               <a:t>Tools/libraries</a:t>
             </a:r>
-            <a:endParaRPr b="0" lang="en-US" sz="3200" spc="-1" strike="noStrike">
-              <a:solidFill>
-                <a:srgbClr val="000000"/>
-              </a:solidFill>
-              <a:uFill>
-                <a:solidFill>
-                  <a:srgbClr val="ffffff"/>
-                </a:solidFill>
-              </a:uFill>
-              <a:latin typeface="Arial"/>
-            </a:endParaRPr>
-          </a:p>
-          <a:p>
-            <a:pPr marL="432000" indent="-324000">
+            <a:endParaRPr b="0" lang="en-US" sz="1800" spc="-1" strike="noStrike">
+              <a:solidFill>
+                <a:srgbClr val="000000"/>
+              </a:solidFill>
+              <a:uFill>
+                <a:solidFill>
+                  <a:srgbClr val="ffffff"/>
+                </a:solidFill>
+              </a:uFill>
+              <a:latin typeface="Arial"/>
+            </a:endParaRPr>
+          </a:p>
+          <a:p>
+            <a:pPr marL="432000" indent="-323640">
+              <a:lnSpc>
+                <a:spcPct val="100000"/>
+              </a:lnSpc>
               <a:buClr>
                 <a:srgbClr val="000000"/>
               </a:buClr>
@@ -2458,20 +4197,23 @@
               </a:rPr>
               <a:t>Configurations</a:t>
             </a:r>
-            <a:endParaRPr b="0" lang="en-US" sz="3200" spc="-1" strike="noStrike">
-              <a:solidFill>
-                <a:srgbClr val="000000"/>
-              </a:solidFill>
-              <a:uFill>
-                <a:solidFill>
-                  <a:srgbClr val="ffffff"/>
-                </a:solidFill>
-              </a:uFill>
-              <a:latin typeface="Arial"/>
-            </a:endParaRPr>
-          </a:p>
-          <a:p>
-            <a:pPr marL="432000" indent="-324000">
+            <a:endParaRPr b="0" lang="en-US" sz="1800" spc="-1" strike="noStrike">
+              <a:solidFill>
+                <a:srgbClr val="000000"/>
+              </a:solidFill>
+              <a:uFill>
+                <a:solidFill>
+                  <a:srgbClr val="ffffff"/>
+                </a:solidFill>
+              </a:uFill>
+              <a:latin typeface="Arial"/>
+            </a:endParaRPr>
+          </a:p>
+          <a:p>
+            <a:pPr marL="432000" indent="-323640">
+              <a:lnSpc>
+                <a:spcPct val="100000"/>
+              </a:lnSpc>
               <a:buClr>
                 <a:srgbClr val="000000"/>
               </a:buClr>
@@ -2493,20 +4235,23 @@
               </a:rPr>
               <a:t>Screens</a:t>
             </a:r>
-            <a:endParaRPr b="0" lang="en-US" sz="3200" spc="-1" strike="noStrike">
-              <a:solidFill>
-                <a:srgbClr val="000000"/>
-              </a:solidFill>
-              <a:uFill>
-                <a:solidFill>
-                  <a:srgbClr val="ffffff"/>
-                </a:solidFill>
-              </a:uFill>
-              <a:latin typeface="Arial"/>
-            </a:endParaRPr>
-          </a:p>
-          <a:p>
-            <a:pPr marL="432000" indent="-324000">
+            <a:endParaRPr b="0" lang="en-US" sz="1800" spc="-1" strike="noStrike">
+              <a:solidFill>
+                <a:srgbClr val="000000"/>
+              </a:solidFill>
+              <a:uFill>
+                <a:solidFill>
+                  <a:srgbClr val="ffffff"/>
+                </a:solidFill>
+              </a:uFill>
+              <a:latin typeface="Arial"/>
+            </a:endParaRPr>
+          </a:p>
+          <a:p>
+            <a:pPr marL="432000" indent="-323640">
+              <a:lnSpc>
+                <a:spcPct val="100000"/>
+              </a:lnSpc>
               <a:buClr>
                 <a:srgbClr val="000000"/>
               </a:buClr>
@@ -2528,20 +4273,23 @@
               </a:rPr>
               <a:t>Demo</a:t>
             </a:r>
-            <a:endParaRPr b="0" lang="en-US" sz="3200" spc="-1" strike="noStrike">
-              <a:solidFill>
-                <a:srgbClr val="000000"/>
-              </a:solidFill>
-              <a:uFill>
-                <a:solidFill>
-                  <a:srgbClr val="ffffff"/>
-                </a:solidFill>
-              </a:uFill>
-              <a:latin typeface="Arial"/>
-            </a:endParaRPr>
-          </a:p>
-          <a:p>
-            <a:pPr marL="432000" indent="-324000">
+            <a:endParaRPr b="0" lang="en-US" sz="1800" spc="-1" strike="noStrike">
+              <a:solidFill>
+                <a:srgbClr val="000000"/>
+              </a:solidFill>
+              <a:uFill>
+                <a:solidFill>
+                  <a:srgbClr val="ffffff"/>
+                </a:solidFill>
+              </a:uFill>
+              <a:latin typeface="Arial"/>
+            </a:endParaRPr>
+          </a:p>
+          <a:p>
+            <a:pPr marL="432000" indent="-323640">
+              <a:lnSpc>
+                <a:spcPct val="100000"/>
+              </a:lnSpc>
               <a:buClr>
                 <a:srgbClr val="000000"/>
               </a:buClr>
@@ -2563,42 +4311,7 @@
               </a:rPr>
               <a:t>Publishing to play store</a:t>
             </a:r>
-            <a:endParaRPr b="0" lang="en-US" sz="3200" spc="-1" strike="noStrike">
-              <a:solidFill>
-                <a:srgbClr val="000000"/>
-              </a:solidFill>
-              <a:uFill>
-                <a:solidFill>
-                  <a:srgbClr val="ffffff"/>
-                </a:solidFill>
-              </a:uFill>
-              <a:latin typeface="Arial"/>
-            </a:endParaRPr>
-          </a:p>
-          <a:p>
-            <a:pPr marL="432000" indent="-324000">
-              <a:buClr>
-                <a:srgbClr val="000000"/>
-              </a:buClr>
-              <a:buSzPct val="45000"/>
-              <a:buFont typeface="Wingdings" charset="2"/>
-              <a:buChar char=""/>
-            </a:pPr>
-            <a:r>
-              <a:rPr b="0" lang="en-US" sz="2800" spc="-1" strike="noStrike">
-                <a:solidFill>
-                  <a:srgbClr val="000000"/>
-                </a:solidFill>
-                <a:uFill>
-                  <a:solidFill>
-                    <a:srgbClr val="ffffff"/>
-                  </a:solidFill>
-                </a:uFill>
-                <a:latin typeface="Arial"/>
-              </a:rPr>
-              <a:t> </a:t>
-            </a:r>
-            <a:endParaRPr b="0" lang="en-US" sz="3200" spc="-1" strike="noStrike">
+            <a:endParaRPr b="0" lang="en-US" sz="1800" spc="-1" strike="noStrike">
               <a:solidFill>
                 <a:srgbClr val="000000"/>
               </a:solidFill>
@@ -2614,6 +4327,33 @@
       </p:sp>
     </p:spTree>
   </p:cSld>
+  <p:timing>
+    <p:tnLst>
+      <p:par>
+        <p:cTn id="3" dur="indefinite" restart="never" nodeType="tmRoot">
+          <p:childTnLst>
+            <p:seq>
+              <p:cTn id="4" nodeType="mainSeq"/>
+              <p:prevCondLst>
+                <p:cond delay="0" evt="onPrev">
+                  <p:tgtEl>
+                    <p:sldTgt/>
+                  </p:tgtEl>
+                </p:cond>
+              </p:prevCondLst>
+              <p:nextCondLst>
+                <p:cond delay="0" evt="onNext">
+                  <p:tgtEl>
+                    <p:sldTgt/>
+                  </p:tgtEl>
+                </p:cond>
+              </p:nextCondLst>
+            </p:seq>
+          </p:childTnLst>
+        </p:cTn>
+      </p:par>
+    </p:tnLst>
+  </p:timing>
 </p:sld>
 </file>
 
@@ -2636,7 +4376,7 @@
       </p:grpSpPr>
       <p:pic>
         <p:nvPicPr>
-          <p:cNvPr id="43" name="" descr=""/>
+          <p:cNvPr id="76" name="" descr=""/>
           <p:cNvPicPr/>
           <p:nvPr/>
         </p:nvPicPr>
@@ -2647,26 +4387,29 @@
         <p:spPr>
           <a:xfrm>
             <a:off x="1004040" y="2099520"/>
-            <a:ext cx="8199000" cy="3957120"/>
-          </a:xfrm>
-          <a:prstGeom prst="rect">
-            <a:avLst/>
-          </a:prstGeom>
-          <a:ln>
-            <a:noFill/>
+            <a:ext cx="8198640" cy="3956760"/>
+          </a:xfrm>
+          <a:prstGeom prst="rect">
+            <a:avLst/>
+          </a:prstGeom>
+          <a:ln w="19080">
+            <a:solidFill>
+              <a:srgbClr val="000000"/>
+            </a:solidFill>
+            <a:round/>
           </a:ln>
         </p:spPr>
       </p:pic>
       <p:sp>
         <p:nvSpPr>
-          <p:cNvPr id="44" name="TextShape 1"/>
-          <p:cNvSpPr txBox="1"/>
+          <p:cNvPr id="77" name="CustomShape 1"/>
+          <p:cNvSpPr/>
           <p:nvPr/>
         </p:nvSpPr>
         <p:spPr>
           <a:xfrm>
             <a:off x="1188720" y="457200"/>
-            <a:ext cx="7589520" cy="657360"/>
+            <a:ext cx="7589160" cy="657000"/>
           </a:xfrm>
           <a:prstGeom prst="rect">
             <a:avLst/>
@@ -2676,10 +4419,20 @@
             <a:noFill/>
           </a:ln>
         </p:spPr>
+        <p:style>
+          <a:lnRef idx="0"/>
+          <a:fillRef idx="0"/>
+          <a:effectRef idx="0"/>
+          <a:fontRef idx="minor"/>
+        </p:style>
         <p:txBody>
           <a:bodyPr lIns="90000" rIns="90000" tIns="45000" bIns="45000"/>
           <a:p>
-            <a:pPr algn="ctr"/>
+            <a:pPr algn="ctr">
+              <a:lnSpc>
+                <a:spcPct val="100000"/>
+              </a:lnSpc>
+            </a:pPr>
             <a:r>
               <a:rPr b="0" lang="en-US" sz="4000" spc="-1" strike="noStrike">
                 <a:solidFill>
@@ -2710,6 +4463,33 @@
       </p:sp>
     </p:spTree>
   </p:cSld>
+  <p:timing>
+    <p:tnLst>
+      <p:par>
+        <p:cTn id="5" dur="indefinite" restart="never" nodeType="tmRoot">
+          <p:childTnLst>
+            <p:seq>
+              <p:cTn id="6" nodeType="mainSeq"/>
+              <p:prevCondLst>
+                <p:cond delay="0" evt="onPrev">
+                  <p:tgtEl>
+                    <p:sldTgt/>
+                  </p:tgtEl>
+                </p:cond>
+              </p:prevCondLst>
+              <p:nextCondLst>
+                <p:cond delay="0" evt="onNext">
+                  <p:tgtEl>
+                    <p:sldTgt/>
+                  </p:tgtEl>
+                </p:cond>
+              </p:nextCondLst>
+            </p:seq>
+          </p:childTnLst>
+        </p:cTn>
+      </p:par>
+    </p:tnLst>
+  </p:timing>
 </p:sld>
 </file>
 
@@ -2732,14 +4512,14 @@
       </p:grpSpPr>
       <p:sp>
         <p:nvSpPr>
-          <p:cNvPr id="45" name="TextShape 1"/>
-          <p:cNvSpPr txBox="1"/>
+          <p:cNvPr id="78" name="CustomShape 1"/>
+          <p:cNvSpPr/>
           <p:nvPr/>
         </p:nvSpPr>
         <p:spPr>
           <a:xfrm>
             <a:off x="504000" y="301320"/>
-            <a:ext cx="9071640" cy="1262160"/>
+            <a:ext cx="9071280" cy="1261800"/>
           </a:xfrm>
           <a:prstGeom prst="rect">
             <a:avLst/>
@@ -2749,10 +4529,20 @@
             <a:noFill/>
           </a:ln>
         </p:spPr>
+        <p:style>
+          <a:lnRef idx="0"/>
+          <a:fillRef idx="0"/>
+          <a:effectRef idx="0"/>
+          <a:fontRef idx="minor"/>
+        </p:style>
         <p:txBody>
           <a:bodyPr lIns="0" rIns="0" tIns="0" bIns="0" anchor="ctr"/>
           <a:p>
-            <a:pPr algn="ctr"/>
+            <a:pPr algn="ctr">
+              <a:lnSpc>
+                <a:spcPct val="100000"/>
+              </a:lnSpc>
+            </a:pPr>
             <a:r>
               <a:rPr b="0" lang="en-US" sz="4000" spc="-1" strike="noStrike">
                 <a:solidFill>
@@ -2767,30 +4557,30 @@
               </a:rPr>
               <a:t>Tools/Libraries</a:t>
             </a:r>
-            <a:endParaRPr b="0" lang="en-US" sz="4400" spc="-1" strike="noStrike">
-              <a:solidFill>
-                <a:srgbClr val="000000"/>
-              </a:solidFill>
-              <a:uFill>
-                <a:solidFill>
-                  <a:srgbClr val="ffffff"/>
-                </a:solidFill>
-              </a:uFill>
-              <a:latin typeface="Arial"/>
-            </a:endParaRPr>
-          </a:p>
-        </p:txBody>
-      </p:sp>
-      <p:sp>
-        <p:nvSpPr>
-          <p:cNvPr id="46" name="TextShape 2"/>
-          <p:cNvSpPr txBox="1"/>
+            <a:endParaRPr b="0" lang="en-US" sz="1800" spc="-1" strike="noStrike">
+              <a:solidFill>
+                <a:srgbClr val="000000"/>
+              </a:solidFill>
+              <a:uFill>
+                <a:solidFill>
+                  <a:srgbClr val="ffffff"/>
+                </a:solidFill>
+              </a:uFill>
+              <a:latin typeface="Arial"/>
+            </a:endParaRPr>
+          </a:p>
+        </p:txBody>
+      </p:sp>
+      <p:sp>
+        <p:nvSpPr>
+          <p:cNvPr id="79" name="CustomShape 2"/>
+          <p:cNvSpPr/>
           <p:nvPr/>
         </p:nvSpPr>
         <p:spPr>
           <a:xfrm>
             <a:off x="504000" y="1371600"/>
-            <a:ext cx="9071640" cy="2286000"/>
+            <a:ext cx="9071280" cy="2285640"/>
           </a:xfrm>
           <a:prstGeom prst="rect">
             <a:avLst/>
@@ -2800,10 +4590,19 @@
             <a:noFill/>
           </a:ln>
         </p:spPr>
+        <p:style>
+          <a:lnRef idx="0"/>
+          <a:fillRef idx="0"/>
+          <a:effectRef idx="0"/>
+          <a:fontRef idx="minor"/>
+        </p:style>
         <p:txBody>
           <a:bodyPr lIns="0" rIns="0" tIns="0" bIns="0"/>
           <a:p>
-            <a:pPr marL="432000" indent="-324000">
+            <a:pPr marL="432000" indent="-323640">
+              <a:lnSpc>
+                <a:spcPct val="100000"/>
+              </a:lnSpc>
               <a:buClr>
                 <a:srgbClr val="000000"/>
               </a:buClr>
@@ -2825,20 +4624,23 @@
               </a:rPr>
               <a:t>Android Studio</a:t>
             </a:r>
-            <a:endParaRPr b="0" lang="en-US" sz="3200" spc="-1" strike="noStrike">
-              <a:solidFill>
-                <a:srgbClr val="000000"/>
-              </a:solidFill>
-              <a:uFill>
-                <a:solidFill>
-                  <a:srgbClr val="ffffff"/>
-                </a:solidFill>
-              </a:uFill>
-              <a:latin typeface="Arial"/>
-            </a:endParaRPr>
-          </a:p>
-          <a:p>
-            <a:pPr marL="432000" indent="-324000">
+            <a:endParaRPr b="0" lang="en-US" sz="1800" spc="-1" strike="noStrike">
+              <a:solidFill>
+                <a:srgbClr val="000000"/>
+              </a:solidFill>
+              <a:uFill>
+                <a:solidFill>
+                  <a:srgbClr val="ffffff"/>
+                </a:solidFill>
+              </a:uFill>
+              <a:latin typeface="Arial"/>
+            </a:endParaRPr>
+          </a:p>
+          <a:p>
+            <a:pPr marL="432000" indent="-323640">
+              <a:lnSpc>
+                <a:spcPct val="100000"/>
+              </a:lnSpc>
               <a:buClr>
                 <a:srgbClr val="000000"/>
               </a:buClr>
@@ -2860,20 +4662,23 @@
               </a:rPr>
               <a:t>GitHub</a:t>
             </a:r>
-            <a:endParaRPr b="0" lang="en-US" sz="3200" spc="-1" strike="noStrike">
-              <a:solidFill>
-                <a:srgbClr val="000000"/>
-              </a:solidFill>
-              <a:uFill>
-                <a:solidFill>
-                  <a:srgbClr val="ffffff"/>
-                </a:solidFill>
-              </a:uFill>
-              <a:latin typeface="Arial"/>
-            </a:endParaRPr>
-          </a:p>
-          <a:p>
-            <a:pPr marL="432000" indent="-324000">
+            <a:endParaRPr b="0" lang="en-US" sz="1800" spc="-1" strike="noStrike">
+              <a:solidFill>
+                <a:srgbClr val="000000"/>
+              </a:solidFill>
+              <a:uFill>
+                <a:solidFill>
+                  <a:srgbClr val="ffffff"/>
+                </a:solidFill>
+              </a:uFill>
+              <a:latin typeface="Arial"/>
+            </a:endParaRPr>
+          </a:p>
+          <a:p>
+            <a:pPr marL="432000" indent="-323640">
+              <a:lnSpc>
+                <a:spcPct val="100000"/>
+              </a:lnSpc>
               <a:buClr>
                 <a:srgbClr val="000000"/>
               </a:buClr>
@@ -2895,20 +4700,23 @@
               </a:rPr>
               <a:t>Google services library for Google sign-in</a:t>
             </a:r>
-            <a:endParaRPr b="0" lang="en-US" sz="3200" spc="-1" strike="noStrike">
-              <a:solidFill>
-                <a:srgbClr val="000000"/>
-              </a:solidFill>
-              <a:uFill>
-                <a:solidFill>
-                  <a:srgbClr val="ffffff"/>
-                </a:solidFill>
-              </a:uFill>
-              <a:latin typeface="Arial"/>
-            </a:endParaRPr>
-          </a:p>
-          <a:p>
-            <a:pPr marL="432000" indent="-324000">
+            <a:endParaRPr b="0" lang="en-US" sz="1800" spc="-1" strike="noStrike">
+              <a:solidFill>
+                <a:srgbClr val="000000"/>
+              </a:solidFill>
+              <a:uFill>
+                <a:solidFill>
+                  <a:srgbClr val="ffffff"/>
+                </a:solidFill>
+              </a:uFill>
+              <a:latin typeface="Arial"/>
+            </a:endParaRPr>
+          </a:p>
+          <a:p>
+            <a:pPr marL="432000" indent="-323640">
+              <a:lnSpc>
+                <a:spcPct val="100000"/>
+              </a:lnSpc>
               <a:buClr>
                 <a:srgbClr val="000000"/>
               </a:buClr>
@@ -2930,30 +4738,30 @@
               </a:rPr>
               <a:t>Firebase messaging library</a:t>
             </a:r>
-            <a:endParaRPr b="0" lang="en-US" sz="3200" spc="-1" strike="noStrike">
-              <a:solidFill>
-                <a:srgbClr val="000000"/>
-              </a:solidFill>
-              <a:uFill>
-                <a:solidFill>
-                  <a:srgbClr val="ffffff"/>
-                </a:solidFill>
-              </a:uFill>
-              <a:latin typeface="Arial"/>
-            </a:endParaRPr>
-          </a:p>
-        </p:txBody>
-      </p:sp>
-      <p:sp>
-        <p:nvSpPr>
-          <p:cNvPr id="47" name="TextShape 3"/>
-          <p:cNvSpPr txBox="1"/>
+            <a:endParaRPr b="0" lang="en-US" sz="1800" spc="-1" strike="noStrike">
+              <a:solidFill>
+                <a:srgbClr val="000000"/>
+              </a:solidFill>
+              <a:uFill>
+                <a:solidFill>
+                  <a:srgbClr val="ffffff"/>
+                </a:solidFill>
+              </a:uFill>
+              <a:latin typeface="Arial"/>
+            </a:endParaRPr>
+          </a:p>
+        </p:txBody>
+      </p:sp>
+      <p:sp>
+        <p:nvSpPr>
+          <p:cNvPr id="80" name="CustomShape 3"/>
+          <p:cNvSpPr/>
           <p:nvPr/>
         </p:nvSpPr>
         <p:spPr>
           <a:xfrm>
             <a:off x="504000" y="3767040"/>
-            <a:ext cx="9071640" cy="1079280"/>
+            <a:ext cx="9071280" cy="1078920"/>
           </a:xfrm>
           <a:prstGeom prst="rect">
             <a:avLst/>
@@ -2963,10 +4771,20 @@
             <a:noFill/>
           </a:ln>
         </p:spPr>
+        <p:style>
+          <a:lnRef idx="0"/>
+          <a:fillRef idx="0"/>
+          <a:effectRef idx="0"/>
+          <a:fontRef idx="minor"/>
+        </p:style>
         <p:txBody>
           <a:bodyPr lIns="0" rIns="0" tIns="0" bIns="0" anchor="ctr"/>
           <a:p>
-            <a:pPr algn="ctr"/>
+            <a:pPr algn="ctr">
+              <a:lnSpc>
+                <a:spcPct val="100000"/>
+              </a:lnSpc>
+            </a:pPr>
             <a:r>
               <a:rPr b="0" lang="en-US" sz="4000" spc="-1" strike="noStrike">
                 <a:solidFill>
@@ -2981,30 +4799,30 @@
               </a:rPr>
               <a:t>Configurations</a:t>
             </a:r>
-            <a:endParaRPr b="0" lang="en-US" sz="4400" spc="-1" strike="noStrike">
-              <a:solidFill>
-                <a:srgbClr val="000000"/>
-              </a:solidFill>
-              <a:uFill>
-                <a:solidFill>
-                  <a:srgbClr val="ffffff"/>
-                </a:solidFill>
-              </a:uFill>
-              <a:latin typeface="Arial"/>
-            </a:endParaRPr>
-          </a:p>
-        </p:txBody>
-      </p:sp>
-      <p:sp>
-        <p:nvSpPr>
-          <p:cNvPr id="48" name="TextShape 4"/>
-          <p:cNvSpPr txBox="1"/>
+            <a:endParaRPr b="0" lang="en-US" sz="1800" spc="-1" strike="noStrike">
+              <a:solidFill>
+                <a:srgbClr val="000000"/>
+              </a:solidFill>
+              <a:uFill>
+                <a:solidFill>
+                  <a:srgbClr val="ffffff"/>
+                </a:solidFill>
+              </a:uFill>
+              <a:latin typeface="Arial"/>
+            </a:endParaRPr>
+          </a:p>
+        </p:txBody>
+      </p:sp>
+      <p:sp>
+        <p:nvSpPr>
+          <p:cNvPr id="81" name="CustomShape 4"/>
+          <p:cNvSpPr/>
           <p:nvPr/>
         </p:nvSpPr>
         <p:spPr>
           <a:xfrm>
             <a:off x="457200" y="4910400"/>
-            <a:ext cx="9071640" cy="1856160"/>
+            <a:ext cx="9071280" cy="1855800"/>
           </a:xfrm>
           <a:prstGeom prst="rect">
             <a:avLst/>
@@ -3014,10 +4832,19 @@
             <a:noFill/>
           </a:ln>
         </p:spPr>
+        <p:style>
+          <a:lnRef idx="0"/>
+          <a:fillRef idx="0"/>
+          <a:effectRef idx="0"/>
+          <a:fontRef idx="minor"/>
+        </p:style>
         <p:txBody>
           <a:bodyPr lIns="0" rIns="0" tIns="0" bIns="0"/>
           <a:p>
-            <a:pPr marL="432000" indent="-324000">
+            <a:pPr marL="432000" indent="-323640">
+              <a:lnSpc>
+                <a:spcPct val="100000"/>
+              </a:lnSpc>
               <a:buClr>
                 <a:srgbClr val="000000"/>
               </a:buClr>
@@ -3039,20 +4866,23 @@
               </a:rPr>
               <a:t>Google cloud app engine</a:t>
             </a:r>
-            <a:endParaRPr b="0" lang="en-US" sz="3200" spc="-1" strike="noStrike">
-              <a:solidFill>
-                <a:srgbClr val="000000"/>
-              </a:solidFill>
-              <a:uFill>
-                <a:solidFill>
-                  <a:srgbClr val="ffffff"/>
-                </a:solidFill>
-              </a:uFill>
-              <a:latin typeface="Arial"/>
-            </a:endParaRPr>
-          </a:p>
-          <a:p>
-            <a:pPr marL="432000" indent="-324000">
+            <a:endParaRPr b="0" lang="en-US" sz="1800" spc="-1" strike="noStrike">
+              <a:solidFill>
+                <a:srgbClr val="000000"/>
+              </a:solidFill>
+              <a:uFill>
+                <a:solidFill>
+                  <a:srgbClr val="ffffff"/>
+                </a:solidFill>
+              </a:uFill>
+              <a:latin typeface="Arial"/>
+            </a:endParaRPr>
+          </a:p>
+          <a:p>
+            <a:pPr marL="432000" indent="-323640">
+              <a:lnSpc>
+                <a:spcPct val="100000"/>
+              </a:lnSpc>
               <a:buClr>
                 <a:srgbClr val="000000"/>
               </a:buClr>
@@ -3074,20 +4904,23 @@
               </a:rPr>
               <a:t>Google cloud datastore</a:t>
             </a:r>
-            <a:endParaRPr b="0" lang="en-US" sz="3200" spc="-1" strike="noStrike">
-              <a:solidFill>
-                <a:srgbClr val="000000"/>
-              </a:solidFill>
-              <a:uFill>
-                <a:solidFill>
-                  <a:srgbClr val="ffffff"/>
-                </a:solidFill>
-              </a:uFill>
-              <a:latin typeface="Arial"/>
-            </a:endParaRPr>
-          </a:p>
-          <a:p>
-            <a:pPr marL="432000" indent="-324000">
+            <a:endParaRPr b="0" lang="en-US" sz="1800" spc="-1" strike="noStrike">
+              <a:solidFill>
+                <a:srgbClr val="000000"/>
+              </a:solidFill>
+              <a:uFill>
+                <a:solidFill>
+                  <a:srgbClr val="ffffff"/>
+                </a:solidFill>
+              </a:uFill>
+              <a:latin typeface="Arial"/>
+            </a:endParaRPr>
+          </a:p>
+          <a:p>
+            <a:pPr marL="432000" indent="-323640">
+              <a:lnSpc>
+                <a:spcPct val="100000"/>
+              </a:lnSpc>
               <a:buClr>
                 <a:srgbClr val="000000"/>
               </a:buClr>
@@ -3107,22 +4940,25 @@
                 </a:uFill>
                 <a:latin typeface="Arial"/>
               </a:rPr>
-              <a:t>Google cloud datastore</a:t>
+              <a:t>Google cloud storage</a:t>
             </a:r>
-            <a:endParaRPr b="0" lang="en-US" sz="3200" spc="-1" strike="noStrike">
-              <a:solidFill>
-                <a:srgbClr val="000000"/>
-              </a:solidFill>
-              <a:uFill>
-                <a:solidFill>
-                  <a:srgbClr val="ffffff"/>
-                </a:solidFill>
-              </a:uFill>
-              <a:latin typeface="Arial"/>
-            </a:endParaRPr>
-          </a:p>
-          <a:p>
-            <a:pPr marL="432000" indent="-324000">
+            <a:endParaRPr b="0" lang="en-US" sz="1800" spc="-1" strike="noStrike">
+              <a:solidFill>
+                <a:srgbClr val="000000"/>
+              </a:solidFill>
+              <a:uFill>
+                <a:solidFill>
+                  <a:srgbClr val="ffffff"/>
+                </a:solidFill>
+              </a:uFill>
+              <a:latin typeface="Arial"/>
+            </a:endParaRPr>
+          </a:p>
+          <a:p>
+            <a:pPr marL="432000" indent="-323640">
+              <a:lnSpc>
+                <a:spcPct val="100000"/>
+              </a:lnSpc>
               <a:buClr>
                 <a:srgbClr val="000000"/>
               </a:buClr>
@@ -3144,7 +4980,7 @@
               </a:rPr>
               <a:t>Linking GCP project with FCM console</a:t>
             </a:r>
-            <a:endParaRPr b="0" lang="en-US" sz="3200" spc="-1" strike="noStrike">
+            <a:endParaRPr b="0" lang="en-US" sz="1800" spc="-1" strike="noStrike">
               <a:solidFill>
                 <a:srgbClr val="000000"/>
               </a:solidFill>
@@ -3160,6 +4996,33 @@
       </p:sp>
     </p:spTree>
   </p:cSld>
+  <p:timing>
+    <p:tnLst>
+      <p:par>
+        <p:cTn id="7" dur="indefinite" restart="never" nodeType="tmRoot">
+          <p:childTnLst>
+            <p:seq>
+              <p:cTn id="8" nodeType="mainSeq"/>
+              <p:prevCondLst>
+                <p:cond delay="0" evt="onPrev">
+                  <p:tgtEl>
+                    <p:sldTgt/>
+                  </p:tgtEl>
+                </p:cond>
+              </p:prevCondLst>
+              <p:nextCondLst>
+                <p:cond delay="0" evt="onNext">
+                  <p:tgtEl>
+                    <p:sldTgt/>
+                  </p:tgtEl>
+                </p:cond>
+              </p:nextCondLst>
+            </p:seq>
+          </p:childTnLst>
+        </p:cTn>
+      </p:par>
+    </p:tnLst>
+  </p:timing>
 </p:sld>
 </file>
 
@@ -3182,14 +5045,14 @@
       </p:grpSpPr>
       <p:sp>
         <p:nvSpPr>
-          <p:cNvPr id="49" name="TextShape 1"/>
-          <p:cNvSpPr txBox="1"/>
+          <p:cNvPr id="82" name="CustomShape 1"/>
+          <p:cNvSpPr/>
           <p:nvPr/>
         </p:nvSpPr>
         <p:spPr>
           <a:xfrm>
             <a:off x="504000" y="301320"/>
-            <a:ext cx="9071640" cy="1262160"/>
+            <a:ext cx="9071280" cy="1261800"/>
           </a:xfrm>
           <a:prstGeom prst="rect">
             <a:avLst/>
@@ -3199,10 +5062,20 @@
             <a:noFill/>
           </a:ln>
         </p:spPr>
+        <p:style>
+          <a:lnRef idx="0"/>
+          <a:fillRef idx="0"/>
+          <a:effectRef idx="0"/>
+          <a:fontRef idx="minor"/>
+        </p:style>
         <p:txBody>
           <a:bodyPr lIns="0" rIns="0" tIns="0" bIns="0" anchor="ctr"/>
           <a:p>
-            <a:pPr algn="ctr"/>
+            <a:pPr algn="ctr">
+              <a:lnSpc>
+                <a:spcPct val="100000"/>
+              </a:lnSpc>
+            </a:pPr>
             <a:r>
               <a:rPr b="0" lang="en-US" sz="4000" spc="-1" strike="noStrike">
                 <a:solidFill>
@@ -3217,7 +5090,7 @@
               </a:rPr>
               <a:t>Screens</a:t>
             </a:r>
-            <a:endParaRPr b="0" lang="en-US" sz="4400" spc="-1" strike="noStrike">
+            <a:endParaRPr b="0" lang="en-US" sz="1800" spc="-1" strike="noStrike">
               <a:solidFill>
                 <a:srgbClr val="000000"/>
               </a:solidFill>
@@ -3233,7 +5106,7 @@
       </p:sp>
       <p:pic>
         <p:nvPicPr>
-          <p:cNvPr id="50" name="" descr=""/>
+          <p:cNvPr id="83" name="" descr=""/>
           <p:cNvPicPr/>
           <p:nvPr/>
         </p:nvPicPr>
@@ -3243,42 +5116,177 @@
         </p:blipFill>
         <p:spPr>
           <a:xfrm>
-            <a:off x="5754600" y="1737360"/>
-            <a:ext cx="2777400" cy="4937760"/>
-          </a:xfrm>
-          <a:prstGeom prst="rect">
-            <a:avLst/>
-          </a:prstGeom>
-          <a:ln>
-            <a:noFill/>
+            <a:off x="5694120" y="2377440"/>
+            <a:ext cx="2571120" cy="4572000"/>
+          </a:xfrm>
+          <a:prstGeom prst="rect">
+            <a:avLst/>
+          </a:prstGeom>
+          <a:ln w="38160">
+            <a:solidFill>
+              <a:srgbClr val="000000"/>
+            </a:solidFill>
+            <a:round/>
           </a:ln>
         </p:spPr>
       </p:pic>
       <p:pic>
         <p:nvPicPr>
-          <p:cNvPr id="51" name="" descr=""/>
+          <p:cNvPr id="84" name="" descr=""/>
           <p:cNvPicPr/>
           <p:nvPr/>
         </p:nvPicPr>
         <p:blipFill>
-          <a:blip r:embed="rId2"/>
+          <a:blip r:embed="rId2">
+            <a:lum bright="3000"/>
+          </a:blip>
           <a:stretch/>
         </p:blipFill>
         <p:spPr>
           <a:xfrm>
-            <a:off x="1645920" y="1655280"/>
-            <a:ext cx="2823480" cy="5019840"/>
-          </a:xfrm>
-          <a:prstGeom prst="rect">
-            <a:avLst/>
-          </a:prstGeom>
+            <a:off x="1997640" y="2468880"/>
+            <a:ext cx="2574360" cy="4577760"/>
+          </a:xfrm>
+          <a:prstGeom prst="rect">
+            <a:avLst/>
+          </a:prstGeom>
+          <a:ln w="38160">
+            <a:solidFill>
+              <a:srgbClr val="000000"/>
+            </a:solidFill>
+            <a:round/>
+          </a:ln>
+        </p:spPr>
+      </p:pic>
+      <p:sp>
+        <p:nvSpPr>
+          <p:cNvPr id="85" name="TextShape 2"/>
+          <p:cNvSpPr txBox="1"/>
+          <p:nvPr/>
+        </p:nvSpPr>
+        <p:spPr>
+          <a:xfrm>
+            <a:off x="2194560" y="1563120"/>
+            <a:ext cx="2468880" cy="346320"/>
+          </a:xfrm>
+          <a:prstGeom prst="rect">
+            <a:avLst/>
+          </a:prstGeom>
+          <a:noFill/>
           <a:ln>
             <a:noFill/>
           </a:ln>
         </p:spPr>
-      </p:pic>
+        <p:txBody>
+          <a:bodyPr lIns="90000" rIns="90000" tIns="45000" bIns="45000"/>
+          <a:p>
+            <a:r>
+              <a:rPr b="1" lang="en-US" sz="1800" spc="-1" strike="noStrike">
+                <a:solidFill>
+                  <a:srgbClr val="000000"/>
+                </a:solidFill>
+                <a:uFill>
+                  <a:solidFill>
+                    <a:srgbClr val="ffffff"/>
+                  </a:solidFill>
+                </a:uFill>
+                <a:latin typeface="Arial"/>
+              </a:rPr>
+              <a:t>Login screen</a:t>
+            </a:r>
+            <a:endParaRPr b="1" lang="en-US" sz="1800" spc="-1" strike="noStrike">
+              <a:solidFill>
+                <a:srgbClr val="000000"/>
+              </a:solidFill>
+              <a:uFill>
+                <a:solidFill>
+                  <a:srgbClr val="ffffff"/>
+                </a:solidFill>
+              </a:uFill>
+              <a:latin typeface="Arial"/>
+            </a:endParaRPr>
+          </a:p>
+        </p:txBody>
+      </p:sp>
+      <p:sp>
+        <p:nvSpPr>
+          <p:cNvPr id="86" name="TextShape 3"/>
+          <p:cNvSpPr txBox="1"/>
+          <p:nvPr/>
+        </p:nvSpPr>
+        <p:spPr>
+          <a:xfrm>
+            <a:off x="5852160" y="1563120"/>
+            <a:ext cx="2834640" cy="602280"/>
+          </a:xfrm>
+          <a:prstGeom prst="rect">
+            <a:avLst/>
+          </a:prstGeom>
+          <a:noFill/>
+          <a:ln>
+            <a:noFill/>
+          </a:ln>
+        </p:spPr>
+        <p:txBody>
+          <a:bodyPr lIns="90000" rIns="90000" tIns="45000" bIns="45000"/>
+          <a:p>
+            <a:r>
+              <a:rPr b="1" lang="en-US" sz="1800" spc="-1" strike="noStrike">
+                <a:solidFill>
+                  <a:srgbClr val="000000"/>
+                </a:solidFill>
+                <a:uFill>
+                  <a:solidFill>
+                    <a:srgbClr val="ffffff"/>
+                  </a:solidFill>
+                </a:uFill>
+                <a:latin typeface="Arial"/>
+              </a:rPr>
+              <a:t>Google Login accounts</a:t>
+            </a:r>
+            <a:endParaRPr b="1" lang="en-US" sz="1800" spc="-1" strike="noStrike">
+              <a:solidFill>
+                <a:srgbClr val="000000"/>
+              </a:solidFill>
+              <a:uFill>
+                <a:solidFill>
+                  <a:srgbClr val="ffffff"/>
+                </a:solidFill>
+              </a:uFill>
+              <a:latin typeface="Arial"/>
+            </a:endParaRPr>
+          </a:p>
+        </p:txBody>
+      </p:sp>
     </p:spTree>
   </p:cSld>
+  <p:timing>
+    <p:tnLst>
+      <p:par>
+        <p:cTn id="9" dur="indefinite" restart="never" nodeType="tmRoot">
+          <p:childTnLst>
+            <p:seq>
+              <p:cTn id="10" nodeType="mainSeq"/>
+              <p:prevCondLst>
+                <p:cond delay="0" evt="onPrev">
+                  <p:tgtEl>
+                    <p:sldTgt/>
+                  </p:tgtEl>
+                </p:cond>
+              </p:prevCondLst>
+              <p:nextCondLst>
+                <p:cond delay="0" evt="onNext">
+                  <p:tgtEl>
+                    <p:sldTgt/>
+                  </p:tgtEl>
+                </p:cond>
+              </p:nextCondLst>
+            </p:seq>
+          </p:childTnLst>
+        </p:cTn>
+      </p:par>
+    </p:tnLst>
+  </p:timing>
 </p:sld>
 </file>
 
@@ -3301,14 +5309,14 @@
       </p:grpSpPr>
       <p:sp>
         <p:nvSpPr>
-          <p:cNvPr id="52" name="TextShape 1"/>
-          <p:cNvSpPr txBox="1"/>
+          <p:cNvPr id="87" name="CustomShape 1"/>
+          <p:cNvSpPr/>
           <p:nvPr/>
         </p:nvSpPr>
         <p:spPr>
           <a:xfrm>
             <a:off x="504000" y="301320"/>
-            <a:ext cx="9071640" cy="1262160"/>
+            <a:ext cx="9071280" cy="887400"/>
           </a:xfrm>
           <a:prstGeom prst="rect">
             <a:avLst/>
@@ -3318,10 +5326,20 @@
             <a:noFill/>
           </a:ln>
         </p:spPr>
+        <p:style>
+          <a:lnRef idx="0"/>
+          <a:fillRef idx="0"/>
+          <a:effectRef idx="0"/>
+          <a:fontRef idx="minor"/>
+        </p:style>
         <p:txBody>
           <a:bodyPr lIns="0" rIns="0" tIns="0" bIns="0" anchor="ctr"/>
           <a:p>
-            <a:pPr algn="ctr"/>
+            <a:pPr algn="ctr">
+              <a:lnSpc>
+                <a:spcPct val="100000"/>
+              </a:lnSpc>
+            </a:pPr>
             <a:r>
               <a:rPr b="0" lang="en-US" sz="4000" spc="-1" strike="noStrike">
                 <a:solidFill>
@@ -3350,7 +5368,7 @@
               </a:rPr>
               <a:t>(continued)</a:t>
             </a:r>
-            <a:endParaRPr b="0" lang="en-US" sz="4400" spc="-1" strike="noStrike">
+            <a:endParaRPr b="0" lang="en-US" sz="1800" spc="-1" strike="noStrike">
               <a:solidFill>
                 <a:srgbClr val="000000"/>
               </a:solidFill>
@@ -3366,7 +5384,7 @@
       </p:sp>
       <p:pic>
         <p:nvPicPr>
-          <p:cNvPr id="53" name="" descr=""/>
+          <p:cNvPr id="88" name="" descr=""/>
           <p:cNvPicPr/>
           <p:nvPr/>
         </p:nvPicPr>
@@ -3376,20 +5394,24 @@
         </p:blipFill>
         <p:spPr>
           <a:xfrm>
-            <a:off x="7132320" y="1645920"/>
-            <a:ext cx="2926440" cy="5203080"/>
-          </a:xfrm>
-          <a:prstGeom prst="rect">
-            <a:avLst/>
-          </a:prstGeom>
-          <a:ln>
-            <a:noFill/>
+            <a:off x="6883560" y="2651760"/>
+            <a:ext cx="2520000" cy="4480560"/>
+          </a:xfrm>
+          <a:prstGeom prst="rect">
+            <a:avLst/>
+          </a:prstGeom>
+          <a:ln w="38160">
+            <a:solidFill>
+              <a:srgbClr val="000000"/>
+            </a:solidFill>
+            <a:round/>
+            <a:tailEnd len="med" type="triangle" w="med"/>
           </a:ln>
         </p:spPr>
       </p:pic>
       <p:pic>
         <p:nvPicPr>
-          <p:cNvPr id="54" name="" descr=""/>
+          <p:cNvPr id="89" name="" descr=""/>
           <p:cNvPicPr/>
           <p:nvPr/>
         </p:nvPicPr>
@@ -3399,20 +5421,23 @@
         </p:blipFill>
         <p:spPr>
           <a:xfrm>
-            <a:off x="555840" y="1577520"/>
-            <a:ext cx="2918880" cy="5189040"/>
-          </a:xfrm>
-          <a:prstGeom prst="rect">
-            <a:avLst/>
-          </a:prstGeom>
-          <a:ln>
-            <a:noFill/>
+            <a:off x="822960" y="2652120"/>
+            <a:ext cx="2520000" cy="4480200"/>
+          </a:xfrm>
+          <a:prstGeom prst="rect">
+            <a:avLst/>
+          </a:prstGeom>
+          <a:ln w="38160">
+            <a:solidFill>
+              <a:srgbClr val="000000"/>
+            </a:solidFill>
+            <a:round/>
           </a:ln>
         </p:spPr>
       </p:pic>
       <p:pic>
         <p:nvPicPr>
-          <p:cNvPr id="55" name="" descr=""/>
+          <p:cNvPr id="90" name="" descr=""/>
           <p:cNvPicPr/>
           <p:nvPr/>
         </p:nvPicPr>
@@ -3422,19 +5447,199 @@
         </p:blipFill>
         <p:spPr>
           <a:xfrm>
-            <a:off x="3858480" y="1563480"/>
-            <a:ext cx="3132360" cy="5568840"/>
-          </a:xfrm>
-          <a:prstGeom prst="rect">
-            <a:avLst/>
-          </a:prstGeom>
+            <a:off x="3931920" y="2652120"/>
+            <a:ext cx="2520000" cy="4480200"/>
+          </a:xfrm>
+          <a:prstGeom prst="rect">
+            <a:avLst/>
+          </a:prstGeom>
+          <a:ln w="38160">
+            <a:solidFill>
+              <a:srgbClr val="000000"/>
+            </a:solidFill>
+            <a:round/>
+          </a:ln>
+        </p:spPr>
+      </p:pic>
+      <p:sp>
+        <p:nvSpPr>
+          <p:cNvPr id="91" name="TextShape 2"/>
+          <p:cNvSpPr txBox="1"/>
+          <p:nvPr/>
+        </p:nvSpPr>
+        <p:spPr>
+          <a:xfrm>
+            <a:off x="822960" y="1554480"/>
+            <a:ext cx="2468880" cy="602280"/>
+          </a:xfrm>
+          <a:prstGeom prst="rect">
+            <a:avLst/>
+          </a:prstGeom>
+          <a:noFill/>
           <a:ln>
             <a:noFill/>
           </a:ln>
         </p:spPr>
-      </p:pic>
+        <p:txBody>
+          <a:bodyPr lIns="90000" rIns="90000" tIns="45000" bIns="45000"/>
+          <a:p>
+            <a:r>
+              <a:rPr b="1" lang="en-US" sz="1800" spc="-1" strike="noStrike">
+                <a:solidFill>
+                  <a:srgbClr val="000000"/>
+                </a:solidFill>
+                <a:uFill>
+                  <a:solidFill>
+                    <a:srgbClr val="ffffff"/>
+                  </a:solidFill>
+                </a:uFill>
+                <a:latin typeface="Arial"/>
+              </a:rPr>
+              <a:t>FCM notification expandable pop up</a:t>
+            </a:r>
+            <a:endParaRPr b="1" lang="en-US" sz="1800" spc="-1" strike="noStrike">
+              <a:solidFill>
+                <a:srgbClr val="000000"/>
+              </a:solidFill>
+              <a:uFill>
+                <a:solidFill>
+                  <a:srgbClr val="ffffff"/>
+                </a:solidFill>
+              </a:uFill>
+              <a:latin typeface="Arial"/>
+            </a:endParaRPr>
+          </a:p>
+        </p:txBody>
+      </p:sp>
+      <p:sp>
+        <p:nvSpPr>
+          <p:cNvPr id="92" name="TextShape 3"/>
+          <p:cNvSpPr txBox="1"/>
+          <p:nvPr/>
+        </p:nvSpPr>
+        <p:spPr>
+          <a:xfrm>
+            <a:off x="3931920" y="1592280"/>
+            <a:ext cx="2468880" cy="346320"/>
+          </a:xfrm>
+          <a:prstGeom prst="rect">
+            <a:avLst/>
+          </a:prstGeom>
+          <a:noFill/>
+          <a:ln>
+            <a:noFill/>
+          </a:ln>
+        </p:spPr>
+        <p:txBody>
+          <a:bodyPr lIns="90000" rIns="90000" tIns="45000" bIns="45000"/>
+          <a:p>
+            <a:r>
+              <a:rPr b="1" lang="en-US" sz="1800" spc="-1" strike="noStrike">
+                <a:solidFill>
+                  <a:srgbClr val="000000"/>
+                </a:solidFill>
+                <a:uFill>
+                  <a:solidFill>
+                    <a:srgbClr val="ffffff"/>
+                  </a:solidFill>
+                </a:uFill>
+                <a:latin typeface="Arial"/>
+              </a:rPr>
+              <a:t>Quote image</a:t>
+            </a:r>
+            <a:endParaRPr b="1" lang="en-US" sz="1800" spc="-1" strike="noStrike">
+              <a:solidFill>
+                <a:srgbClr val="000000"/>
+              </a:solidFill>
+              <a:uFill>
+                <a:solidFill>
+                  <a:srgbClr val="ffffff"/>
+                </a:solidFill>
+              </a:uFill>
+              <a:latin typeface="Arial"/>
+            </a:endParaRPr>
+          </a:p>
+        </p:txBody>
+      </p:sp>
+      <p:sp>
+        <p:nvSpPr>
+          <p:cNvPr id="93" name="TextShape 4"/>
+          <p:cNvSpPr txBox="1"/>
+          <p:nvPr/>
+        </p:nvSpPr>
+        <p:spPr>
+          <a:xfrm>
+            <a:off x="6949440" y="1554480"/>
+            <a:ext cx="2468880" cy="346320"/>
+          </a:xfrm>
+          <a:prstGeom prst="rect">
+            <a:avLst/>
+          </a:prstGeom>
+          <a:noFill/>
+          <a:ln>
+            <a:noFill/>
+          </a:ln>
+        </p:spPr>
+        <p:txBody>
+          <a:bodyPr lIns="90000" rIns="90000" tIns="45000" bIns="45000"/>
+          <a:p>
+            <a:r>
+              <a:rPr b="1" lang="en-US" sz="1800" spc="-1" strike="noStrike">
+                <a:solidFill>
+                  <a:srgbClr val="000000"/>
+                </a:solidFill>
+                <a:uFill>
+                  <a:solidFill>
+                    <a:srgbClr val="ffffff"/>
+                  </a:solidFill>
+                </a:uFill>
+                <a:latin typeface="Arial"/>
+              </a:rPr>
+              <a:t>Menus</a:t>
+            </a:r>
+            <a:endParaRPr b="1" lang="en-US" sz="1800" spc="-1" strike="noStrike">
+              <a:solidFill>
+                <a:srgbClr val="000000"/>
+              </a:solidFill>
+              <a:uFill>
+                <a:solidFill>
+                  <a:srgbClr val="ffffff"/>
+                </a:solidFill>
+              </a:uFill>
+              <a:latin typeface="Arial"/>
+            </a:endParaRPr>
+          </a:p>
+        </p:txBody>
+      </p:sp>
     </p:spTree>
   </p:cSld>
+  <p:timing>
+    <p:tnLst>
+      <p:par>
+        <p:cTn id="11" dur="indefinite" restart="never" nodeType="tmRoot">
+          <p:childTnLst>
+            <p:seq>
+              <p:cTn id="12" nodeType="mainSeq"/>
+              <p:prevCondLst>
+                <p:cond delay="0" evt="onPrev">
+                  <p:tgtEl>
+                    <p:sldTgt/>
+                  </p:tgtEl>
+                </p:cond>
+              </p:prevCondLst>
+              <p:nextCondLst>
+                <p:cond delay="0" evt="onNext">
+                  <p:tgtEl>
+                    <p:sldTgt/>
+                  </p:tgtEl>
+                </p:cond>
+              </p:nextCondLst>
+            </p:seq>
+          </p:childTnLst>
+        </p:cTn>
+      </p:par>
+    </p:tnLst>
+  </p:timing>
 </p:sld>
 </file>
 
@@ -3457,14 +5662,14 @@
       </p:grpSpPr>
       <p:sp>
         <p:nvSpPr>
-          <p:cNvPr id="56" name="TextShape 1"/>
-          <p:cNvSpPr txBox="1"/>
+          <p:cNvPr id="94" name="CustomShape 1"/>
+          <p:cNvSpPr/>
           <p:nvPr/>
         </p:nvSpPr>
         <p:spPr>
           <a:xfrm>
             <a:off x="504000" y="301320"/>
-            <a:ext cx="9071640" cy="1262160"/>
+            <a:ext cx="9071280" cy="1261800"/>
           </a:xfrm>
           <a:prstGeom prst="rect">
             <a:avLst/>
@@ -3474,10 +5679,20 @@
             <a:noFill/>
           </a:ln>
         </p:spPr>
+        <p:style>
+          <a:lnRef idx="0"/>
+          <a:fillRef idx="0"/>
+          <a:effectRef idx="0"/>
+          <a:fontRef idx="minor"/>
+        </p:style>
         <p:txBody>
           <a:bodyPr lIns="0" rIns="0" tIns="0" bIns="0" anchor="ctr"/>
           <a:p>
-            <a:pPr algn="ctr"/>
+            <a:pPr algn="ctr">
+              <a:lnSpc>
+                <a:spcPct val="100000"/>
+              </a:lnSpc>
+            </a:pPr>
             <a:r>
               <a:rPr b="0" lang="en-US" sz="4000" spc="-1" strike="noStrike">
                 <a:solidFill>
@@ -3492,30 +5707,30 @@
               </a:rPr>
               <a:t>Publishing to Google Play store</a:t>
             </a:r>
-            <a:endParaRPr b="0" lang="en-US" sz="4400" spc="-1" strike="noStrike">
-              <a:solidFill>
-                <a:srgbClr val="000000"/>
-              </a:solidFill>
-              <a:uFill>
-                <a:solidFill>
-                  <a:srgbClr val="ffffff"/>
-                </a:solidFill>
-              </a:uFill>
-              <a:latin typeface="Arial"/>
-            </a:endParaRPr>
-          </a:p>
-        </p:txBody>
-      </p:sp>
-      <p:sp>
-        <p:nvSpPr>
-          <p:cNvPr id="57" name="TextShape 2"/>
-          <p:cNvSpPr txBox="1"/>
+            <a:endParaRPr b="0" lang="en-US" sz="1800" spc="-1" strike="noStrike">
+              <a:solidFill>
+                <a:srgbClr val="000000"/>
+              </a:solidFill>
+              <a:uFill>
+                <a:solidFill>
+                  <a:srgbClr val="ffffff"/>
+                </a:solidFill>
+              </a:uFill>
+              <a:latin typeface="Arial"/>
+            </a:endParaRPr>
+          </a:p>
+        </p:txBody>
+      </p:sp>
+      <p:sp>
+        <p:nvSpPr>
+          <p:cNvPr id="95" name="CustomShape 2"/>
+          <p:cNvSpPr/>
           <p:nvPr/>
         </p:nvSpPr>
         <p:spPr>
           <a:xfrm>
             <a:off x="504000" y="1769040"/>
-            <a:ext cx="9071640" cy="4384440"/>
+            <a:ext cx="9071280" cy="4384080"/>
           </a:xfrm>
           <a:prstGeom prst="rect">
             <a:avLst/>
@@ -3525,10 +5740,19 @@
             <a:noFill/>
           </a:ln>
         </p:spPr>
+        <p:style>
+          <a:lnRef idx="0"/>
+          <a:fillRef idx="0"/>
+          <a:effectRef idx="0"/>
+          <a:fontRef idx="minor"/>
+        </p:style>
         <p:txBody>
           <a:bodyPr lIns="0" rIns="0" tIns="0" bIns="0"/>
           <a:p>
-            <a:pPr marL="432000" indent="-324000">
+            <a:pPr marL="432000" indent="-323640">
+              <a:lnSpc>
+                <a:spcPct val="100000"/>
+              </a:lnSpc>
               <a:buClr>
                 <a:srgbClr val="000000"/>
               </a:buClr>
@@ -3550,20 +5774,23 @@
               </a:rPr>
               <a:t>Develop an app</a:t>
             </a:r>
-            <a:endParaRPr b="0" lang="en-US" sz="3200" spc="-1" strike="noStrike">
-              <a:solidFill>
-                <a:srgbClr val="000000"/>
-              </a:solidFill>
-              <a:uFill>
-                <a:solidFill>
-                  <a:srgbClr val="ffffff"/>
-                </a:solidFill>
-              </a:uFill>
-              <a:latin typeface="Arial"/>
-            </a:endParaRPr>
-          </a:p>
-          <a:p>
-            <a:pPr marL="432000" indent="-324000">
+            <a:endParaRPr b="0" lang="en-US" sz="1800" spc="-1" strike="noStrike">
+              <a:solidFill>
+                <a:srgbClr val="000000"/>
+              </a:solidFill>
+              <a:uFill>
+                <a:solidFill>
+                  <a:srgbClr val="ffffff"/>
+                </a:solidFill>
+              </a:uFill>
+              <a:latin typeface="Arial"/>
+            </a:endParaRPr>
+          </a:p>
+          <a:p>
+            <a:pPr marL="432000" indent="-323640">
+              <a:lnSpc>
+                <a:spcPct val="100000"/>
+              </a:lnSpc>
               <a:buClr>
                 <a:srgbClr val="000000"/>
               </a:buClr>
@@ -3585,20 +5812,23 @@
               </a:rPr>
               <a:t>Generate a signed apk</a:t>
             </a:r>
-            <a:endParaRPr b="0" lang="en-US" sz="3200" spc="-1" strike="noStrike">
-              <a:solidFill>
-                <a:srgbClr val="000000"/>
-              </a:solidFill>
-              <a:uFill>
-                <a:solidFill>
-                  <a:srgbClr val="ffffff"/>
-                </a:solidFill>
-              </a:uFill>
-              <a:latin typeface="Arial"/>
-            </a:endParaRPr>
-          </a:p>
-          <a:p>
-            <a:pPr marL="432000" indent="-324000">
+            <a:endParaRPr b="0" lang="en-US" sz="1800" spc="-1" strike="noStrike">
+              <a:solidFill>
+                <a:srgbClr val="000000"/>
+              </a:solidFill>
+              <a:uFill>
+                <a:solidFill>
+                  <a:srgbClr val="ffffff"/>
+                </a:solidFill>
+              </a:uFill>
+              <a:latin typeface="Arial"/>
+            </a:endParaRPr>
+          </a:p>
+          <a:p>
+            <a:pPr marL="432000" indent="-323640">
+              <a:lnSpc>
+                <a:spcPct val="100000"/>
+              </a:lnSpc>
               <a:buClr>
                 <a:srgbClr val="000000"/>
               </a:buClr>
@@ -3620,20 +5850,23 @@
               </a:rPr>
               <a:t>Login to Google Play console</a:t>
             </a:r>
-            <a:endParaRPr b="0" lang="en-US" sz="3200" spc="-1" strike="noStrike">
-              <a:solidFill>
-                <a:srgbClr val="000000"/>
-              </a:solidFill>
-              <a:uFill>
-                <a:solidFill>
-                  <a:srgbClr val="ffffff"/>
-                </a:solidFill>
-              </a:uFill>
-              <a:latin typeface="Arial"/>
-            </a:endParaRPr>
-          </a:p>
-          <a:p>
-            <a:pPr marL="432000" indent="-324000">
+            <a:endParaRPr b="0" lang="en-US" sz="1800" spc="-1" strike="noStrike">
+              <a:solidFill>
+                <a:srgbClr val="000000"/>
+              </a:solidFill>
+              <a:uFill>
+                <a:solidFill>
+                  <a:srgbClr val="ffffff"/>
+                </a:solidFill>
+              </a:uFill>
+              <a:latin typeface="Arial"/>
+            </a:endParaRPr>
+          </a:p>
+          <a:p>
+            <a:pPr marL="432000" indent="-323640">
+              <a:lnSpc>
+                <a:spcPct val="100000"/>
+              </a:lnSpc>
               <a:buClr>
                 <a:srgbClr val="000000"/>
               </a:buClr>
@@ -3655,20 +5888,23 @@
               </a:rPr>
               <a:t>Create the merchant account</a:t>
             </a:r>
-            <a:endParaRPr b="0" lang="en-US" sz="3200" spc="-1" strike="noStrike">
-              <a:solidFill>
-                <a:srgbClr val="000000"/>
-              </a:solidFill>
-              <a:uFill>
-                <a:solidFill>
-                  <a:srgbClr val="ffffff"/>
-                </a:solidFill>
-              </a:uFill>
-              <a:latin typeface="Arial"/>
-            </a:endParaRPr>
-          </a:p>
-          <a:p>
-            <a:pPr marL="432000" indent="-324000">
+            <a:endParaRPr b="0" lang="en-US" sz="1800" spc="-1" strike="noStrike">
+              <a:solidFill>
+                <a:srgbClr val="000000"/>
+              </a:solidFill>
+              <a:uFill>
+                <a:solidFill>
+                  <a:srgbClr val="ffffff"/>
+                </a:solidFill>
+              </a:uFill>
+              <a:latin typeface="Arial"/>
+            </a:endParaRPr>
+          </a:p>
+          <a:p>
+            <a:pPr marL="432000" indent="-323640">
+              <a:lnSpc>
+                <a:spcPct val="100000"/>
+              </a:lnSpc>
               <a:buClr>
                 <a:srgbClr val="000000"/>
               </a:buClr>
@@ -3690,20 +5926,23 @@
               </a:rPr>
               <a:t>Pay $25 registration fees</a:t>
             </a:r>
-            <a:endParaRPr b="0" lang="en-US" sz="3200" spc="-1" strike="noStrike">
-              <a:solidFill>
-                <a:srgbClr val="000000"/>
-              </a:solidFill>
-              <a:uFill>
-                <a:solidFill>
-                  <a:srgbClr val="ffffff"/>
-                </a:solidFill>
-              </a:uFill>
-              <a:latin typeface="Arial"/>
-            </a:endParaRPr>
-          </a:p>
-          <a:p>
-            <a:pPr marL="432000" indent="-324000">
+            <a:endParaRPr b="0" lang="en-US" sz="1800" spc="-1" strike="noStrike">
+              <a:solidFill>
+                <a:srgbClr val="000000"/>
+              </a:solidFill>
+              <a:uFill>
+                <a:solidFill>
+                  <a:srgbClr val="ffffff"/>
+                </a:solidFill>
+              </a:uFill>
+              <a:latin typeface="Arial"/>
+            </a:endParaRPr>
+          </a:p>
+          <a:p>
+            <a:pPr marL="432000" indent="-323640">
+              <a:lnSpc>
+                <a:spcPct val="100000"/>
+              </a:lnSpc>
               <a:buClr>
                 <a:srgbClr val="000000"/>
               </a:buClr>
@@ -3725,20 +5964,23 @@
               </a:rPr>
               <a:t>Fill in the mandatory fields in app listing</a:t>
             </a:r>
-            <a:endParaRPr b="0" lang="en-US" sz="3200" spc="-1" strike="noStrike">
-              <a:solidFill>
-                <a:srgbClr val="000000"/>
-              </a:solidFill>
-              <a:uFill>
-                <a:solidFill>
-                  <a:srgbClr val="ffffff"/>
-                </a:solidFill>
-              </a:uFill>
-              <a:latin typeface="Arial"/>
-            </a:endParaRPr>
-          </a:p>
-          <a:p>
-            <a:pPr marL="432000" indent="-324000">
+            <a:endParaRPr b="0" lang="en-US" sz="1800" spc="-1" strike="noStrike">
+              <a:solidFill>
+                <a:srgbClr val="000000"/>
+              </a:solidFill>
+              <a:uFill>
+                <a:solidFill>
+                  <a:srgbClr val="ffffff"/>
+                </a:solidFill>
+              </a:uFill>
+              <a:latin typeface="Arial"/>
+            </a:endParaRPr>
+          </a:p>
+          <a:p>
+            <a:pPr marL="432000" indent="-323640">
+              <a:lnSpc>
+                <a:spcPct val="100000"/>
+              </a:lnSpc>
               <a:buClr>
                 <a:srgbClr val="000000"/>
               </a:buClr>
@@ -3758,9 +6000,9 @@
                 </a:uFill>
                 <a:latin typeface="Arial"/>
               </a:rPr>
-              <a:t>Apk is uploaded</a:t>
+              <a:t>Upload apk</a:t>
             </a:r>
-            <a:endParaRPr b="0" lang="en-US" sz="3200" spc="-1" strike="noStrike">
+            <a:endParaRPr b="0" lang="en-US" sz="1800" spc="-1" strike="noStrike">
               <a:solidFill>
                 <a:srgbClr val="000000"/>
               </a:solidFill>
@@ -3776,6 +6018,33 @@
       </p:sp>
     </p:spTree>
   </p:cSld>
+  <p:timing>
+    <p:tnLst>
+      <p:par>
+        <p:cTn id="13" dur="indefinite" restart="never" nodeType="tmRoot">
+          <p:childTnLst>
+            <p:seq>
+              <p:cTn id="14" nodeType="mainSeq"/>
+              <p:prevCondLst>
+                <p:cond delay="0" evt="onPrev">
+                  <p:tgtEl>
+                    <p:sldTgt/>
+                  </p:tgtEl>
+                </p:cond>
+              </p:prevCondLst>
+              <p:nextCondLst>
+                <p:cond delay="0" evt="onNext">
+                  <p:tgtEl>
+                    <p:sldTgt/>
+                  </p:tgtEl>
+                </p:cond>
+              </p:nextCondLst>
+            </p:seq>
+          </p:childTnLst>
+        </p:cTn>
+      </p:par>
+    </p:tnLst>
+  </p:timing>
 </p:sld>
 </file>
 
@@ -3798,14 +6067,14 @@
       </p:grpSpPr>
       <p:sp>
         <p:nvSpPr>
-          <p:cNvPr id="58" name="TextShape 1"/>
-          <p:cNvSpPr txBox="1"/>
+          <p:cNvPr id="96" name="CustomShape 1"/>
+          <p:cNvSpPr/>
           <p:nvPr/>
         </p:nvSpPr>
         <p:spPr>
           <a:xfrm>
             <a:off x="529560" y="2852640"/>
-            <a:ext cx="9071640" cy="1262160"/>
+            <a:ext cx="9071280" cy="1261800"/>
           </a:xfrm>
           <a:prstGeom prst="rect">
             <a:avLst/>
@@ -3815,10 +6084,20 @@
             <a:noFill/>
           </a:ln>
         </p:spPr>
+        <p:style>
+          <a:lnRef idx="0"/>
+          <a:fillRef idx="0"/>
+          <a:effectRef idx="0"/>
+          <a:fontRef idx="minor"/>
+        </p:style>
         <p:txBody>
           <a:bodyPr lIns="0" rIns="0" tIns="0" bIns="0" anchor="ctr"/>
           <a:p>
-            <a:pPr algn="ctr"/>
+            <a:pPr algn="ctr">
+              <a:lnSpc>
+                <a:spcPct val="100000"/>
+              </a:lnSpc>
+            </a:pPr>
             <a:r>
               <a:rPr b="0" lang="en-US" sz="4400" spc="-1" strike="noStrike">
                 <a:solidFill>
@@ -3833,7 +6112,7 @@
               </a:rPr>
               <a:t>Thank You!!</a:t>
             </a:r>
-            <a:endParaRPr b="0" lang="en-US" sz="4400" spc="-1" strike="noStrike">
+            <a:endParaRPr b="0" lang="en-US" sz="1800" spc="-1" strike="noStrike">
               <a:solidFill>
                 <a:srgbClr val="000000"/>
               </a:solidFill>
@@ -3849,6 +6128,33 @@
       </p:sp>
     </p:spTree>
   </p:cSld>
+  <p:timing>
+    <p:tnLst>
+      <p:par>
+        <p:cTn id="15" dur="indefinite" restart="never" nodeType="tmRoot">
+          <p:childTnLst>
+            <p:seq>
+              <p:cTn id="16" nodeType="mainSeq"/>
+              <p:prevCondLst>
+                <p:cond delay="0" evt="onPrev">
+                  <p:tgtEl>
+                    <p:sldTgt/>
+                  </p:tgtEl>
+                </p:cond>
+              </p:prevCondLst>
+              <p:nextCondLst>
+                <p:cond delay="0" evt="onNext">
+                  <p:tgtEl>
+                    <p:sldTgt/>
+                  </p:tgtEl>
+                </p:cond>
+              </p:nextCondLst>
+            </p:seq>
+          </p:childTnLst>
+        </p:cTn>
+      </p:par>
+    </p:tnLst>
+  </p:timing>
 </p:sld>
 </file>
 
@@ -4073,4 +6379,227 @@
     </a:fmtScheme>
   </a:themeElements>
 </a:theme>
+</file>
+
+<file path=ppt/theme/theme2.xml><?xml version="1.0" encoding="utf-8"?>
+<a:theme xmlns:a="http://schemas.openxmlformats.org/drawingml/2006/main" name="Office Theme">
+  <a:themeElements>
+    <a:clrScheme name="Office">
+      <a:dk1>
+        <a:sysClr val="windowText" lastClr="000000"/>
+      </a:dk1>
+      <a:lt1>
+        <a:sysClr val="window" lastClr="FFFFFF"/>
+      </a:lt1>
+      <a:dk2>
+        <a:srgbClr val="1F497D"/>
+      </a:dk2>
+      <a:lt2>
+        <a:srgbClr val="EEECE1"/>
+      </a:lt2>
+      <a:accent1>
+        <a:srgbClr val="4F81BD"/>
+      </a:accent1>
+      <a:accent2>
+        <a:srgbClr val="C0504D"/>
+      </a:accent2>
+      <a:accent3>
+        <a:srgbClr val="9BBB59"/>
+      </a:accent3>
+      <a:accent4>
+        <a:srgbClr val="8064A2"/>
+      </a:accent4>
+      <a:accent5>
+        <a:srgbClr val="4BACC6"/>
+      </a:accent5>
+      <a:accent6>
+        <a:srgbClr val="F79646"/>
+      </a:accent6>
+      <a:hlink>
+        <a:srgbClr val="0000FF"/>
+      </a:hlink>
+      <a:folHlink>
+        <a:srgbClr val="800080"/>
+      </a:folHlink>
+    </a:clrScheme>
+    <a:fontScheme name="Office">
+      <a:majorFont>
+        <a:latin typeface="Arial"/>
+        <a:ea typeface="DejaVu Sans"/>
+        <a:cs typeface="DejaVu Sans"/>
+      </a:majorFont>
+      <a:minorFont>
+        <a:latin typeface="Arial"/>
+        <a:ea typeface="DejaVu Sans"/>
+        <a:cs typeface="DejaVu Sans"/>
+      </a:minorFont>
+    </a:fontScheme>
+    <a:fmtScheme name="Office">
+      <a:fillStyleLst>
+        <a:solidFill>
+          <a:schemeClr val="phClr"/>
+        </a:solidFill>
+        <a:gradFill rotWithShape="1">
+          <a:gsLst>
+            <a:gs pos="0">
+              <a:schemeClr val="phClr">
+                <a:tint val="50000"/>
+                <a:satMod val="300000"/>
+              </a:schemeClr>
+            </a:gs>
+            <a:gs pos="35000">
+              <a:schemeClr val="phClr">
+                <a:tint val="37000"/>
+                <a:satMod val="300000"/>
+              </a:schemeClr>
+            </a:gs>
+            <a:gs pos="100000">
+              <a:schemeClr val="phClr">
+                <a:tint val="15000"/>
+                <a:satMod val="350000"/>
+              </a:schemeClr>
+            </a:gs>
+          </a:gsLst>
+          <a:lin ang="16200000" scaled="1"/>
+        </a:gradFill>
+        <a:gradFill rotWithShape="1">
+          <a:gsLst>
+            <a:gs pos="0">
+              <a:schemeClr val="phClr">
+                <a:shade val="51000"/>
+                <a:satMod val="130000"/>
+              </a:schemeClr>
+            </a:gs>
+            <a:gs pos="80000">
+              <a:schemeClr val="phClr">
+                <a:shade val="93000"/>
+                <a:satMod val="130000"/>
+              </a:schemeClr>
+            </a:gs>
+            <a:gs pos="100000">
+              <a:schemeClr val="phClr">
+                <a:shade val="94000"/>
+                <a:satMod val="135000"/>
+              </a:schemeClr>
+            </a:gs>
+          </a:gsLst>
+          <a:lin ang="16200000" scaled="0"/>
+        </a:gradFill>
+      </a:fillStyleLst>
+      <a:lnStyleLst>
+        <a:ln w="9525" cap="flat" cmpd="sng" algn="ctr">
+          <a:solidFill>
+            <a:schemeClr val="phClr">
+              <a:shade val="95000"/>
+              <a:satMod val="105000"/>
+            </a:schemeClr>
+          </a:solidFill>
+          <a:prstDash val="solid"/>
+        </a:ln>
+        <a:ln w="25400" cap="flat" cmpd="sng" algn="ctr">
+          <a:solidFill>
+            <a:schemeClr val="phClr"/>
+          </a:solidFill>
+          <a:prstDash val="solid"/>
+        </a:ln>
+        <a:ln w="38100" cap="flat" cmpd="sng" algn="ctr">
+          <a:solidFill>
+            <a:schemeClr val="phClr"/>
+          </a:solidFill>
+          <a:prstDash val="solid"/>
+        </a:ln>
+      </a:lnStyleLst>
+      <a:effectStyleLst>
+        <a:effectStyle>
+          <a:effectLst>
+            <a:outerShdw blurRad="40000" dist="20000" dir="5400000" rotWithShape="0">
+              <a:srgbClr val="000000">
+                <a:alpha val="38000"/>
+              </a:srgbClr>
+            </a:outerShdw>
+          </a:effectLst>
+        </a:effectStyle>
+        <a:effectStyle>
+          <a:effectLst>
+            <a:outerShdw blurRad="40000" dist="23000" dir="5400000" rotWithShape="0">
+              <a:srgbClr val="000000">
+                <a:alpha val="35000"/>
+              </a:srgbClr>
+            </a:outerShdw>
+          </a:effectLst>
+        </a:effectStyle>
+        <a:effectStyle>
+          <a:effectLst>
+            <a:outerShdw blurRad="40000" dist="23000" dir="5400000" rotWithShape="0">
+              <a:srgbClr val="000000">
+                <a:alpha val="35000"/>
+              </a:srgbClr>
+            </a:outerShdw>
+          </a:effectLst>
+          <a:scene3d>
+            <a:camera prst="orthographicFront">
+              <a:rot lat="0" lon="0" rev="0"/>
+            </a:camera>
+            <a:lightRig rig="threePt" dir="t">
+              <a:rot lat="0" lon="0" rev="1200000"/>
+            </a:lightRig>
+          </a:scene3d>
+          <a:sp3d>
+            <a:bevelT w="63500" h="25400"/>
+          </a:sp3d>
+        </a:effectStyle>
+      </a:effectStyleLst>
+      <a:bgFillStyleLst>
+        <a:solidFill>
+          <a:schemeClr val="phClr"/>
+        </a:solidFill>
+        <a:gradFill rotWithShape="1">
+          <a:gsLst>
+            <a:gs pos="0">
+              <a:schemeClr val="phClr">
+                <a:tint val="40000"/>
+                <a:satMod val="350000"/>
+              </a:schemeClr>
+            </a:gs>
+            <a:gs pos="40000">
+              <a:schemeClr val="phClr">
+                <a:tint val="45000"/>
+                <a:shade val="99000"/>
+                <a:satMod val="350000"/>
+              </a:schemeClr>
+            </a:gs>
+            <a:gs pos="100000">
+              <a:schemeClr val="phClr">
+                <a:shade val="20000"/>
+                <a:satMod val="255000"/>
+              </a:schemeClr>
+            </a:gs>
+          </a:gsLst>
+          <a:path path="circle">
+            <a:fillToRect l="50000" t="-80000" r="50000" b="180000"/>
+          </a:path>
+        </a:gradFill>
+        <a:gradFill rotWithShape="1">
+          <a:gsLst>
+            <a:gs pos="0">
+              <a:schemeClr val="phClr">
+                <a:tint val="80000"/>
+                <a:satMod val="300000"/>
+              </a:schemeClr>
+            </a:gs>
+            <a:gs pos="100000">
+              <a:schemeClr val="phClr">
+                <a:shade val="30000"/>
+                <a:satMod val="200000"/>
+              </a:schemeClr>
+            </a:gs>
+          </a:gsLst>
+          <a:path path="circle">
+            <a:fillToRect l="50000" t="50000" r="50000" b="50000"/>
+          </a:path>
+        </a:gradFill>
+      </a:bgFillStyleLst>
+    </a:fmtScheme>
+  </a:themeElements>
+</a:theme>
 </file>
--- a/documentation/Demo_Quote_of_the_day.pptx
+++ b/documentation/Demo_Quote_of_the_day.pptx
@@ -72,7 +72,7 @@
         <p:spPr>
           <a:xfrm>
             <a:off x="504000" y="301320"/>
-            <a:ext cx="9071280" cy="1261800"/>
+            <a:ext cx="9072000" cy="1261800"/>
           </a:xfrm>
           <a:prstGeom prst="rect">
             <a:avLst/>
@@ -108,8 +108,8 @@
         </p:nvSpPr>
         <p:spPr>
           <a:xfrm>
-            <a:off x="504000" y="1769040"/>
-            <a:ext cx="9071280" cy="2090880"/>
+            <a:off x="504000" y="1768680"/>
+            <a:ext cx="9072000" cy="2090880"/>
           </a:xfrm>
           <a:prstGeom prst="rect">
             <a:avLst/>
@@ -144,8 +144,8 @@
         </p:nvSpPr>
         <p:spPr>
           <a:xfrm>
-            <a:off x="504000" y="4059000"/>
-            <a:ext cx="9071280" cy="2090880"/>
+            <a:off x="504000" y="4058640"/>
+            <a:ext cx="9072000" cy="2090880"/>
           </a:xfrm>
           <a:prstGeom prst="rect">
             <a:avLst/>
@@ -203,7 +203,7 @@
         <p:spPr>
           <a:xfrm>
             <a:off x="504000" y="301320"/>
-            <a:ext cx="9071280" cy="1261800"/>
+            <a:ext cx="9072000" cy="1261800"/>
           </a:xfrm>
           <a:prstGeom prst="rect">
             <a:avLst/>
@@ -239,8 +239,8 @@
         </p:nvSpPr>
         <p:spPr>
           <a:xfrm>
-            <a:off x="504000" y="1769040"/>
-            <a:ext cx="4426560" cy="2090880"/>
+            <a:off x="504000" y="1768680"/>
+            <a:ext cx="4426920" cy="2090880"/>
           </a:xfrm>
           <a:prstGeom prst="rect">
             <a:avLst/>
@@ -275,8 +275,8 @@
         </p:nvSpPr>
         <p:spPr>
           <a:xfrm>
-            <a:off x="5152320" y="1769040"/>
-            <a:ext cx="4426560" cy="2090880"/>
+            <a:off x="5152680" y="1768680"/>
+            <a:ext cx="4426920" cy="2090880"/>
           </a:xfrm>
           <a:prstGeom prst="rect">
             <a:avLst/>
@@ -311,8 +311,8 @@
         </p:nvSpPr>
         <p:spPr>
           <a:xfrm>
-            <a:off x="5152320" y="4059000"/>
-            <a:ext cx="4426560" cy="2090880"/>
+            <a:off x="5152680" y="4058640"/>
+            <a:ext cx="4426920" cy="2090880"/>
           </a:xfrm>
           <a:prstGeom prst="rect">
             <a:avLst/>
@@ -347,8 +347,8 @@
         </p:nvSpPr>
         <p:spPr>
           <a:xfrm>
-            <a:off x="504000" y="4059000"/>
-            <a:ext cx="4426560" cy="2090880"/>
+            <a:off x="504000" y="4058640"/>
+            <a:ext cx="4426920" cy="2090880"/>
           </a:xfrm>
           <a:prstGeom prst="rect">
             <a:avLst/>
@@ -406,7 +406,7 @@
         <p:spPr>
           <a:xfrm>
             <a:off x="504000" y="301320"/>
-            <a:ext cx="9071280" cy="1261800"/>
+            <a:ext cx="9072000" cy="1261800"/>
           </a:xfrm>
           <a:prstGeom prst="rect">
             <a:avLst/>
@@ -442,8 +442,8 @@
         </p:nvSpPr>
         <p:spPr>
           <a:xfrm>
-            <a:off x="504000" y="1769040"/>
-            <a:ext cx="9071280" cy="4384080"/>
+            <a:off x="504000" y="1768680"/>
+            <a:ext cx="9072000" cy="4384080"/>
           </a:xfrm>
           <a:prstGeom prst="rect">
             <a:avLst/>
@@ -478,8 +478,8 @@
         </p:nvSpPr>
         <p:spPr>
           <a:xfrm>
-            <a:off x="504000" y="1769040"/>
-            <a:ext cx="9071280" cy="4384080"/>
+            <a:off x="504000" y="1768680"/>
+            <a:ext cx="9072000" cy="4384080"/>
           </a:xfrm>
           <a:prstGeom prst="rect">
             <a:avLst/>
@@ -514,7 +514,7 @@
         </p:blipFill>
         <p:spPr>
           <a:xfrm>
-            <a:off x="2292120" y="1769040"/>
+            <a:off x="2292480" y="1768680"/>
             <a:ext cx="5494680" cy="4384080"/>
           </a:xfrm>
           <a:prstGeom prst="rect">
@@ -537,7 +537,7 @@
         </p:blipFill>
         <p:spPr>
           <a:xfrm>
-            <a:off x="2292120" y="1769040"/>
+            <a:off x="2292480" y="1768680"/>
             <a:ext cx="5494680" cy="4384080"/>
           </a:xfrm>
           <a:prstGeom prst="rect">
@@ -605,7 +605,7 @@
         <p:spPr>
           <a:xfrm>
             <a:off x="504000" y="301320"/>
-            <a:ext cx="9071280" cy="1261800"/>
+            <a:ext cx="9072000" cy="1261800"/>
           </a:xfrm>
           <a:prstGeom prst="rect">
             <a:avLst/>
@@ -641,8 +641,8 @@
         </p:nvSpPr>
         <p:spPr>
           <a:xfrm>
-            <a:off x="504000" y="1769040"/>
-            <a:ext cx="9071280" cy="4384080"/>
+            <a:off x="504000" y="1768680"/>
+            <a:ext cx="9072000" cy="4384080"/>
           </a:xfrm>
           <a:prstGeom prst="rect">
             <a:avLst/>
@@ -701,7 +701,7 @@
         <p:spPr>
           <a:xfrm>
             <a:off x="504000" y="301320"/>
-            <a:ext cx="9071280" cy="1261800"/>
+            <a:ext cx="9072000" cy="1261800"/>
           </a:xfrm>
           <a:prstGeom prst="rect">
             <a:avLst/>
@@ -737,8 +737,8 @@
         </p:nvSpPr>
         <p:spPr>
           <a:xfrm>
-            <a:off x="504000" y="1769040"/>
-            <a:ext cx="9071280" cy="4384080"/>
+            <a:off x="504000" y="1768680"/>
+            <a:ext cx="9072000" cy="4384080"/>
           </a:xfrm>
           <a:prstGeom prst="rect">
             <a:avLst/>
@@ -796,7 +796,7 @@
         <p:spPr>
           <a:xfrm>
             <a:off x="504000" y="301320"/>
-            <a:ext cx="9071280" cy="1261800"/>
+            <a:ext cx="9072000" cy="1261800"/>
           </a:xfrm>
           <a:prstGeom prst="rect">
             <a:avLst/>
@@ -832,8 +832,8 @@
         </p:nvSpPr>
         <p:spPr>
           <a:xfrm>
-            <a:off x="504000" y="1769040"/>
-            <a:ext cx="4426560" cy="4384080"/>
+            <a:off x="504000" y="1768680"/>
+            <a:ext cx="4426920" cy="4384080"/>
           </a:xfrm>
           <a:prstGeom prst="rect">
             <a:avLst/>
@@ -868,8 +868,8 @@
         </p:nvSpPr>
         <p:spPr>
           <a:xfrm>
-            <a:off x="5152320" y="1769040"/>
-            <a:ext cx="4426560" cy="4384080"/>
+            <a:off x="5152680" y="1768680"/>
+            <a:ext cx="4426920" cy="4384080"/>
           </a:xfrm>
           <a:prstGeom prst="rect">
             <a:avLst/>
@@ -927,7 +927,7 @@
         <p:spPr>
           <a:xfrm>
             <a:off x="504000" y="301320"/>
-            <a:ext cx="9071280" cy="1261800"/>
+            <a:ext cx="9072000" cy="1261800"/>
           </a:xfrm>
           <a:prstGeom prst="rect">
             <a:avLst/>
@@ -986,7 +986,7 @@
         <p:spPr>
           <a:xfrm>
             <a:off x="504000" y="301320"/>
-            <a:ext cx="9071280" cy="5850360"/>
+            <a:ext cx="9072000" cy="5850360"/>
           </a:xfrm>
           <a:prstGeom prst="rect">
             <a:avLst/>
@@ -1045,7 +1045,7 @@
         <p:spPr>
           <a:xfrm>
             <a:off x="504000" y="301320"/>
-            <a:ext cx="9071280" cy="1261800"/>
+            <a:ext cx="9072000" cy="1261800"/>
           </a:xfrm>
           <a:prstGeom prst="rect">
             <a:avLst/>
@@ -1081,8 +1081,8 @@
         </p:nvSpPr>
         <p:spPr>
           <a:xfrm>
-            <a:off x="504000" y="1769040"/>
-            <a:ext cx="4426560" cy="2090880"/>
+            <a:off x="504000" y="1768680"/>
+            <a:ext cx="4426920" cy="2090880"/>
           </a:xfrm>
           <a:prstGeom prst="rect">
             <a:avLst/>
@@ -1117,8 +1117,8 @@
         </p:nvSpPr>
         <p:spPr>
           <a:xfrm>
-            <a:off x="504000" y="4059000"/>
-            <a:ext cx="4426560" cy="2090880"/>
+            <a:off x="504000" y="4058640"/>
+            <a:ext cx="4426920" cy="2090880"/>
           </a:xfrm>
           <a:prstGeom prst="rect">
             <a:avLst/>
@@ -1153,8 +1153,8 @@
         </p:nvSpPr>
         <p:spPr>
           <a:xfrm>
-            <a:off x="5152320" y="1769040"/>
-            <a:ext cx="4426560" cy="4384080"/>
+            <a:off x="5152680" y="1768680"/>
+            <a:ext cx="4426920" cy="4384080"/>
           </a:xfrm>
           <a:prstGeom prst="rect">
             <a:avLst/>
@@ -1212,7 +1212,7 @@
         <p:spPr>
           <a:xfrm>
             <a:off x="504000" y="301320"/>
-            <a:ext cx="9071280" cy="1261800"/>
+            <a:ext cx="9072000" cy="1261800"/>
           </a:xfrm>
           <a:prstGeom prst="rect">
             <a:avLst/>
@@ -1248,8 +1248,8 @@
         </p:nvSpPr>
         <p:spPr>
           <a:xfrm>
-            <a:off x="504000" y="1769040"/>
-            <a:ext cx="9071280" cy="4384080"/>
+            <a:off x="504000" y="1768680"/>
+            <a:ext cx="9072000" cy="4384080"/>
           </a:xfrm>
           <a:prstGeom prst="rect">
             <a:avLst/>
@@ -1308,7 +1308,7 @@
         <p:spPr>
           <a:xfrm>
             <a:off x="504000" y="301320"/>
-            <a:ext cx="9071280" cy="1261800"/>
+            <a:ext cx="9072000" cy="1261800"/>
           </a:xfrm>
           <a:prstGeom prst="rect">
             <a:avLst/>
@@ -1344,8 +1344,8 @@
         </p:nvSpPr>
         <p:spPr>
           <a:xfrm>
-            <a:off x="504000" y="1769040"/>
-            <a:ext cx="4426560" cy="4384080"/>
+            <a:off x="504000" y="1768680"/>
+            <a:ext cx="4426920" cy="4384080"/>
           </a:xfrm>
           <a:prstGeom prst="rect">
             <a:avLst/>
@@ -1380,8 +1380,8 @@
         </p:nvSpPr>
         <p:spPr>
           <a:xfrm>
-            <a:off x="5152320" y="1769040"/>
-            <a:ext cx="4426560" cy="2090880"/>
+            <a:off x="5152680" y="1768680"/>
+            <a:ext cx="4426920" cy="2090880"/>
           </a:xfrm>
           <a:prstGeom prst="rect">
             <a:avLst/>
@@ -1416,8 +1416,8 @@
         </p:nvSpPr>
         <p:spPr>
           <a:xfrm>
-            <a:off x="5152320" y="4059000"/>
-            <a:ext cx="4426560" cy="2090880"/>
+            <a:off x="5152680" y="4058640"/>
+            <a:ext cx="4426920" cy="2090880"/>
           </a:xfrm>
           <a:prstGeom prst="rect">
             <a:avLst/>
@@ -1475,7 +1475,7 @@
         <p:spPr>
           <a:xfrm>
             <a:off x="504000" y="301320"/>
-            <a:ext cx="9071280" cy="1261800"/>
+            <a:ext cx="9072000" cy="1261800"/>
           </a:xfrm>
           <a:prstGeom prst="rect">
             <a:avLst/>
@@ -1511,8 +1511,8 @@
         </p:nvSpPr>
         <p:spPr>
           <a:xfrm>
-            <a:off x="504000" y="1769040"/>
-            <a:ext cx="4426560" cy="2090880"/>
+            <a:off x="504000" y="1768680"/>
+            <a:ext cx="4426920" cy="2090880"/>
           </a:xfrm>
           <a:prstGeom prst="rect">
             <a:avLst/>
@@ -1547,8 +1547,8 @@
         </p:nvSpPr>
         <p:spPr>
           <a:xfrm>
-            <a:off x="5152320" y="1769040"/>
-            <a:ext cx="4426560" cy="2090880"/>
+            <a:off x="5152680" y="1768680"/>
+            <a:ext cx="4426920" cy="2090880"/>
           </a:xfrm>
           <a:prstGeom prst="rect">
             <a:avLst/>
@@ -1583,8 +1583,8 @@
         </p:nvSpPr>
         <p:spPr>
           <a:xfrm>
-            <a:off x="504000" y="4059000"/>
-            <a:ext cx="9071280" cy="2090880"/>
+            <a:off x="504000" y="4058640"/>
+            <a:ext cx="9072000" cy="2090880"/>
           </a:xfrm>
           <a:prstGeom prst="rect">
             <a:avLst/>
@@ -1642,7 +1642,7 @@
         <p:spPr>
           <a:xfrm>
             <a:off x="504000" y="301320"/>
-            <a:ext cx="9071280" cy="1261800"/>
+            <a:ext cx="9072000" cy="1261800"/>
           </a:xfrm>
           <a:prstGeom prst="rect">
             <a:avLst/>
@@ -1678,8 +1678,8 @@
         </p:nvSpPr>
         <p:spPr>
           <a:xfrm>
-            <a:off x="504000" y="1769040"/>
-            <a:ext cx="9071280" cy="2090880"/>
+            <a:off x="504000" y="1768680"/>
+            <a:ext cx="9072000" cy="2090880"/>
           </a:xfrm>
           <a:prstGeom prst="rect">
             <a:avLst/>
@@ -1714,8 +1714,8 @@
         </p:nvSpPr>
         <p:spPr>
           <a:xfrm>
-            <a:off x="504000" y="4059000"/>
-            <a:ext cx="9071280" cy="2090880"/>
+            <a:off x="504000" y="4058640"/>
+            <a:ext cx="9072000" cy="2090880"/>
           </a:xfrm>
           <a:prstGeom prst="rect">
             <a:avLst/>
@@ -1773,7 +1773,7 @@
         <p:spPr>
           <a:xfrm>
             <a:off x="504000" y="301320"/>
-            <a:ext cx="9071280" cy="1261800"/>
+            <a:ext cx="9072000" cy="1261800"/>
           </a:xfrm>
           <a:prstGeom prst="rect">
             <a:avLst/>
@@ -1809,8 +1809,8 @@
         </p:nvSpPr>
         <p:spPr>
           <a:xfrm>
-            <a:off x="504000" y="1769040"/>
-            <a:ext cx="4426560" cy="2090880"/>
+            <a:off x="504000" y="1768680"/>
+            <a:ext cx="4426920" cy="2090880"/>
           </a:xfrm>
           <a:prstGeom prst="rect">
             <a:avLst/>
@@ -1845,8 +1845,8 @@
         </p:nvSpPr>
         <p:spPr>
           <a:xfrm>
-            <a:off x="5152320" y="1769040"/>
-            <a:ext cx="4426560" cy="2090880"/>
+            <a:off x="5152680" y="1768680"/>
+            <a:ext cx="4426920" cy="2090880"/>
           </a:xfrm>
           <a:prstGeom prst="rect">
             <a:avLst/>
@@ -1881,8 +1881,8 @@
         </p:nvSpPr>
         <p:spPr>
           <a:xfrm>
-            <a:off x="5152320" y="4059000"/>
-            <a:ext cx="4426560" cy="2090880"/>
+            <a:off x="5152680" y="4058640"/>
+            <a:ext cx="4426920" cy="2090880"/>
           </a:xfrm>
           <a:prstGeom prst="rect">
             <a:avLst/>
@@ -1917,8 +1917,8 @@
         </p:nvSpPr>
         <p:spPr>
           <a:xfrm>
-            <a:off x="504000" y="4059000"/>
-            <a:ext cx="4426560" cy="2090880"/>
+            <a:off x="504000" y="4058640"/>
+            <a:ext cx="4426920" cy="2090880"/>
           </a:xfrm>
           <a:prstGeom prst="rect">
             <a:avLst/>
@@ -1976,7 +1976,7 @@
         <p:spPr>
           <a:xfrm>
             <a:off x="504000" y="301320"/>
-            <a:ext cx="9071280" cy="1261800"/>
+            <a:ext cx="9072000" cy="1261800"/>
           </a:xfrm>
           <a:prstGeom prst="rect">
             <a:avLst/>
@@ -2012,8 +2012,8 @@
         </p:nvSpPr>
         <p:spPr>
           <a:xfrm>
-            <a:off x="504000" y="1769040"/>
-            <a:ext cx="9071280" cy="4384080"/>
+            <a:off x="504000" y="1768680"/>
+            <a:ext cx="9072000" cy="4384080"/>
           </a:xfrm>
           <a:prstGeom prst="rect">
             <a:avLst/>
@@ -2048,8 +2048,8 @@
         </p:nvSpPr>
         <p:spPr>
           <a:xfrm>
-            <a:off x="504000" y="1769040"/>
-            <a:ext cx="9071280" cy="4384080"/>
+            <a:off x="504000" y="1768680"/>
+            <a:ext cx="9072000" cy="4384080"/>
           </a:xfrm>
           <a:prstGeom prst="rect">
             <a:avLst/>
@@ -2084,7 +2084,7 @@
         </p:blipFill>
         <p:spPr>
           <a:xfrm>
-            <a:off x="2292120" y="1769040"/>
+            <a:off x="2292480" y="1768680"/>
             <a:ext cx="5494680" cy="4384080"/>
           </a:xfrm>
           <a:prstGeom prst="rect">
@@ -2107,7 +2107,7 @@
         </p:blipFill>
         <p:spPr>
           <a:xfrm>
-            <a:off x="2292120" y="1769040"/>
+            <a:off x="2292480" y="1768680"/>
             <a:ext cx="5494680" cy="4384080"/>
           </a:xfrm>
           <a:prstGeom prst="rect">
@@ -2153,7 +2153,7 @@
         <p:spPr>
           <a:xfrm>
             <a:off x="504000" y="301320"/>
-            <a:ext cx="9071280" cy="1261800"/>
+            <a:ext cx="9072000" cy="1261800"/>
           </a:xfrm>
           <a:prstGeom prst="rect">
             <a:avLst/>
@@ -2189,8 +2189,8 @@
         </p:nvSpPr>
         <p:spPr>
           <a:xfrm>
-            <a:off x="504000" y="1769040"/>
-            <a:ext cx="9071280" cy="4384080"/>
+            <a:off x="504000" y="1768680"/>
+            <a:ext cx="9072000" cy="4384080"/>
           </a:xfrm>
           <a:prstGeom prst="rect">
             <a:avLst/>
@@ -2248,7 +2248,7 @@
         <p:spPr>
           <a:xfrm>
             <a:off x="504000" y="301320"/>
-            <a:ext cx="9071280" cy="1261800"/>
+            <a:ext cx="9072000" cy="1261800"/>
           </a:xfrm>
           <a:prstGeom prst="rect">
             <a:avLst/>
@@ -2284,8 +2284,8 @@
         </p:nvSpPr>
         <p:spPr>
           <a:xfrm>
-            <a:off x="504000" y="1769040"/>
-            <a:ext cx="4426560" cy="4384080"/>
+            <a:off x="504000" y="1768680"/>
+            <a:ext cx="4426920" cy="4384080"/>
           </a:xfrm>
           <a:prstGeom prst="rect">
             <a:avLst/>
@@ -2320,8 +2320,8 @@
         </p:nvSpPr>
         <p:spPr>
           <a:xfrm>
-            <a:off x="5152320" y="1769040"/>
-            <a:ext cx="4426560" cy="4384080"/>
+            <a:off x="5152680" y="1768680"/>
+            <a:ext cx="4426920" cy="4384080"/>
           </a:xfrm>
           <a:prstGeom prst="rect">
             <a:avLst/>
@@ -2379,7 +2379,7 @@
         <p:spPr>
           <a:xfrm>
             <a:off x="504000" y="301320"/>
-            <a:ext cx="9071280" cy="1261800"/>
+            <a:ext cx="9072000" cy="1261800"/>
           </a:xfrm>
           <a:prstGeom prst="rect">
             <a:avLst/>
@@ -2438,7 +2438,7 @@
         <p:spPr>
           <a:xfrm>
             <a:off x="504000" y="301320"/>
-            <a:ext cx="9071280" cy="5850360"/>
+            <a:ext cx="9072000" cy="5850360"/>
           </a:xfrm>
           <a:prstGeom prst="rect">
             <a:avLst/>
@@ -2497,7 +2497,7 @@
         <p:spPr>
           <a:xfrm>
             <a:off x="504000" y="301320"/>
-            <a:ext cx="9071280" cy="1261800"/>
+            <a:ext cx="9072000" cy="1261800"/>
           </a:xfrm>
           <a:prstGeom prst="rect">
             <a:avLst/>
@@ -2533,8 +2533,8 @@
         </p:nvSpPr>
         <p:spPr>
           <a:xfrm>
-            <a:off x="504000" y="1769040"/>
-            <a:ext cx="4426560" cy="2090880"/>
+            <a:off x="504000" y="1768680"/>
+            <a:ext cx="4426920" cy="2090880"/>
           </a:xfrm>
           <a:prstGeom prst="rect">
             <a:avLst/>
@@ -2569,8 +2569,8 @@
         </p:nvSpPr>
         <p:spPr>
           <a:xfrm>
-            <a:off x="504000" y="4059000"/>
-            <a:ext cx="4426560" cy="2090880"/>
+            <a:off x="504000" y="4058640"/>
+            <a:ext cx="4426920" cy="2090880"/>
           </a:xfrm>
           <a:prstGeom prst="rect">
             <a:avLst/>
@@ -2605,8 +2605,8 @@
         </p:nvSpPr>
         <p:spPr>
           <a:xfrm>
-            <a:off x="5152320" y="1769040"/>
-            <a:ext cx="4426560" cy="4384080"/>
+            <a:off x="5152680" y="1768680"/>
+            <a:ext cx="4426920" cy="4384080"/>
           </a:xfrm>
           <a:prstGeom prst="rect">
             <a:avLst/>
@@ -2664,7 +2664,7 @@
         <p:spPr>
           <a:xfrm>
             <a:off x="504000" y="301320"/>
-            <a:ext cx="9071280" cy="1261800"/>
+            <a:ext cx="9072000" cy="1261800"/>
           </a:xfrm>
           <a:prstGeom prst="rect">
             <a:avLst/>
@@ -2700,8 +2700,8 @@
         </p:nvSpPr>
         <p:spPr>
           <a:xfrm>
-            <a:off x="504000" y="1769040"/>
-            <a:ext cx="4426560" cy="4384080"/>
+            <a:off x="504000" y="1768680"/>
+            <a:ext cx="4426920" cy="4384080"/>
           </a:xfrm>
           <a:prstGeom prst="rect">
             <a:avLst/>
@@ -2736,8 +2736,8 @@
         </p:nvSpPr>
         <p:spPr>
           <a:xfrm>
-            <a:off x="5152320" y="1769040"/>
-            <a:ext cx="4426560" cy="2090880"/>
+            <a:off x="5152680" y="1768680"/>
+            <a:ext cx="4426920" cy="2090880"/>
           </a:xfrm>
           <a:prstGeom prst="rect">
             <a:avLst/>
@@ -2772,8 +2772,8 @@
         </p:nvSpPr>
         <p:spPr>
           <a:xfrm>
-            <a:off x="5152320" y="4059000"/>
-            <a:ext cx="4426560" cy="2090880"/>
+            <a:off x="5152680" y="4058640"/>
+            <a:ext cx="4426920" cy="2090880"/>
           </a:xfrm>
           <a:prstGeom prst="rect">
             <a:avLst/>
@@ -2831,7 +2831,7 @@
         <p:spPr>
           <a:xfrm>
             <a:off x="504000" y="301320"/>
-            <a:ext cx="9071280" cy="1261800"/>
+            <a:ext cx="9072000" cy="1261800"/>
           </a:xfrm>
           <a:prstGeom prst="rect">
             <a:avLst/>
@@ -2867,8 +2867,8 @@
         </p:nvSpPr>
         <p:spPr>
           <a:xfrm>
-            <a:off x="504000" y="1769040"/>
-            <a:ext cx="4426560" cy="2090880"/>
+            <a:off x="504000" y="1768680"/>
+            <a:ext cx="4426920" cy="2090880"/>
           </a:xfrm>
           <a:prstGeom prst="rect">
             <a:avLst/>
@@ -2903,8 +2903,8 @@
         </p:nvSpPr>
         <p:spPr>
           <a:xfrm>
-            <a:off x="5152320" y="1769040"/>
-            <a:ext cx="4426560" cy="2090880"/>
+            <a:off x="5152680" y="1768680"/>
+            <a:ext cx="4426920" cy="2090880"/>
           </a:xfrm>
           <a:prstGeom prst="rect">
             <a:avLst/>
@@ -2939,8 +2939,8 @@
         </p:nvSpPr>
         <p:spPr>
           <a:xfrm>
-            <a:off x="504000" y="4059000"/>
-            <a:ext cx="9071280" cy="2090880"/>
+            <a:off x="504000" y="4058640"/>
+            <a:ext cx="9072000" cy="2090880"/>
           </a:xfrm>
           <a:prstGeom prst="rect">
             <a:avLst/>
@@ -2998,7 +2998,7 @@
         <p:spPr>
           <a:xfrm>
             <a:off x="504000" y="301320"/>
-            <a:ext cx="9071280" cy="1261800"/>
+            <a:ext cx="9070920" cy="1261440"/>
           </a:xfrm>
           <a:prstGeom prst="rect">
             <a:avLst/>
@@ -3034,8 +3034,8 @@
         </p:nvSpPr>
         <p:spPr>
           <a:xfrm>
-            <a:off x="504000" y="1768680"/>
-            <a:ext cx="9072000" cy="4384080"/>
+            <a:off x="504000" y="1769040"/>
+            <a:ext cx="9070920" cy="4383720"/>
           </a:xfrm>
           <a:prstGeom prst="rect">
             <a:avLst/>
@@ -3053,7 +3053,7 @@
               <a:buChar char=""/>
             </a:pPr>
             <a:r>
-              <a:rPr b="0" lang="en-US" sz="3200" spc="-1" strike="noStrike">
+              <a:rPr b="0" lang="en-US" sz="1800" spc="-1" strike="noStrike">
                 <a:solidFill>
                   <a:srgbClr val="000000"/>
                 </a:solidFill>
@@ -3066,7 +3066,7 @@
               </a:rPr>
               <a:t>Click to edit the outline text format</a:t>
             </a:r>
-            <a:endParaRPr b="0" lang="en-US" sz="3200" spc="-1" strike="noStrike">
+            <a:endParaRPr b="0" lang="en-US" sz="1800" spc="-1" strike="noStrike">
               <a:solidFill>
                 <a:srgbClr val="000000"/>
               </a:solidFill>
@@ -3088,7 +3088,7 @@
               <a:buChar char=""/>
             </a:pPr>
             <a:r>
-              <a:rPr b="0" lang="en-US" sz="2800" spc="-1" strike="noStrike">
+              <a:rPr b="0" lang="en-US" sz="1800" spc="-1" strike="noStrike">
                 <a:solidFill>
                   <a:srgbClr val="000000"/>
                 </a:solidFill>
@@ -3101,7 +3101,7 @@
               </a:rPr>
               <a:t>Second Outline Level</a:t>
             </a:r>
-            <a:endParaRPr b="0" lang="en-US" sz="2800" spc="-1" strike="noStrike">
+            <a:endParaRPr b="0" lang="en-US" sz="1800" spc="-1" strike="noStrike">
               <a:solidFill>
                 <a:srgbClr val="000000"/>
               </a:solidFill>
@@ -3123,7 +3123,7 @@
               <a:buChar char=""/>
             </a:pPr>
             <a:r>
-              <a:rPr b="0" lang="en-US" sz="2400" spc="-1" strike="noStrike">
+              <a:rPr b="0" lang="en-US" sz="1800" spc="-1" strike="noStrike">
                 <a:solidFill>
                   <a:srgbClr val="000000"/>
                 </a:solidFill>
@@ -3136,7 +3136,7 @@
               </a:rPr>
               <a:t>Third Outline Level</a:t>
             </a:r>
-            <a:endParaRPr b="0" lang="en-US" sz="2400" spc="-1" strike="noStrike">
+            <a:endParaRPr b="0" lang="en-US" sz="1800" spc="-1" strike="noStrike">
               <a:solidFill>
                 <a:srgbClr val="000000"/>
               </a:solidFill>
@@ -3158,7 +3158,7 @@
               <a:buChar char=""/>
             </a:pPr>
             <a:r>
-              <a:rPr b="0" lang="en-US" sz="2000" spc="-1" strike="noStrike">
+              <a:rPr b="0" lang="en-US" sz="1800" spc="-1" strike="noStrike">
                 <a:solidFill>
                   <a:srgbClr val="000000"/>
                 </a:solidFill>
@@ -3171,7 +3171,7 @@
               </a:rPr>
               <a:t>Fourth Outline Level</a:t>
             </a:r>
-            <a:endParaRPr b="0" lang="en-US" sz="2000" spc="-1" strike="noStrike">
+            <a:endParaRPr b="0" lang="en-US" sz="1800" spc="-1" strike="noStrike">
               <a:solidFill>
                 <a:srgbClr val="000000"/>
               </a:solidFill>
@@ -3193,7 +3193,7 @@
               <a:buChar char=""/>
             </a:pPr>
             <a:r>
-              <a:rPr b="0" lang="en-US" sz="2000" spc="-1" strike="noStrike">
+              <a:rPr b="0" lang="en-US" sz="1800" spc="-1" strike="noStrike">
                 <a:solidFill>
                   <a:srgbClr val="000000"/>
                 </a:solidFill>
@@ -3206,7 +3206,7 @@
               </a:rPr>
               <a:t>Fifth Outline Level</a:t>
             </a:r>
-            <a:endParaRPr b="0" lang="en-US" sz="2000" spc="-1" strike="noStrike">
+            <a:endParaRPr b="0" lang="en-US" sz="1800" spc="-1" strike="noStrike">
               <a:solidFill>
                 <a:srgbClr val="000000"/>
               </a:solidFill>
@@ -3228,7 +3228,7 @@
               <a:buChar char=""/>
             </a:pPr>
             <a:r>
-              <a:rPr b="0" lang="en-US" sz="2000" spc="-1" strike="noStrike">
+              <a:rPr b="0" lang="en-US" sz="1800" spc="-1" strike="noStrike">
                 <a:solidFill>
                   <a:srgbClr val="000000"/>
                 </a:solidFill>
@@ -3241,7 +3241,7 @@
               </a:rPr>
               <a:t>Sixth Outline Level</a:t>
             </a:r>
-            <a:endParaRPr b="0" lang="en-US" sz="2000" spc="-1" strike="noStrike">
+            <a:endParaRPr b="0" lang="en-US" sz="1800" spc="-1" strike="noStrike">
               <a:solidFill>
                 <a:srgbClr val="000000"/>
               </a:solidFill>
@@ -3263,7 +3263,7 @@
               <a:buChar char=""/>
             </a:pPr>
             <a:r>
-              <a:rPr b="0" lang="en-US" sz="2000" spc="-1" strike="noStrike">
+              <a:rPr b="0" lang="en-US" sz="1800" spc="-1" strike="noStrike">
                 <a:solidFill>
                   <a:srgbClr val="000000"/>
                 </a:solidFill>
@@ -3276,7 +3276,7 @@
               </a:rPr>
               <a:t>Seventh Outline Level</a:t>
             </a:r>
-            <a:endParaRPr b="0" lang="en-US" sz="2000" spc="-1" strike="noStrike">
+            <a:endParaRPr b="0" lang="en-US" sz="1800" spc="-1" strike="noStrike">
               <a:solidFill>
                 <a:srgbClr val="000000"/>
               </a:solidFill>
@@ -3340,7 +3340,7 @@
         <p:spPr>
           <a:xfrm>
             <a:off x="504000" y="301320"/>
-            <a:ext cx="9071280" cy="1261800"/>
+            <a:ext cx="9072000" cy="1261800"/>
           </a:xfrm>
           <a:prstGeom prst="rect">
             <a:avLst/>
@@ -3350,6 +3350,20 @@
           <a:bodyPr lIns="0" rIns="0" tIns="0" bIns="0" anchor="ctr"/>
           <a:p>
             <a:pPr algn="ctr"/>
+            <a:r>
+              <a:rPr b="0" lang="en-US" sz="4400" spc="-1" strike="noStrike">
+                <a:solidFill>
+                  <a:srgbClr val="000000"/>
+                </a:solidFill>
+                <a:uFill>
+                  <a:solidFill>
+                    <a:srgbClr val="ffffff"/>
+                  </a:solidFill>
+                </a:uFill>
+                <a:latin typeface="Arial"/>
+              </a:rPr>
+              <a:t>Click to edit the title text format</a:t>
+            </a:r>
             <a:endParaRPr b="0" lang="en-US" sz="4400" spc="-1" strike="noStrike">
               <a:solidFill>
                 <a:srgbClr val="000000"/>
@@ -3376,8 +3390,8 @@
         </p:nvSpPr>
         <p:spPr>
           <a:xfrm>
-            <a:off x="504000" y="1769040"/>
-            <a:ext cx="9071280" cy="4384080"/>
+            <a:off x="504000" y="1768680"/>
+            <a:ext cx="9072000" cy="4384080"/>
           </a:xfrm>
           <a:prstGeom prst="rect">
             <a:avLst/>
@@ -3395,7 +3409,7 @@
               <a:buChar char=""/>
             </a:pPr>
             <a:r>
-              <a:rPr b="0" lang="en-US" sz="1800" spc="-1" strike="noStrike">
+              <a:rPr b="0" lang="en-US" sz="3200" spc="-1" strike="noStrike">
                 <a:solidFill>
                   <a:srgbClr val="000000"/>
                 </a:solidFill>
@@ -3408,7 +3422,7 @@
               </a:rPr>
               <a:t>Click to edit the outline text format</a:t>
             </a:r>
-            <a:endParaRPr b="0" lang="en-US" sz="1800" spc="-1" strike="noStrike">
+            <a:endParaRPr b="0" lang="en-US" sz="3200" spc="-1" strike="noStrike">
               <a:solidFill>
                 <a:srgbClr val="000000"/>
               </a:solidFill>
@@ -3430,7 +3444,7 @@
               <a:buChar char=""/>
             </a:pPr>
             <a:r>
-              <a:rPr b="0" lang="en-US" sz="1800" spc="-1" strike="noStrike">
+              <a:rPr b="0" lang="en-US" sz="2800" spc="-1" strike="noStrike">
                 <a:solidFill>
                   <a:srgbClr val="000000"/>
                 </a:solidFill>
@@ -3443,7 +3457,7 @@
               </a:rPr>
               <a:t>Second Outline Level</a:t>
             </a:r>
-            <a:endParaRPr b="0" lang="en-US" sz="1800" spc="-1" strike="noStrike">
+            <a:endParaRPr b="0" lang="en-US" sz="2800" spc="-1" strike="noStrike">
               <a:solidFill>
                 <a:srgbClr val="000000"/>
               </a:solidFill>
@@ -3465,7 +3479,7 @@
               <a:buChar char=""/>
             </a:pPr>
             <a:r>
-              <a:rPr b="0" lang="en-US" sz="1800" spc="-1" strike="noStrike">
+              <a:rPr b="0" lang="en-US" sz="2400" spc="-1" strike="noStrike">
                 <a:solidFill>
                   <a:srgbClr val="000000"/>
                 </a:solidFill>
@@ -3478,7 +3492,7 @@
               </a:rPr>
               <a:t>Third Outline Level</a:t>
             </a:r>
-            <a:endParaRPr b="0" lang="en-US" sz="1800" spc="-1" strike="noStrike">
+            <a:endParaRPr b="0" lang="en-US" sz="2400" spc="-1" strike="noStrike">
               <a:solidFill>
                 <a:srgbClr val="000000"/>
               </a:solidFill>
@@ -3500,7 +3514,7 @@
               <a:buChar char=""/>
             </a:pPr>
             <a:r>
-              <a:rPr b="0" lang="en-US" sz="1800" spc="-1" strike="noStrike">
+              <a:rPr b="0" lang="en-US" sz="2000" spc="-1" strike="noStrike">
                 <a:solidFill>
                   <a:srgbClr val="000000"/>
                 </a:solidFill>
@@ -3513,7 +3527,7 @@
               </a:rPr>
               <a:t>Fourth Outline Level</a:t>
             </a:r>
-            <a:endParaRPr b="0" lang="en-US" sz="1800" spc="-1" strike="noStrike">
+            <a:endParaRPr b="0" lang="en-US" sz="2000" spc="-1" strike="noStrike">
               <a:solidFill>
                 <a:srgbClr val="000000"/>
               </a:solidFill>
@@ -3535,7 +3549,7 @@
               <a:buChar char=""/>
             </a:pPr>
             <a:r>
-              <a:rPr b="0" lang="en-US" sz="1800" spc="-1" strike="noStrike">
+              <a:rPr b="0" lang="en-US" sz="2000" spc="-1" strike="noStrike">
                 <a:solidFill>
                   <a:srgbClr val="000000"/>
                 </a:solidFill>
@@ -3548,7 +3562,7 @@
               </a:rPr>
               <a:t>Fifth Outline Level</a:t>
             </a:r>
-            <a:endParaRPr b="0" lang="en-US" sz="1800" spc="-1" strike="noStrike">
+            <a:endParaRPr b="0" lang="en-US" sz="2000" spc="-1" strike="noStrike">
               <a:solidFill>
                 <a:srgbClr val="000000"/>
               </a:solidFill>
@@ -3570,7 +3584,7 @@
               <a:buChar char=""/>
             </a:pPr>
             <a:r>
-              <a:rPr b="0" lang="en-US" sz="1800" spc="-1" strike="noStrike">
+              <a:rPr b="0" lang="en-US" sz="2000" spc="-1" strike="noStrike">
                 <a:solidFill>
                   <a:srgbClr val="000000"/>
                 </a:solidFill>
@@ -3583,7 +3597,7 @@
               </a:rPr>
               <a:t>Sixth Outline Level</a:t>
             </a:r>
-            <a:endParaRPr b="0" lang="en-US" sz="1800" spc="-1" strike="noStrike">
+            <a:endParaRPr b="0" lang="en-US" sz="2000" spc="-1" strike="noStrike">
               <a:solidFill>
                 <a:srgbClr val="000000"/>
               </a:solidFill>
@@ -3605,7 +3619,7 @@
               <a:buChar char=""/>
             </a:pPr>
             <a:r>
-              <a:rPr b="0" lang="en-US" sz="1800" spc="-1" strike="noStrike">
+              <a:rPr b="0" lang="en-US" sz="2000" spc="-1" strike="noStrike">
                 <a:solidFill>
                   <a:srgbClr val="000000"/>
                 </a:solidFill>
@@ -3618,7 +3632,7 @@
               </a:rPr>
               <a:t>Seventh Outline Level</a:t>
             </a:r>
-            <a:endParaRPr b="0" lang="en-US" sz="1800" spc="-1" strike="noStrike">
+            <a:endParaRPr b="0" lang="en-US" sz="2000" spc="-1" strike="noStrike">
               <a:solidFill>
                 <a:srgbClr val="000000"/>
               </a:solidFill>
@@ -3678,7 +3692,7 @@
         <p:spPr>
           <a:xfrm>
             <a:off x="548640" y="1463040"/>
-            <a:ext cx="9071280" cy="4384080"/>
+            <a:ext cx="9070920" cy="4383720"/>
           </a:xfrm>
           <a:prstGeom prst="rect">
             <a:avLst/>
@@ -3749,6 +3763,7 @@
                   </a:solidFill>
                 </a:uFill>
                 <a:latin typeface="Arial"/>
+                <a:ea typeface="DejaVu Sans"/>
               </a:rPr>
               <a:t>Quote of the day</a:t>
             </a:r>
@@ -3829,7 +3844,7 @@
         <p:spPr>
           <a:xfrm>
             <a:off x="5212080" y="4937760"/>
-            <a:ext cx="4388760" cy="857880"/>
+            <a:ext cx="4388400" cy="857520"/>
           </a:xfrm>
           <a:prstGeom prst="rect">
             <a:avLst/>
@@ -3859,6 +3874,7 @@
                   </a:solidFill>
                 </a:uFill>
                 <a:latin typeface="Arial"/>
+                <a:ea typeface="DejaVu Sans"/>
               </a:rPr>
               <a:t>By,</a:t>
             </a:r>
@@ -3886,6 +3902,7 @@
                   </a:solidFill>
                 </a:uFill>
                 <a:latin typeface="Arial"/>
+                <a:ea typeface="DejaVu Sans"/>
               </a:rPr>
               <a:t>	</a:t>
             </a:r>
@@ -3900,6 +3917,7 @@
                   </a:solidFill>
                 </a:uFill>
                 <a:latin typeface="Arial"/>
+                <a:ea typeface="DejaVu Sans"/>
               </a:rPr>
               <a:t>Shweta Herlekar</a:t>
             </a:r>
@@ -3927,6 +3945,7 @@
                   </a:solidFill>
                 </a:uFill>
                 <a:latin typeface="Arial"/>
+                <a:ea typeface="DejaVu Sans"/>
               </a:rPr>
               <a:t>	</a:t>
             </a:r>
@@ -3941,6 +3960,7 @@
                   </a:solidFill>
                 </a:uFill>
                 <a:latin typeface="Arial"/>
+                <a:ea typeface="DejaVu Sans"/>
               </a:rPr>
               <a:t>June 26, 2018</a:t>
             </a:r>
@@ -4016,7 +4036,7 @@
         <p:spPr>
           <a:xfrm>
             <a:off x="504000" y="301320"/>
-            <a:ext cx="9071280" cy="1261800"/>
+            <a:ext cx="9070920" cy="1261440"/>
           </a:xfrm>
           <a:prstGeom prst="rect">
             <a:avLst/>
@@ -4051,6 +4071,7 @@
                   </a:solidFill>
                 </a:uFill>
                 <a:latin typeface="Arial"/>
+                <a:ea typeface="DejaVu Sans"/>
               </a:rPr>
               <a:t>Agenda</a:t>
             </a:r>
@@ -4077,7 +4098,7 @@
         <p:spPr>
           <a:xfrm>
             <a:off x="504000" y="1769040"/>
-            <a:ext cx="9071280" cy="4384080"/>
+            <a:ext cx="9070920" cy="4383720"/>
           </a:xfrm>
           <a:prstGeom prst="rect">
             <a:avLst/>
@@ -4096,7 +4117,7 @@
         <p:txBody>
           <a:bodyPr lIns="0" rIns="0" tIns="0" bIns="0"/>
           <a:p>
-            <a:pPr marL="432000" indent="-323640">
+            <a:pPr marL="432000" indent="-323280">
               <a:lnSpc>
                 <a:spcPct val="100000"/>
               </a:lnSpc>
@@ -4118,6 +4139,7 @@
                   </a:solidFill>
                 </a:uFill>
                 <a:latin typeface="Arial"/>
+                <a:ea typeface="DejaVu Sans"/>
               </a:rPr>
               <a:t>Design approach</a:t>
             </a:r>
@@ -4134,7 +4156,7 @@
             </a:endParaRPr>
           </a:p>
           <a:p>
-            <a:pPr marL="432000" indent="-323640">
+            <a:pPr marL="432000" indent="-323280">
               <a:lnSpc>
                 <a:spcPct val="100000"/>
               </a:lnSpc>
@@ -4156,6 +4178,7 @@
                   </a:solidFill>
                 </a:uFill>
                 <a:latin typeface="Arial"/>
+                <a:ea typeface="DejaVu Sans"/>
               </a:rPr>
               <a:t>Tools/libraries</a:t>
             </a:r>
@@ -4172,7 +4195,7 @@
             </a:endParaRPr>
           </a:p>
           <a:p>
-            <a:pPr marL="432000" indent="-323640">
+            <a:pPr marL="432000" indent="-323280">
               <a:lnSpc>
                 <a:spcPct val="100000"/>
               </a:lnSpc>
@@ -4194,6 +4217,7 @@
                   </a:solidFill>
                 </a:uFill>
                 <a:latin typeface="Arial"/>
+                <a:ea typeface="DejaVu Sans"/>
               </a:rPr>
               <a:t>Configurations</a:t>
             </a:r>
@@ -4210,7 +4234,7 @@
             </a:endParaRPr>
           </a:p>
           <a:p>
-            <a:pPr marL="432000" indent="-323640">
+            <a:pPr marL="432000" indent="-323280">
               <a:lnSpc>
                 <a:spcPct val="100000"/>
               </a:lnSpc>
@@ -4232,6 +4256,7 @@
                   </a:solidFill>
                 </a:uFill>
                 <a:latin typeface="Arial"/>
+                <a:ea typeface="DejaVu Sans"/>
               </a:rPr>
               <a:t>Screens</a:t>
             </a:r>
@@ -4248,7 +4273,7 @@
             </a:endParaRPr>
           </a:p>
           <a:p>
-            <a:pPr marL="432000" indent="-323640">
+            <a:pPr marL="432000" indent="-323280">
               <a:lnSpc>
                 <a:spcPct val="100000"/>
               </a:lnSpc>
@@ -4270,8 +4295,9 @@
                   </a:solidFill>
                 </a:uFill>
                 <a:latin typeface="Arial"/>
+                <a:ea typeface="DejaVu Sans"/>
               </a:rPr>
-              <a:t>Demo</a:t>
+              <a:t>Application Demo</a:t>
             </a:r>
             <a:endParaRPr b="0" lang="en-US" sz="1800" spc="-1" strike="noStrike">
               <a:solidFill>
@@ -4286,7 +4312,7 @@
             </a:endParaRPr>
           </a:p>
           <a:p>
-            <a:pPr marL="432000" indent="-323640">
+            <a:pPr marL="432000" indent="-323280">
               <a:lnSpc>
                 <a:spcPct val="100000"/>
               </a:lnSpc>
@@ -4308,8 +4334,9 @@
                   </a:solidFill>
                 </a:uFill>
                 <a:latin typeface="Arial"/>
+                <a:ea typeface="DejaVu Sans"/>
               </a:rPr>
-              <a:t>Publishing to play store</a:t>
+              <a:t>Publishing app on play store</a:t>
             </a:r>
             <a:endParaRPr b="0" lang="en-US" sz="1800" spc="-1" strike="noStrike">
               <a:solidFill>
@@ -4387,7 +4414,7 @@
         <p:spPr>
           <a:xfrm>
             <a:off x="1004040" y="2099520"/>
-            <a:ext cx="8198640" cy="3956760"/>
+            <a:ext cx="8198280" cy="3956400"/>
           </a:xfrm>
           <a:prstGeom prst="rect">
             <a:avLst/>
@@ -4409,7 +4436,7 @@
         <p:spPr>
           <a:xfrm>
             <a:off x="1188720" y="457200"/>
-            <a:ext cx="7589160" cy="657000"/>
+            <a:ext cx="7588800" cy="656640"/>
           </a:xfrm>
           <a:prstGeom prst="rect">
             <a:avLst/>
@@ -4444,6 +4471,7 @@
                   </a:solidFill>
                 </a:uFill>
                 <a:latin typeface="Arial"/>
+                <a:ea typeface="DejaVu Sans"/>
               </a:rPr>
               <a:t>Design</a:t>
             </a:r>
@@ -4519,7 +4547,7 @@
         <p:spPr>
           <a:xfrm>
             <a:off x="504000" y="301320"/>
-            <a:ext cx="9071280" cy="1261800"/>
+            <a:ext cx="9070920" cy="1261440"/>
           </a:xfrm>
           <a:prstGeom prst="rect">
             <a:avLst/>
@@ -4554,6 +4582,7 @@
                   </a:solidFill>
                 </a:uFill>
                 <a:latin typeface="Arial"/>
+                <a:ea typeface="DejaVu Sans"/>
               </a:rPr>
               <a:t>Tools/Libraries</a:t>
             </a:r>
@@ -4580,7 +4609,7 @@
         <p:spPr>
           <a:xfrm>
             <a:off x="504000" y="1371600"/>
-            <a:ext cx="9071280" cy="2285640"/>
+            <a:ext cx="9070920" cy="2285280"/>
           </a:xfrm>
           <a:prstGeom prst="rect">
             <a:avLst/>
@@ -4599,7 +4628,7 @@
         <p:txBody>
           <a:bodyPr lIns="0" rIns="0" tIns="0" bIns="0"/>
           <a:p>
-            <a:pPr marL="432000" indent="-323640">
+            <a:pPr marL="432000" indent="-323280">
               <a:lnSpc>
                 <a:spcPct val="100000"/>
               </a:lnSpc>
@@ -4621,6 +4650,7 @@
                   </a:solidFill>
                 </a:uFill>
                 <a:latin typeface="Arial"/>
+                <a:ea typeface="DejaVu Sans"/>
               </a:rPr>
               <a:t>Android Studio</a:t>
             </a:r>
@@ -4637,7 +4667,7 @@
             </a:endParaRPr>
           </a:p>
           <a:p>
-            <a:pPr marL="432000" indent="-323640">
+            <a:pPr marL="432000" indent="-323280">
               <a:lnSpc>
                 <a:spcPct val="100000"/>
               </a:lnSpc>
@@ -4659,6 +4689,7 @@
                   </a:solidFill>
                 </a:uFill>
                 <a:latin typeface="Arial"/>
+                <a:ea typeface="DejaVu Sans"/>
               </a:rPr>
               <a:t>GitHub</a:t>
             </a:r>
@@ -4675,7 +4706,7 @@
             </a:endParaRPr>
           </a:p>
           <a:p>
-            <a:pPr marL="432000" indent="-323640">
+            <a:pPr marL="432000" indent="-323280">
               <a:lnSpc>
                 <a:spcPct val="100000"/>
               </a:lnSpc>
@@ -4697,6 +4728,7 @@
                   </a:solidFill>
                 </a:uFill>
                 <a:latin typeface="Arial"/>
+                <a:ea typeface="DejaVu Sans"/>
               </a:rPr>
               <a:t>Google services library for Google sign-in</a:t>
             </a:r>
@@ -4713,7 +4745,7 @@
             </a:endParaRPr>
           </a:p>
           <a:p>
-            <a:pPr marL="432000" indent="-323640">
+            <a:pPr marL="432000" indent="-323280">
               <a:lnSpc>
                 <a:spcPct val="100000"/>
               </a:lnSpc>
@@ -4735,6 +4767,7 @@
                   </a:solidFill>
                 </a:uFill>
                 <a:latin typeface="Arial"/>
+                <a:ea typeface="DejaVu Sans"/>
               </a:rPr>
               <a:t>Firebase messaging library</a:t>
             </a:r>
@@ -4760,8 +4793,8 @@
         </p:nvSpPr>
         <p:spPr>
           <a:xfrm>
-            <a:off x="504000" y="3767040"/>
-            <a:ext cx="9071280" cy="1078920"/>
+            <a:off x="504000" y="3584880"/>
+            <a:ext cx="9070920" cy="1078560"/>
           </a:xfrm>
           <a:prstGeom prst="rect">
             <a:avLst/>
@@ -4796,6 +4829,7 @@
                   </a:solidFill>
                 </a:uFill>
                 <a:latin typeface="Arial"/>
+                <a:ea typeface="DejaVu Sans"/>
               </a:rPr>
               <a:t>Configurations</a:t>
             </a:r>
@@ -4822,7 +4856,7 @@
         <p:spPr>
           <a:xfrm>
             <a:off x="457200" y="4910400"/>
-            <a:ext cx="9071280" cy="1855800"/>
+            <a:ext cx="9070920" cy="1855440"/>
           </a:xfrm>
           <a:prstGeom prst="rect">
             <a:avLst/>
@@ -4841,7 +4875,7 @@
         <p:txBody>
           <a:bodyPr lIns="0" rIns="0" tIns="0" bIns="0"/>
           <a:p>
-            <a:pPr marL="432000" indent="-323640">
+            <a:pPr marL="432000" indent="-323280">
               <a:lnSpc>
                 <a:spcPct val="100000"/>
               </a:lnSpc>
@@ -4863,6 +4897,7 @@
                   </a:solidFill>
                 </a:uFill>
                 <a:latin typeface="Arial"/>
+                <a:ea typeface="DejaVu Sans"/>
               </a:rPr>
               <a:t>Google cloud app engine</a:t>
             </a:r>
@@ -4879,7 +4914,7 @@
             </a:endParaRPr>
           </a:p>
           <a:p>
-            <a:pPr marL="432000" indent="-323640">
+            <a:pPr marL="432000" indent="-323280">
               <a:lnSpc>
                 <a:spcPct val="100000"/>
               </a:lnSpc>
@@ -4901,6 +4936,7 @@
                   </a:solidFill>
                 </a:uFill>
                 <a:latin typeface="Arial"/>
+                <a:ea typeface="DejaVu Sans"/>
               </a:rPr>
               <a:t>Google cloud datastore</a:t>
             </a:r>
@@ -4917,7 +4953,7 @@
             </a:endParaRPr>
           </a:p>
           <a:p>
-            <a:pPr marL="432000" indent="-323640">
+            <a:pPr marL="432000" indent="-323280">
               <a:lnSpc>
                 <a:spcPct val="100000"/>
               </a:lnSpc>
@@ -4939,6 +4975,7 @@
                   </a:solidFill>
                 </a:uFill>
                 <a:latin typeface="Arial"/>
+                <a:ea typeface="DejaVu Sans"/>
               </a:rPr>
               <a:t>Google cloud storage</a:t>
             </a:r>
@@ -4955,7 +4992,7 @@
             </a:endParaRPr>
           </a:p>
           <a:p>
-            <a:pPr marL="432000" indent="-323640">
+            <a:pPr marL="432000" indent="-323280">
               <a:lnSpc>
                 <a:spcPct val="100000"/>
               </a:lnSpc>
@@ -4977,6 +5014,7 @@
                   </a:solidFill>
                 </a:uFill>
                 <a:latin typeface="Arial"/>
+                <a:ea typeface="DejaVu Sans"/>
               </a:rPr>
               <a:t>Linking GCP project with FCM console</a:t>
             </a:r>
@@ -5052,7 +5090,7 @@
         <p:spPr>
           <a:xfrm>
             <a:off x="504000" y="301320"/>
-            <a:ext cx="9071280" cy="1261800"/>
+            <a:ext cx="9070920" cy="1261440"/>
           </a:xfrm>
           <a:prstGeom prst="rect">
             <a:avLst/>
@@ -5087,6 +5125,7 @@
                   </a:solidFill>
                 </a:uFill>
                 <a:latin typeface="Arial"/>
+                <a:ea typeface="DejaVu Sans"/>
               </a:rPr>
               <a:t>Screens</a:t>
             </a:r>
@@ -5117,7 +5156,7 @@
         <p:spPr>
           <a:xfrm>
             <a:off x="5694120" y="2377440"/>
-            <a:ext cx="2571120" cy="4572000"/>
+            <a:ext cx="2570760" cy="4571640"/>
           </a:xfrm>
           <a:prstGeom prst="rect">
             <a:avLst/>
@@ -5145,7 +5184,7 @@
         <p:spPr>
           <a:xfrm>
             <a:off x="1997640" y="2468880"/>
-            <a:ext cx="2574360" cy="4577760"/>
+            <a:ext cx="2574000" cy="4577400"/>
           </a:xfrm>
           <a:prstGeom prst="rect">
             <a:avLst/>
@@ -5160,14 +5199,14 @@
       </p:pic>
       <p:sp>
         <p:nvSpPr>
-          <p:cNvPr id="85" name="TextShape 2"/>
-          <p:cNvSpPr txBox="1"/>
+          <p:cNvPr id="85" name="CustomShape 2"/>
+          <p:cNvSpPr/>
           <p:nvPr/>
         </p:nvSpPr>
         <p:spPr>
           <a:xfrm>
             <a:off x="2194560" y="1563120"/>
-            <a:ext cx="2468880" cy="346320"/>
+            <a:ext cx="2468520" cy="345960"/>
           </a:xfrm>
           <a:prstGeom prst="rect">
             <a:avLst/>
@@ -5177,6 +5216,12 @@
             <a:noFill/>
           </a:ln>
         </p:spPr>
+        <p:style>
+          <a:lnRef idx="0"/>
+          <a:fillRef idx="0"/>
+          <a:effectRef idx="0"/>
+          <a:fontRef idx="minor"/>
+        </p:style>
         <p:txBody>
           <a:bodyPr lIns="90000" rIns="90000" tIns="45000" bIns="45000"/>
           <a:p>
@@ -5194,30 +5239,30 @@
               </a:rPr>
               <a:t>Login screen</a:t>
             </a:r>
-            <a:endParaRPr b="1" lang="en-US" sz="1800" spc="-1" strike="noStrike">
-              <a:solidFill>
-                <a:srgbClr val="000000"/>
-              </a:solidFill>
-              <a:uFill>
-                <a:solidFill>
-                  <a:srgbClr val="ffffff"/>
-                </a:solidFill>
-              </a:uFill>
-              <a:latin typeface="Arial"/>
-            </a:endParaRPr>
-          </a:p>
-        </p:txBody>
-      </p:sp>
-      <p:sp>
-        <p:nvSpPr>
-          <p:cNvPr id="86" name="TextShape 3"/>
-          <p:cNvSpPr txBox="1"/>
+            <a:endParaRPr b="0" lang="en-US" sz="1800" spc="-1" strike="noStrike">
+              <a:solidFill>
+                <a:srgbClr val="000000"/>
+              </a:solidFill>
+              <a:uFill>
+                <a:solidFill>
+                  <a:srgbClr val="ffffff"/>
+                </a:solidFill>
+              </a:uFill>
+              <a:latin typeface="Arial"/>
+            </a:endParaRPr>
+          </a:p>
+        </p:txBody>
+      </p:sp>
+      <p:sp>
+        <p:nvSpPr>
+          <p:cNvPr id="86" name="CustomShape 3"/>
+          <p:cNvSpPr/>
           <p:nvPr/>
         </p:nvSpPr>
         <p:spPr>
           <a:xfrm>
             <a:off x="5852160" y="1563120"/>
-            <a:ext cx="2834640" cy="602280"/>
+            <a:ext cx="2834280" cy="601920"/>
           </a:xfrm>
           <a:prstGeom prst="rect">
             <a:avLst/>
@@ -5227,6 +5272,12 @@
             <a:noFill/>
           </a:ln>
         </p:spPr>
+        <p:style>
+          <a:lnRef idx="0"/>
+          <a:fillRef idx="0"/>
+          <a:effectRef idx="0"/>
+          <a:fontRef idx="minor"/>
+        </p:style>
         <p:txBody>
           <a:bodyPr lIns="90000" rIns="90000" tIns="45000" bIns="45000"/>
           <a:p>
@@ -5244,7 +5295,7 @@
               </a:rPr>
               <a:t>Google Login accounts</a:t>
             </a:r>
-            <a:endParaRPr b="1" lang="en-US" sz="1800" spc="-1" strike="noStrike">
+            <a:endParaRPr b="0" lang="en-US" sz="1800" spc="-1" strike="noStrike">
               <a:solidFill>
                 <a:srgbClr val="000000"/>
               </a:solidFill>
@@ -5316,7 +5367,7 @@
         <p:spPr>
           <a:xfrm>
             <a:off x="504000" y="301320"/>
-            <a:ext cx="9071280" cy="887400"/>
+            <a:ext cx="9070920" cy="887040"/>
           </a:xfrm>
           <a:prstGeom prst="rect">
             <a:avLst/>
@@ -5351,6 +5402,7 @@
                   </a:solidFill>
                 </a:uFill>
                 <a:latin typeface="Arial"/>
+                <a:ea typeface="DejaVu Sans"/>
               </a:rPr>
               <a:t>Screen</a:t>
             </a:r>
@@ -5365,6 +5417,7 @@
                   </a:solidFill>
                 </a:uFill>
                 <a:latin typeface="Arial"/>
+                <a:ea typeface="DejaVu Sans"/>
               </a:rPr>
               <a:t>(continued)</a:t>
             </a:r>
@@ -5395,7 +5448,7 @@
         <p:spPr>
           <a:xfrm>
             <a:off x="6883560" y="2651760"/>
-            <a:ext cx="2520000" cy="4480560"/>
+            <a:ext cx="2519640" cy="4480200"/>
           </a:xfrm>
           <a:prstGeom prst="rect">
             <a:avLst/>
@@ -5422,7 +5475,7 @@
         <p:spPr>
           <a:xfrm>
             <a:off x="822960" y="2652120"/>
-            <a:ext cx="2520000" cy="4480200"/>
+            <a:ext cx="2519640" cy="4479840"/>
           </a:xfrm>
           <a:prstGeom prst="rect">
             <a:avLst/>
@@ -5448,7 +5501,7 @@
         <p:spPr>
           <a:xfrm>
             <a:off x="3931920" y="2652120"/>
-            <a:ext cx="2520000" cy="4480200"/>
+            <a:ext cx="2519640" cy="4479840"/>
           </a:xfrm>
           <a:prstGeom prst="rect">
             <a:avLst/>
@@ -5463,14 +5516,14 @@
       </p:pic>
       <p:sp>
         <p:nvSpPr>
-          <p:cNvPr id="91" name="TextShape 2"/>
-          <p:cNvSpPr txBox="1"/>
+          <p:cNvPr id="91" name="CustomShape 2"/>
+          <p:cNvSpPr/>
           <p:nvPr/>
         </p:nvSpPr>
         <p:spPr>
           <a:xfrm>
             <a:off x="822960" y="1554480"/>
-            <a:ext cx="2468880" cy="602280"/>
+            <a:ext cx="2468520" cy="601920"/>
           </a:xfrm>
           <a:prstGeom prst="rect">
             <a:avLst/>
@@ -5480,6 +5533,12 @@
             <a:noFill/>
           </a:ln>
         </p:spPr>
+        <p:style>
+          <a:lnRef idx="0"/>
+          <a:fillRef idx="0"/>
+          <a:effectRef idx="0"/>
+          <a:fontRef idx="minor"/>
+        </p:style>
         <p:txBody>
           <a:bodyPr lIns="90000" rIns="90000" tIns="45000" bIns="45000"/>
           <a:p>
@@ -5497,30 +5556,30 @@
               </a:rPr>
               <a:t>FCM notification expandable pop up</a:t>
             </a:r>
-            <a:endParaRPr b="1" lang="en-US" sz="1800" spc="-1" strike="noStrike">
-              <a:solidFill>
-                <a:srgbClr val="000000"/>
-              </a:solidFill>
-              <a:uFill>
-                <a:solidFill>
-                  <a:srgbClr val="ffffff"/>
-                </a:solidFill>
-              </a:uFill>
-              <a:latin typeface="Arial"/>
-            </a:endParaRPr>
-          </a:p>
-        </p:txBody>
-      </p:sp>
-      <p:sp>
-        <p:nvSpPr>
-          <p:cNvPr id="92" name="TextShape 3"/>
-          <p:cNvSpPr txBox="1"/>
+            <a:endParaRPr b="0" lang="en-US" sz="1800" spc="-1" strike="noStrike">
+              <a:solidFill>
+                <a:srgbClr val="000000"/>
+              </a:solidFill>
+              <a:uFill>
+                <a:solidFill>
+                  <a:srgbClr val="ffffff"/>
+                </a:solidFill>
+              </a:uFill>
+              <a:latin typeface="Arial"/>
+            </a:endParaRPr>
+          </a:p>
+        </p:txBody>
+      </p:sp>
+      <p:sp>
+        <p:nvSpPr>
+          <p:cNvPr id="92" name="CustomShape 3"/>
+          <p:cNvSpPr/>
           <p:nvPr/>
         </p:nvSpPr>
         <p:spPr>
           <a:xfrm>
             <a:off x="3931920" y="1592280"/>
-            <a:ext cx="2468880" cy="346320"/>
+            <a:ext cx="2468520" cy="345960"/>
           </a:xfrm>
           <a:prstGeom prst="rect">
             <a:avLst/>
@@ -5530,6 +5589,12 @@
             <a:noFill/>
           </a:ln>
         </p:spPr>
+        <p:style>
+          <a:lnRef idx="0"/>
+          <a:fillRef idx="0"/>
+          <a:effectRef idx="0"/>
+          <a:fontRef idx="minor"/>
+        </p:style>
         <p:txBody>
           <a:bodyPr lIns="90000" rIns="90000" tIns="45000" bIns="45000"/>
           <a:p>
@@ -5547,30 +5612,30 @@
               </a:rPr>
               <a:t>Quote image</a:t>
             </a:r>
-            <a:endParaRPr b="1" lang="en-US" sz="1800" spc="-1" strike="noStrike">
-              <a:solidFill>
-                <a:srgbClr val="000000"/>
-              </a:solidFill>
-              <a:uFill>
-                <a:solidFill>
-                  <a:srgbClr val="ffffff"/>
-                </a:solidFill>
-              </a:uFill>
-              <a:latin typeface="Arial"/>
-            </a:endParaRPr>
-          </a:p>
-        </p:txBody>
-      </p:sp>
-      <p:sp>
-        <p:nvSpPr>
-          <p:cNvPr id="93" name="TextShape 4"/>
-          <p:cNvSpPr txBox="1"/>
+            <a:endParaRPr b="0" lang="en-US" sz="1800" spc="-1" strike="noStrike">
+              <a:solidFill>
+                <a:srgbClr val="000000"/>
+              </a:solidFill>
+              <a:uFill>
+                <a:solidFill>
+                  <a:srgbClr val="ffffff"/>
+                </a:solidFill>
+              </a:uFill>
+              <a:latin typeface="Arial"/>
+            </a:endParaRPr>
+          </a:p>
+        </p:txBody>
+      </p:sp>
+      <p:sp>
+        <p:nvSpPr>
+          <p:cNvPr id="93" name="CustomShape 4"/>
+          <p:cNvSpPr/>
           <p:nvPr/>
         </p:nvSpPr>
         <p:spPr>
           <a:xfrm>
             <a:off x="6949440" y="1554480"/>
-            <a:ext cx="2468880" cy="346320"/>
+            <a:ext cx="2468520" cy="345960"/>
           </a:xfrm>
           <a:prstGeom prst="rect">
             <a:avLst/>
@@ -5580,6 +5645,12 @@
             <a:noFill/>
           </a:ln>
         </p:spPr>
+        <p:style>
+          <a:lnRef idx="0"/>
+          <a:fillRef idx="0"/>
+          <a:effectRef idx="0"/>
+          <a:fontRef idx="minor"/>
+        </p:style>
         <p:txBody>
           <a:bodyPr lIns="90000" rIns="90000" tIns="45000" bIns="45000"/>
           <a:p>
@@ -5597,7 +5668,7 @@
               </a:rPr>
               <a:t>Menus</a:t>
             </a:r>
-            <a:endParaRPr b="1" lang="en-US" sz="1800" spc="-1" strike="noStrike">
+            <a:endParaRPr b="0" lang="en-US" sz="1800" spc="-1" strike="noStrike">
               <a:solidFill>
                 <a:srgbClr val="000000"/>
               </a:solidFill>
@@ -5669,7 +5740,7 @@
         <p:spPr>
           <a:xfrm>
             <a:off x="504000" y="301320"/>
-            <a:ext cx="9071280" cy="1261800"/>
+            <a:ext cx="9070920" cy="1261440"/>
           </a:xfrm>
           <a:prstGeom prst="rect">
             <a:avLst/>
@@ -5704,8 +5775,9 @@
                   </a:solidFill>
                 </a:uFill>
                 <a:latin typeface="Arial"/>
+                <a:ea typeface="DejaVu Sans"/>
               </a:rPr>
-              <a:t>Publishing to Google Play store</a:t>
+              <a:t>Publishing app on Google Play store</a:t>
             </a:r>
             <a:endParaRPr b="0" lang="en-US" sz="1800" spc="-1" strike="noStrike">
               <a:solidFill>
@@ -5730,7 +5802,7 @@
         <p:spPr>
           <a:xfrm>
             <a:off x="504000" y="1769040"/>
-            <a:ext cx="9071280" cy="4384080"/>
+            <a:ext cx="9070920" cy="4383720"/>
           </a:xfrm>
           <a:prstGeom prst="rect">
             <a:avLst/>
@@ -5749,7 +5821,7 @@
         <p:txBody>
           <a:bodyPr lIns="0" rIns="0" tIns="0" bIns="0"/>
           <a:p>
-            <a:pPr marL="432000" indent="-323640">
+            <a:pPr marL="432000" indent="-323280">
               <a:lnSpc>
                 <a:spcPct val="100000"/>
               </a:lnSpc>
@@ -5771,6 +5843,7 @@
                   </a:solidFill>
                 </a:uFill>
                 <a:latin typeface="Arial"/>
+                <a:ea typeface="DejaVu Sans"/>
               </a:rPr>
               <a:t>Develop an app</a:t>
             </a:r>
@@ -5787,7 +5860,7 @@
             </a:endParaRPr>
           </a:p>
           <a:p>
-            <a:pPr marL="432000" indent="-323640">
+            <a:pPr marL="432000" indent="-323280">
               <a:lnSpc>
                 <a:spcPct val="100000"/>
               </a:lnSpc>
@@ -5809,6 +5882,7 @@
                   </a:solidFill>
                 </a:uFill>
                 <a:latin typeface="Arial"/>
+                <a:ea typeface="DejaVu Sans"/>
               </a:rPr>
               <a:t>Generate a signed apk</a:t>
             </a:r>
@@ -5825,7 +5899,7 @@
             </a:endParaRPr>
           </a:p>
           <a:p>
-            <a:pPr marL="432000" indent="-323640">
+            <a:pPr marL="432000" indent="-323280">
               <a:lnSpc>
                 <a:spcPct val="100000"/>
               </a:lnSpc>
@@ -5847,6 +5921,7 @@
                   </a:solidFill>
                 </a:uFill>
                 <a:latin typeface="Arial"/>
+                <a:ea typeface="DejaVu Sans"/>
               </a:rPr>
               <a:t>Login to Google Play console</a:t>
             </a:r>
@@ -5863,7 +5938,7 @@
             </a:endParaRPr>
           </a:p>
           <a:p>
-            <a:pPr marL="432000" indent="-323640">
+            <a:pPr marL="432000" indent="-323280">
               <a:lnSpc>
                 <a:spcPct val="100000"/>
               </a:lnSpc>
@@ -5885,6 +5960,7 @@
                   </a:solidFill>
                 </a:uFill>
                 <a:latin typeface="Arial"/>
+                <a:ea typeface="DejaVu Sans"/>
               </a:rPr>
               <a:t>Create the merchant account</a:t>
             </a:r>
@@ -5901,7 +5977,7 @@
             </a:endParaRPr>
           </a:p>
           <a:p>
-            <a:pPr marL="432000" indent="-323640">
+            <a:pPr marL="432000" indent="-323280">
               <a:lnSpc>
                 <a:spcPct val="100000"/>
               </a:lnSpc>
@@ -5923,6 +5999,7 @@
                   </a:solidFill>
                 </a:uFill>
                 <a:latin typeface="Arial"/>
+                <a:ea typeface="DejaVu Sans"/>
               </a:rPr>
               <a:t>Pay $25 registration fees</a:t>
             </a:r>
@@ -5939,7 +6016,7 @@
             </a:endParaRPr>
           </a:p>
           <a:p>
-            <a:pPr marL="432000" indent="-323640">
+            <a:pPr marL="432000" indent="-323280">
               <a:lnSpc>
                 <a:spcPct val="100000"/>
               </a:lnSpc>
@@ -5961,6 +6038,7 @@
                   </a:solidFill>
                 </a:uFill>
                 <a:latin typeface="Arial"/>
+                <a:ea typeface="DejaVu Sans"/>
               </a:rPr>
               <a:t>Fill in the mandatory fields in app listing</a:t>
             </a:r>
@@ -5977,7 +6055,7 @@
             </a:endParaRPr>
           </a:p>
           <a:p>
-            <a:pPr marL="432000" indent="-323640">
+            <a:pPr marL="432000" indent="-323280">
               <a:lnSpc>
                 <a:spcPct val="100000"/>
               </a:lnSpc>
@@ -5999,6 +6077,7 @@
                   </a:solidFill>
                 </a:uFill>
                 <a:latin typeface="Arial"/>
+                <a:ea typeface="DejaVu Sans"/>
               </a:rPr>
               <a:t>Upload apk</a:t>
             </a:r>
@@ -6074,7 +6153,7 @@
         <p:spPr>
           <a:xfrm>
             <a:off x="529560" y="2852640"/>
-            <a:ext cx="9071280" cy="1261800"/>
+            <a:ext cx="9070920" cy="1261440"/>
           </a:xfrm>
           <a:prstGeom prst="rect">
             <a:avLst/>
@@ -6109,6 +6188,7 @@
                   </a:solidFill>
                 </a:uFill>
                 <a:latin typeface="Arial"/>
+                <a:ea typeface="DejaVu Sans"/>
               </a:rPr>
               <a:t>Thank You!!</a:t>
             </a:r>
